--- a/results/figures/pptx/physical_symptoms_burden.pptx
+++ b/results/figures/pptx/physical_symptoms_burden.pptx
@@ -2271,15 +2271,15 @@
           </p:nvSpPr>
           <p:spPr>
             <a:xfrm>
-              <a:off x="3084292" y="1979980"/>
-              <a:ext cx="0" cy="5241319"/>
+              <a:off x="3084292" y="1415665"/>
+              <a:ext cx="0" cy="5805634"/>
             </a:xfrm>
             <a:custGeom>
               <a:avLst/>
               <a:pathLst>
-                <a:path w="0" h="5241319">
+                <a:path w="0" h="5805634">
                   <a:moveTo>
-                    <a:pt x="0" y="5241319"/>
+                    <a:pt x="0" y="5805634"/>
                   </a:moveTo>
                   <a:lnTo>
                     <a:pt x="0" y="0"/>
@@ -2314,15 +2314,15 @@
           </p:nvSpPr>
           <p:spPr>
             <a:xfrm>
-              <a:off x="3468962" y="1979980"/>
-              <a:ext cx="0" cy="5241319"/>
+              <a:off x="3468962" y="1415665"/>
+              <a:ext cx="0" cy="5805634"/>
             </a:xfrm>
             <a:custGeom>
               <a:avLst/>
               <a:pathLst>
-                <a:path w="0" h="5241319">
+                <a:path w="0" h="5805634">
                   <a:moveTo>
-                    <a:pt x="0" y="5241319"/>
+                    <a:pt x="0" y="5805634"/>
                   </a:moveTo>
                   <a:lnTo>
                     <a:pt x="0" y="0"/>
@@ -2357,15 +2357,15 @@
           </p:nvSpPr>
           <p:spPr>
             <a:xfrm>
-              <a:off x="3853632" y="1979980"/>
-              <a:ext cx="0" cy="5241319"/>
+              <a:off x="3853632" y="1415665"/>
+              <a:ext cx="0" cy="5805634"/>
             </a:xfrm>
             <a:custGeom>
               <a:avLst/>
               <a:pathLst>
-                <a:path w="0" h="5241319">
+                <a:path w="0" h="5805634">
                   <a:moveTo>
-                    <a:pt x="0" y="5241319"/>
+                    <a:pt x="0" y="5805634"/>
                   </a:moveTo>
                   <a:lnTo>
                     <a:pt x="0" y="0"/>
@@ -2400,15 +2400,15 @@
           </p:nvSpPr>
           <p:spPr>
             <a:xfrm>
-              <a:off x="4238302" y="1979980"/>
-              <a:ext cx="0" cy="5241319"/>
+              <a:off x="4238302" y="1415665"/>
+              <a:ext cx="0" cy="5805634"/>
             </a:xfrm>
             <a:custGeom>
               <a:avLst/>
               <a:pathLst>
-                <a:path w="0" h="5241319">
+                <a:path w="0" h="5805634">
                   <a:moveTo>
-                    <a:pt x="0" y="5241319"/>
+                    <a:pt x="0" y="5805634"/>
                   </a:moveTo>
                   <a:lnTo>
                     <a:pt x="0" y="0"/>
@@ -2443,15 +2443,15 @@
           </p:nvSpPr>
           <p:spPr>
             <a:xfrm>
-              <a:off x="4622972" y="1979980"/>
-              <a:ext cx="0" cy="5241319"/>
+              <a:off x="4622972" y="1415665"/>
+              <a:ext cx="0" cy="5805634"/>
             </a:xfrm>
             <a:custGeom>
               <a:avLst/>
               <a:pathLst>
-                <a:path w="0" h="5241319">
+                <a:path w="0" h="5805634">
                   <a:moveTo>
-                    <a:pt x="0" y="5241319"/>
+                    <a:pt x="0" y="5805634"/>
                   </a:moveTo>
                   <a:lnTo>
                     <a:pt x="0" y="0"/>
@@ -2486,15 +2486,15 @@
           </p:nvSpPr>
           <p:spPr>
             <a:xfrm>
-              <a:off x="5007641" y="1979980"/>
-              <a:ext cx="0" cy="5241319"/>
+              <a:off x="5007641" y="1415665"/>
+              <a:ext cx="0" cy="5805634"/>
             </a:xfrm>
             <a:custGeom>
               <a:avLst/>
               <a:pathLst>
-                <a:path w="0" h="5241319">
+                <a:path w="0" h="5805634">
                   <a:moveTo>
-                    <a:pt x="0" y="5241319"/>
+                    <a:pt x="0" y="5805634"/>
                   </a:moveTo>
                   <a:lnTo>
                     <a:pt x="0" y="0"/>
@@ -2529,15 +2529,15 @@
           </p:nvSpPr>
           <p:spPr>
             <a:xfrm>
-              <a:off x="5392311" y="1979980"/>
-              <a:ext cx="0" cy="5241319"/>
+              <a:off x="5392311" y="1415665"/>
+              <a:ext cx="0" cy="5805634"/>
             </a:xfrm>
             <a:custGeom>
               <a:avLst/>
               <a:pathLst>
-                <a:path w="0" h="5241319">
+                <a:path w="0" h="5805634">
                   <a:moveTo>
-                    <a:pt x="0" y="5241319"/>
+                    <a:pt x="0" y="5805634"/>
                   </a:moveTo>
                   <a:lnTo>
                     <a:pt x="0" y="0"/>
@@ -2572,15 +2572,15 @@
           </p:nvSpPr>
           <p:spPr>
             <a:xfrm>
-              <a:off x="5776981" y="1979980"/>
-              <a:ext cx="0" cy="5241319"/>
+              <a:off x="5776981" y="1415665"/>
+              <a:ext cx="0" cy="5805634"/>
             </a:xfrm>
             <a:custGeom>
               <a:avLst/>
               <a:pathLst>
-                <a:path w="0" h="5241319">
+                <a:path w="0" h="5805634">
                   <a:moveTo>
-                    <a:pt x="0" y="5241319"/>
+                    <a:pt x="0" y="5805634"/>
                   </a:moveTo>
                   <a:lnTo>
                     <a:pt x="0" y="0"/>
@@ -2615,15 +2615,15 @@
           </p:nvSpPr>
           <p:spPr>
             <a:xfrm>
-              <a:off x="6161651" y="1979980"/>
-              <a:ext cx="0" cy="5241319"/>
+              <a:off x="6161651" y="1415665"/>
+              <a:ext cx="0" cy="5805634"/>
             </a:xfrm>
             <a:custGeom>
               <a:avLst/>
               <a:pathLst>
-                <a:path w="0" h="5241319">
+                <a:path w="0" h="5805634">
                   <a:moveTo>
-                    <a:pt x="0" y="5241319"/>
+                    <a:pt x="0" y="5805634"/>
                   </a:moveTo>
                   <a:lnTo>
                     <a:pt x="0" y="0"/>
@@ -2658,15 +2658,15 @@
           </p:nvSpPr>
           <p:spPr>
             <a:xfrm>
-              <a:off x="6546321" y="1979980"/>
-              <a:ext cx="0" cy="5241319"/>
+              <a:off x="6546321" y="1415665"/>
+              <a:ext cx="0" cy="5805634"/>
             </a:xfrm>
             <a:custGeom>
               <a:avLst/>
               <a:pathLst>
-                <a:path w="0" h="5241319">
+                <a:path w="0" h="5805634">
                   <a:moveTo>
-                    <a:pt x="0" y="5241319"/>
+                    <a:pt x="0" y="5805634"/>
                   </a:moveTo>
                   <a:lnTo>
                     <a:pt x="0" y="0"/>
@@ -2701,15 +2701,15 @@
           </p:nvSpPr>
           <p:spPr>
             <a:xfrm>
-              <a:off x="6930991" y="1979980"/>
-              <a:ext cx="0" cy="5241319"/>
+              <a:off x="6930991" y="1415665"/>
+              <a:ext cx="0" cy="5805634"/>
             </a:xfrm>
             <a:custGeom>
               <a:avLst/>
               <a:pathLst>
-                <a:path w="0" h="5241319">
+                <a:path w="0" h="5805634">
                   <a:moveTo>
-                    <a:pt x="0" y="5241319"/>
+                    <a:pt x="0" y="5805634"/>
                   </a:moveTo>
                   <a:lnTo>
                     <a:pt x="0" y="0"/>
@@ -2744,15 +2744,15 @@
           </p:nvSpPr>
           <p:spPr>
             <a:xfrm>
-              <a:off x="7315661" y="1979980"/>
-              <a:ext cx="0" cy="5241319"/>
+              <a:off x="7315661" y="1415665"/>
+              <a:ext cx="0" cy="5805634"/>
             </a:xfrm>
             <a:custGeom>
               <a:avLst/>
               <a:pathLst>
-                <a:path w="0" h="5241319">
+                <a:path w="0" h="5805634">
                   <a:moveTo>
-                    <a:pt x="0" y="5241319"/>
+                    <a:pt x="0" y="5805634"/>
                   </a:moveTo>
                   <a:lnTo>
                     <a:pt x="0" y="0"/>
@@ -2787,8 +2787,8 @@
           </p:nvSpPr>
           <p:spPr>
             <a:xfrm>
-              <a:off x="7007925" y="2025690"/>
-              <a:ext cx="269268" cy="274255"/>
+              <a:off x="7007925" y="1466296"/>
+              <a:ext cx="269268" cy="303783"/>
             </a:xfrm>
             <a:prstGeom prst="rect">
               <a:avLst/>
@@ -2813,8 +2813,8 @@
           </p:nvSpPr>
           <p:spPr>
             <a:xfrm>
-              <a:off x="6507854" y="2025690"/>
-              <a:ext cx="500070" cy="274255"/>
+              <a:off x="6507854" y="1466296"/>
+              <a:ext cx="500070" cy="303783"/>
             </a:xfrm>
             <a:prstGeom prst="rect">
               <a:avLst/>
@@ -2839,8 +2839,8 @@
           </p:nvSpPr>
           <p:spPr>
             <a:xfrm>
-              <a:off x="5776981" y="2025690"/>
-              <a:ext cx="730872" cy="274255"/>
+              <a:off x="5776981" y="1466296"/>
+              <a:ext cx="730872" cy="303783"/>
             </a:xfrm>
             <a:prstGeom prst="rect">
               <a:avLst/>
@@ -2865,8 +2865,8 @@
           </p:nvSpPr>
           <p:spPr>
             <a:xfrm>
-              <a:off x="4546038" y="2025690"/>
-              <a:ext cx="1230943" cy="274255"/>
+              <a:off x="4546038" y="1466296"/>
+              <a:ext cx="1230943" cy="303783"/>
             </a:xfrm>
             <a:prstGeom prst="rect">
               <a:avLst/>
@@ -2891,8 +2891,8 @@
           </p:nvSpPr>
           <p:spPr>
             <a:xfrm>
-              <a:off x="3084292" y="2025690"/>
-              <a:ext cx="1461745" cy="274255"/>
+              <a:off x="3084292" y="1466296"/>
+              <a:ext cx="1461745" cy="303783"/>
             </a:xfrm>
             <a:prstGeom prst="rect">
               <a:avLst/>
@@ -2917,8 +2917,8 @@
           </p:nvSpPr>
           <p:spPr>
             <a:xfrm>
-              <a:off x="3661297" y="6291880"/>
-              <a:ext cx="153867" cy="274255"/>
+              <a:off x="3661297" y="6191812"/>
+              <a:ext cx="153867" cy="303783"/>
             </a:xfrm>
             <a:prstGeom prst="rect">
               <a:avLst/>
@@ -2943,8 +2943,8 @@
           </p:nvSpPr>
           <p:spPr>
             <a:xfrm>
-              <a:off x="3276627" y="6291880"/>
-              <a:ext cx="384669" cy="274255"/>
+              <a:off x="3276627" y="6191812"/>
+              <a:ext cx="384669" cy="303783"/>
             </a:xfrm>
             <a:prstGeom prst="rect">
               <a:avLst/>
@@ -2969,8 +2969,8 @@
           </p:nvSpPr>
           <p:spPr>
             <a:xfrm>
-              <a:off x="3161226" y="6291880"/>
-              <a:ext cx="115400" cy="274255"/>
+              <a:off x="3161226" y="6191812"/>
+              <a:ext cx="115400" cy="303783"/>
             </a:xfrm>
             <a:prstGeom prst="rect">
               <a:avLst/>
@@ -2995,8 +2995,8 @@
           </p:nvSpPr>
           <p:spPr>
             <a:xfrm>
-              <a:off x="3084292" y="6291880"/>
-              <a:ext cx="76933" cy="274255"/>
+              <a:off x="3084292" y="6191812"/>
+              <a:ext cx="76933" cy="303783"/>
             </a:xfrm>
             <a:prstGeom prst="rect">
               <a:avLst/>
@@ -3021,8 +3021,8 @@
           </p:nvSpPr>
           <p:spPr>
             <a:xfrm>
-              <a:off x="4276769" y="4158785"/>
-              <a:ext cx="307735" cy="274255"/>
+              <a:off x="4276769" y="3829054"/>
+              <a:ext cx="307735" cy="303783"/>
             </a:xfrm>
             <a:prstGeom prst="rect">
               <a:avLst/>
@@ -3047,8 +3047,8 @@
           </p:nvSpPr>
           <p:spPr>
             <a:xfrm>
-              <a:off x="4045967" y="4158785"/>
-              <a:ext cx="230801" cy="274255"/>
+              <a:off x="4045967" y="3829054"/>
+              <a:ext cx="230801" cy="303783"/>
             </a:xfrm>
             <a:prstGeom prst="rect">
               <a:avLst/>
@@ -3073,8 +3073,8 @@
           </p:nvSpPr>
           <p:spPr>
             <a:xfrm>
-              <a:off x="3545896" y="4158785"/>
-              <a:ext cx="500070" cy="274255"/>
+              <a:off x="3545896" y="3829054"/>
+              <a:ext cx="500070" cy="303783"/>
             </a:xfrm>
             <a:prstGeom prst="rect">
               <a:avLst/>
@@ -3099,8 +3099,8 @@
           </p:nvSpPr>
           <p:spPr>
             <a:xfrm>
-              <a:off x="3238160" y="4158785"/>
-              <a:ext cx="307735" cy="274255"/>
+              <a:off x="3238160" y="3829054"/>
+              <a:ext cx="307735" cy="303783"/>
             </a:xfrm>
             <a:prstGeom prst="rect">
               <a:avLst/>
@@ -3125,8 +3125,8 @@
           </p:nvSpPr>
           <p:spPr>
             <a:xfrm>
-              <a:off x="3084292" y="4158785"/>
-              <a:ext cx="153867" cy="274255"/>
+              <a:off x="3084292" y="3829054"/>
+              <a:ext cx="153867" cy="303783"/>
             </a:xfrm>
             <a:prstGeom prst="rect">
               <a:avLst/>
@@ -3151,8 +3151,8 @@
           </p:nvSpPr>
           <p:spPr>
             <a:xfrm>
-              <a:off x="3238160" y="6596608"/>
-              <a:ext cx="38466" cy="274255"/>
+              <a:off x="3238160" y="6529349"/>
+              <a:ext cx="38466" cy="303783"/>
             </a:xfrm>
             <a:prstGeom prst="rect">
               <a:avLst/>
@@ -3177,8 +3177,8 @@
           </p:nvSpPr>
           <p:spPr>
             <a:xfrm>
-              <a:off x="3122759" y="6596608"/>
-              <a:ext cx="115400" cy="274255"/>
+              <a:off x="3122759" y="6529349"/>
+              <a:ext cx="115400" cy="303783"/>
             </a:xfrm>
             <a:prstGeom prst="rect">
               <a:avLst/>
@@ -3203,8 +3203,8 @@
           </p:nvSpPr>
           <p:spPr>
             <a:xfrm>
-              <a:off x="3084292" y="6596608"/>
-              <a:ext cx="38466" cy="274255"/>
+              <a:off x="3084292" y="6529349"/>
+              <a:ext cx="38466" cy="303783"/>
             </a:xfrm>
             <a:prstGeom prst="rect">
               <a:avLst/>
@@ -3229,8 +3229,8 @@
           </p:nvSpPr>
           <p:spPr>
             <a:xfrm>
-              <a:off x="4622972" y="3854057"/>
-              <a:ext cx="38466" cy="274255"/>
+              <a:off x="4622972" y="3491517"/>
+              <a:ext cx="38466" cy="303783"/>
             </a:xfrm>
             <a:prstGeom prst="rect">
               <a:avLst/>
@@ -3255,8 +3255,8 @@
           </p:nvSpPr>
           <p:spPr>
             <a:xfrm>
-              <a:off x="4238302" y="3854057"/>
-              <a:ext cx="384669" cy="274255"/>
+              <a:off x="4238302" y="3491517"/>
+              <a:ext cx="384669" cy="303783"/>
             </a:xfrm>
             <a:prstGeom prst="rect">
               <a:avLst/>
@@ -3281,8 +3281,8 @@
           </p:nvSpPr>
           <p:spPr>
             <a:xfrm>
-              <a:off x="3738231" y="3854057"/>
-              <a:ext cx="500070" cy="274255"/>
+              <a:off x="3738231" y="3491517"/>
+              <a:ext cx="500070" cy="303783"/>
             </a:xfrm>
             <a:prstGeom prst="rect">
               <a:avLst/>
@@ -3307,8 +3307,8 @@
           </p:nvSpPr>
           <p:spPr>
             <a:xfrm>
-              <a:off x="3315094" y="3854057"/>
-              <a:ext cx="423136" cy="274255"/>
+              <a:off x="3315094" y="3491517"/>
+              <a:ext cx="423136" cy="303783"/>
             </a:xfrm>
             <a:prstGeom prst="rect">
               <a:avLst/>
@@ -3333,8 +3333,8 @@
           </p:nvSpPr>
           <p:spPr>
             <a:xfrm>
-              <a:off x="3084292" y="3854057"/>
-              <a:ext cx="230801" cy="274255"/>
+              <a:off x="3084292" y="3491517"/>
+              <a:ext cx="230801" cy="303783"/>
             </a:xfrm>
             <a:prstGeom prst="rect">
               <a:avLst/>
@@ -3359,8 +3359,8 @@
           </p:nvSpPr>
           <p:spPr>
             <a:xfrm>
-              <a:off x="4007500" y="5377696"/>
-              <a:ext cx="76933" cy="274255"/>
+              <a:off x="4007500" y="5179201"/>
+              <a:ext cx="76933" cy="303783"/>
             </a:xfrm>
             <a:prstGeom prst="rect">
               <a:avLst/>
@@ -3385,8 +3385,8 @@
           </p:nvSpPr>
           <p:spPr>
             <a:xfrm>
-              <a:off x="3776698" y="5377696"/>
-              <a:ext cx="230801" cy="274255"/>
+              <a:off x="3776698" y="5179201"/>
+              <a:ext cx="230801" cy="303783"/>
             </a:xfrm>
             <a:prstGeom prst="rect">
               <a:avLst/>
@@ -3411,8 +3411,8 @@
           </p:nvSpPr>
           <p:spPr>
             <a:xfrm>
-              <a:off x="3315094" y="5377696"/>
-              <a:ext cx="461603" cy="274255"/>
+              <a:off x="3315094" y="5179201"/>
+              <a:ext cx="461603" cy="303783"/>
             </a:xfrm>
             <a:prstGeom prst="rect">
               <a:avLst/>
@@ -3437,8 +3437,8 @@
           </p:nvSpPr>
           <p:spPr>
             <a:xfrm>
-              <a:off x="3122759" y="5377696"/>
-              <a:ext cx="192334" cy="274255"/>
+              <a:off x="3122759" y="5179201"/>
+              <a:ext cx="192334" cy="303783"/>
             </a:xfrm>
             <a:prstGeom prst="rect">
               <a:avLst/>
@@ -3463,8 +3463,8 @@
           </p:nvSpPr>
           <p:spPr>
             <a:xfrm>
-              <a:off x="3084292" y="5377696"/>
-              <a:ext cx="38466" cy="274255"/>
+              <a:off x="3084292" y="5179201"/>
+              <a:ext cx="38466" cy="303783"/>
             </a:xfrm>
             <a:prstGeom prst="rect">
               <a:avLst/>
@@ -3489,8 +3489,8 @@
           </p:nvSpPr>
           <p:spPr>
             <a:xfrm>
-              <a:off x="4353703" y="4463512"/>
-              <a:ext cx="115400" cy="274255"/>
+              <a:off x="4353703" y="4166591"/>
+              <a:ext cx="115400" cy="303783"/>
             </a:xfrm>
             <a:prstGeom prst="rect">
               <a:avLst/>
@@ -3515,8 +3515,8 @@
           </p:nvSpPr>
           <p:spPr>
             <a:xfrm>
-              <a:off x="4007500" y="4463512"/>
-              <a:ext cx="346202" cy="274255"/>
+              <a:off x="4007500" y="4166591"/>
+              <a:ext cx="346202" cy="303783"/>
             </a:xfrm>
             <a:prstGeom prst="rect">
               <a:avLst/>
@@ -3541,8 +3541,8 @@
           </p:nvSpPr>
           <p:spPr>
             <a:xfrm>
-              <a:off x="3545896" y="4463512"/>
-              <a:ext cx="461603" cy="274255"/>
+              <a:off x="3545896" y="4166591"/>
+              <a:ext cx="461603" cy="303783"/>
             </a:xfrm>
             <a:prstGeom prst="rect">
               <a:avLst/>
@@ -3567,8 +3567,8 @@
           </p:nvSpPr>
           <p:spPr>
             <a:xfrm>
-              <a:off x="3199693" y="4463512"/>
-              <a:ext cx="346202" cy="274255"/>
+              <a:off x="3199693" y="4166591"/>
+              <a:ext cx="346202" cy="303783"/>
             </a:xfrm>
             <a:prstGeom prst="rect">
               <a:avLst/>
@@ -3593,8 +3593,8 @@
           </p:nvSpPr>
           <p:spPr>
             <a:xfrm>
-              <a:off x="3084292" y="4463512"/>
-              <a:ext cx="115400" cy="274255"/>
+              <a:off x="3084292" y="4166591"/>
+              <a:ext cx="115400" cy="303783"/>
             </a:xfrm>
             <a:prstGeom prst="rect">
               <a:avLst/>
@@ -3619,8 +3619,8 @@
           </p:nvSpPr>
           <p:spPr>
             <a:xfrm>
-              <a:off x="3815165" y="5987152"/>
-              <a:ext cx="115400" cy="274255"/>
+              <a:off x="3815165" y="5854275"/>
+              <a:ext cx="115400" cy="303783"/>
             </a:xfrm>
             <a:prstGeom prst="rect">
               <a:avLst/>
@@ -3645,8 +3645,8 @@
           </p:nvSpPr>
           <p:spPr>
             <a:xfrm>
-              <a:off x="3699764" y="5987152"/>
-              <a:ext cx="115400" cy="274255"/>
+              <a:off x="3699764" y="5854275"/>
+              <a:ext cx="115400" cy="303783"/>
             </a:xfrm>
             <a:prstGeom prst="rect">
               <a:avLst/>
@@ -3671,8 +3671,8 @@
           </p:nvSpPr>
           <p:spPr>
             <a:xfrm>
-              <a:off x="3545896" y="5987152"/>
-              <a:ext cx="153867" cy="274255"/>
+              <a:off x="3545896" y="5854275"/>
+              <a:ext cx="153867" cy="303783"/>
             </a:xfrm>
             <a:prstGeom prst="rect">
               <a:avLst/>
@@ -3697,8 +3697,8 @@
           </p:nvSpPr>
           <p:spPr>
             <a:xfrm>
-              <a:off x="3199693" y="5987152"/>
-              <a:ext cx="346202" cy="274255"/>
+              <a:off x="3199693" y="5854275"/>
+              <a:ext cx="346202" cy="303783"/>
             </a:xfrm>
             <a:prstGeom prst="rect">
               <a:avLst/>
@@ -3723,8 +3723,8 @@
           </p:nvSpPr>
           <p:spPr>
             <a:xfrm>
-              <a:off x="3084292" y="5987152"/>
-              <a:ext cx="115400" cy="274255"/>
+              <a:off x="3084292" y="5854275"/>
+              <a:ext cx="115400" cy="303783"/>
             </a:xfrm>
             <a:prstGeom prst="rect">
               <a:avLst/>
@@ -3749,8 +3749,8 @@
           </p:nvSpPr>
           <p:spPr>
             <a:xfrm>
-              <a:off x="6315519" y="2330417"/>
-              <a:ext cx="346202" cy="274255"/>
+              <a:off x="6315519" y="1803832"/>
+              <a:ext cx="346202" cy="303783"/>
             </a:xfrm>
             <a:prstGeom prst="rect">
               <a:avLst/>
@@ -3775,8 +3775,8 @@
           </p:nvSpPr>
           <p:spPr>
             <a:xfrm>
-              <a:off x="5584646" y="2330417"/>
-              <a:ext cx="730872" cy="274255"/>
+              <a:off x="5584646" y="1803832"/>
+              <a:ext cx="730872" cy="303783"/>
             </a:xfrm>
             <a:prstGeom prst="rect">
               <a:avLst/>
@@ -3801,8 +3801,8 @@
           </p:nvSpPr>
           <p:spPr>
             <a:xfrm>
-              <a:off x="4084434" y="2330417"/>
-              <a:ext cx="1500212" cy="274255"/>
+              <a:off x="4084434" y="1803832"/>
+              <a:ext cx="1500212" cy="303783"/>
             </a:xfrm>
             <a:prstGeom prst="rect">
               <a:avLst/>
@@ -3827,8 +3827,8 @@
           </p:nvSpPr>
           <p:spPr>
             <a:xfrm>
-              <a:off x="3084292" y="2330417"/>
-              <a:ext cx="1000141" cy="274255"/>
+              <a:off x="3084292" y="1803832"/>
+              <a:ext cx="1000141" cy="303783"/>
             </a:xfrm>
             <a:prstGeom prst="rect">
               <a:avLst/>
@@ -3853,8 +3853,8 @@
           </p:nvSpPr>
           <p:spPr>
             <a:xfrm>
-              <a:off x="4315236" y="4768240"/>
-              <a:ext cx="38466" cy="274255"/>
+              <a:off x="4315236" y="4504128"/>
+              <a:ext cx="38466" cy="303783"/>
             </a:xfrm>
             <a:prstGeom prst="rect">
               <a:avLst/>
@@ -3879,8 +3879,8 @@
           </p:nvSpPr>
           <p:spPr>
             <a:xfrm>
-              <a:off x="4007500" y="4768240"/>
-              <a:ext cx="307735" cy="274255"/>
+              <a:off x="4007500" y="4504128"/>
+              <a:ext cx="307735" cy="303783"/>
             </a:xfrm>
             <a:prstGeom prst="rect">
               <a:avLst/>
@@ -3905,8 +3905,8 @@
           </p:nvSpPr>
           <p:spPr>
             <a:xfrm>
-              <a:off x="3545896" y="4768240"/>
-              <a:ext cx="461603" cy="274255"/>
+              <a:off x="3545896" y="4504128"/>
+              <a:ext cx="461603" cy="303783"/>
             </a:xfrm>
             <a:prstGeom prst="rect">
               <a:avLst/>
@@ -3931,8 +3931,8 @@
           </p:nvSpPr>
           <p:spPr>
             <a:xfrm>
-              <a:off x="3238160" y="4768240"/>
-              <a:ext cx="307735" cy="274255"/>
+              <a:off x="3238160" y="4504128"/>
+              <a:ext cx="307735" cy="303783"/>
             </a:xfrm>
             <a:prstGeom prst="rect">
               <a:avLst/>
@@ -3957,8 +3957,8 @@
           </p:nvSpPr>
           <p:spPr>
             <a:xfrm>
-              <a:off x="3084292" y="4768240"/>
-              <a:ext cx="153867" cy="274255"/>
+              <a:off x="3084292" y="4504128"/>
+              <a:ext cx="153867" cy="303783"/>
             </a:xfrm>
             <a:prstGeom prst="rect">
               <a:avLst/>
@@ -3983,8 +3983,8 @@
           </p:nvSpPr>
           <p:spPr>
             <a:xfrm>
-              <a:off x="4661439" y="3549329"/>
-              <a:ext cx="76933" cy="274255"/>
+              <a:off x="4661439" y="3153980"/>
+              <a:ext cx="76933" cy="303783"/>
             </a:xfrm>
             <a:prstGeom prst="rect">
               <a:avLst/>
@@ -4009,8 +4009,8 @@
           </p:nvSpPr>
           <p:spPr>
             <a:xfrm>
-              <a:off x="4122901" y="3549329"/>
-              <a:ext cx="538537" cy="274255"/>
+              <a:off x="4122901" y="3153980"/>
+              <a:ext cx="538537" cy="303783"/>
             </a:xfrm>
             <a:prstGeom prst="rect">
               <a:avLst/>
@@ -4035,8 +4035,8 @@
           </p:nvSpPr>
           <p:spPr>
             <a:xfrm>
-              <a:off x="3622830" y="3549329"/>
-              <a:ext cx="500070" cy="274255"/>
+              <a:off x="3622830" y="3153980"/>
+              <a:ext cx="500070" cy="303783"/>
             </a:xfrm>
             <a:prstGeom prst="rect">
               <a:avLst/>
@@ -4061,8 +4061,8 @@
           </p:nvSpPr>
           <p:spPr>
             <a:xfrm>
-              <a:off x="3276627" y="3549329"/>
-              <a:ext cx="346202" cy="274255"/>
+              <a:off x="3276627" y="3153980"/>
+              <a:ext cx="346202" cy="303783"/>
             </a:xfrm>
             <a:prstGeom prst="rect">
               <a:avLst/>
@@ -4087,8 +4087,8 @@
           </p:nvSpPr>
           <p:spPr>
             <a:xfrm>
-              <a:off x="3084292" y="3549329"/>
-              <a:ext cx="192334" cy="274255"/>
+              <a:off x="3084292" y="3153980"/>
+              <a:ext cx="192334" cy="303783"/>
             </a:xfrm>
             <a:prstGeom prst="rect">
               <a:avLst/>
@@ -4113,8 +4113,8 @@
           </p:nvSpPr>
           <p:spPr>
             <a:xfrm>
-              <a:off x="3545896" y="5682424"/>
-              <a:ext cx="384669" cy="274255"/>
+              <a:off x="3545896" y="5516738"/>
+              <a:ext cx="384669" cy="303783"/>
             </a:xfrm>
             <a:prstGeom prst="rect">
               <a:avLst/>
@@ -4139,8 +4139,8 @@
           </p:nvSpPr>
           <p:spPr>
             <a:xfrm>
-              <a:off x="3161226" y="5682424"/>
-              <a:ext cx="384669" cy="274255"/>
+              <a:off x="3161226" y="5516738"/>
+              <a:ext cx="384669" cy="303783"/>
             </a:xfrm>
             <a:prstGeom prst="rect">
               <a:avLst/>
@@ -4165,8 +4165,8 @@
           </p:nvSpPr>
           <p:spPr>
             <a:xfrm>
-              <a:off x="3122759" y="5682424"/>
-              <a:ext cx="38466" cy="274255"/>
+              <a:off x="3122759" y="5516738"/>
+              <a:ext cx="38466" cy="303783"/>
             </a:xfrm>
             <a:prstGeom prst="rect">
               <a:avLst/>
@@ -4191,8 +4191,8 @@
           </p:nvSpPr>
           <p:spPr>
             <a:xfrm>
-              <a:off x="3084292" y="5682424"/>
-              <a:ext cx="38466" cy="274255"/>
+              <a:off x="3084292" y="5516738"/>
+              <a:ext cx="38466" cy="303783"/>
             </a:xfrm>
             <a:prstGeom prst="rect">
               <a:avLst/>
@@ -4217,8 +4217,8 @@
           </p:nvSpPr>
           <p:spPr>
             <a:xfrm>
-              <a:off x="4276769" y="5072968"/>
-              <a:ext cx="76933" cy="274255"/>
+              <a:off x="4276769" y="4841664"/>
+              <a:ext cx="76933" cy="303783"/>
             </a:xfrm>
             <a:prstGeom prst="rect">
               <a:avLst/>
@@ -4243,8 +4243,8 @@
           </p:nvSpPr>
           <p:spPr>
             <a:xfrm>
-              <a:off x="4045967" y="5072968"/>
-              <a:ext cx="230801" cy="274255"/>
+              <a:off x="4045967" y="4841664"/>
+              <a:ext cx="230801" cy="303783"/>
             </a:xfrm>
             <a:prstGeom prst="rect">
               <a:avLst/>
@@ -4269,8 +4269,8 @@
           </p:nvSpPr>
           <p:spPr>
             <a:xfrm>
-              <a:off x="3507429" y="5072968"/>
-              <a:ext cx="538537" cy="274255"/>
+              <a:off x="3507429" y="4841664"/>
+              <a:ext cx="538537" cy="303783"/>
             </a:xfrm>
             <a:prstGeom prst="rect">
               <a:avLst/>
@@ -4295,8 +4295,8 @@
           </p:nvSpPr>
           <p:spPr>
             <a:xfrm>
-              <a:off x="3199693" y="5072968"/>
-              <a:ext cx="307735" cy="274255"/>
+              <a:off x="3199693" y="4841664"/>
+              <a:ext cx="307735" cy="303783"/>
             </a:xfrm>
             <a:prstGeom prst="rect">
               <a:avLst/>
@@ -4321,8 +4321,8 @@
           </p:nvSpPr>
           <p:spPr>
             <a:xfrm>
-              <a:off x="3084292" y="5072968"/>
-              <a:ext cx="115400" cy="274255"/>
+              <a:off x="3084292" y="4841664"/>
+              <a:ext cx="115400" cy="303783"/>
             </a:xfrm>
             <a:prstGeom prst="rect">
               <a:avLst/>
@@ -4347,8 +4347,8 @@
           </p:nvSpPr>
           <p:spPr>
             <a:xfrm>
-              <a:off x="3084292" y="6901335"/>
-              <a:ext cx="38466" cy="274255"/>
+              <a:off x="3084292" y="6866886"/>
+              <a:ext cx="38466" cy="303783"/>
             </a:xfrm>
             <a:prstGeom prst="rect">
               <a:avLst/>
@@ -4373,8 +4373,8 @@
           </p:nvSpPr>
           <p:spPr>
             <a:xfrm>
-              <a:off x="4853774" y="3244601"/>
-              <a:ext cx="192334" cy="274255"/>
+              <a:off x="4853774" y="2816443"/>
+              <a:ext cx="192334" cy="303783"/>
             </a:xfrm>
             <a:prstGeom prst="rect">
               <a:avLst/>
@@ -4399,8 +4399,8 @@
           </p:nvSpPr>
           <p:spPr>
             <a:xfrm>
-              <a:off x="4622972" y="3244601"/>
-              <a:ext cx="230801" cy="274255"/>
+              <a:off x="4622972" y="2816443"/>
+              <a:ext cx="230801" cy="303783"/>
             </a:xfrm>
             <a:prstGeom prst="rect">
               <a:avLst/>
@@ -4425,8 +4425,8 @@
           </p:nvSpPr>
           <p:spPr>
             <a:xfrm>
-              <a:off x="3969033" y="3244601"/>
-              <a:ext cx="653938" cy="274255"/>
+              <a:off x="3969033" y="2816443"/>
+              <a:ext cx="653938" cy="303783"/>
             </a:xfrm>
             <a:prstGeom prst="rect">
               <a:avLst/>
@@ -4451,8 +4451,8 @@
           </p:nvSpPr>
           <p:spPr>
             <a:xfrm>
-              <a:off x="3545896" y="3244601"/>
-              <a:ext cx="423136" cy="274255"/>
+              <a:off x="3545896" y="2816443"/>
+              <a:ext cx="423136" cy="303783"/>
             </a:xfrm>
             <a:prstGeom prst="rect">
               <a:avLst/>
@@ -4477,8 +4477,8 @@
           </p:nvSpPr>
           <p:spPr>
             <a:xfrm>
-              <a:off x="3084292" y="3244601"/>
-              <a:ext cx="461603" cy="274255"/>
+              <a:off x="3084292" y="2816443"/>
+              <a:ext cx="461603" cy="303783"/>
             </a:xfrm>
             <a:prstGeom prst="rect">
               <a:avLst/>
@@ -4503,8 +4503,8 @@
           </p:nvSpPr>
           <p:spPr>
             <a:xfrm>
-              <a:off x="5469245" y="2939873"/>
-              <a:ext cx="38466" cy="274255"/>
+              <a:off x="5469245" y="2478906"/>
+              <a:ext cx="38466" cy="303783"/>
             </a:xfrm>
             <a:prstGeom prst="rect">
               <a:avLst/>
@@ -4529,8 +4529,8 @@
           </p:nvSpPr>
           <p:spPr>
             <a:xfrm>
-              <a:off x="5161509" y="2939873"/>
-              <a:ext cx="307735" cy="274255"/>
+              <a:off x="5161509" y="2478906"/>
+              <a:ext cx="307735" cy="303783"/>
             </a:xfrm>
             <a:prstGeom prst="rect">
               <a:avLst/>
@@ -4555,8 +4555,8 @@
           </p:nvSpPr>
           <p:spPr>
             <a:xfrm>
-              <a:off x="4507571" y="2939873"/>
-              <a:ext cx="653938" cy="274255"/>
+              <a:off x="4507571" y="2478906"/>
+              <a:ext cx="653938" cy="303783"/>
             </a:xfrm>
             <a:prstGeom prst="rect">
               <a:avLst/>
@@ -4581,8 +4581,8 @@
           </p:nvSpPr>
           <p:spPr>
             <a:xfrm>
-              <a:off x="3815165" y="2939873"/>
-              <a:ext cx="692405" cy="274255"/>
+              <a:off x="3815165" y="2478906"/>
+              <a:ext cx="692405" cy="303783"/>
             </a:xfrm>
             <a:prstGeom prst="rect">
               <a:avLst/>
@@ -4607,8 +4607,8 @@
           </p:nvSpPr>
           <p:spPr>
             <a:xfrm>
-              <a:off x="3084292" y="2939873"/>
-              <a:ext cx="730872" cy="274255"/>
+              <a:off x="3084292" y="2478906"/>
+              <a:ext cx="730872" cy="303783"/>
             </a:xfrm>
             <a:prstGeom prst="rect">
               <a:avLst/>
@@ -4633,8 +4633,8 @@
           </p:nvSpPr>
           <p:spPr>
             <a:xfrm>
-              <a:off x="5546179" y="2635145"/>
-              <a:ext cx="38466" cy="274255"/>
+              <a:off x="5546179" y="2141369"/>
+              <a:ext cx="38466" cy="303783"/>
             </a:xfrm>
             <a:prstGeom prst="rect">
               <a:avLst/>
@@ -4659,8 +4659,8 @@
           </p:nvSpPr>
           <p:spPr>
             <a:xfrm>
-              <a:off x="5392311" y="2635145"/>
-              <a:ext cx="153867" cy="274255"/>
+              <a:off x="5392311" y="2141369"/>
+              <a:ext cx="153867" cy="303783"/>
             </a:xfrm>
             <a:prstGeom prst="rect">
               <a:avLst/>
@@ -4685,8 +4685,8 @@
           </p:nvSpPr>
           <p:spPr>
             <a:xfrm>
-              <a:off x="4969174" y="2635145"/>
-              <a:ext cx="423136" cy="274255"/>
+              <a:off x="4969174" y="2141369"/>
+              <a:ext cx="423136" cy="303783"/>
             </a:xfrm>
             <a:prstGeom prst="rect">
               <a:avLst/>
@@ -4711,8 +4711,8 @@
           </p:nvSpPr>
           <p:spPr>
             <a:xfrm>
-              <a:off x="4161368" y="2635145"/>
-              <a:ext cx="807806" cy="274255"/>
+              <a:off x="4161368" y="2141369"/>
+              <a:ext cx="807806" cy="303783"/>
             </a:xfrm>
             <a:prstGeom prst="rect">
               <a:avLst/>
@@ -4737,8 +4737,8 @@
           </p:nvSpPr>
           <p:spPr>
             <a:xfrm>
-              <a:off x="3084292" y="2635145"/>
-              <a:ext cx="1077075" cy="274255"/>
+              <a:off x="3084292" y="2141369"/>
+              <a:ext cx="1077075" cy="303783"/>
             </a:xfrm>
             <a:prstGeom prst="rect">
               <a:avLst/>
@@ -4763,7 +4763,7 @@
           </p:nvSpPr>
           <p:spPr>
             <a:xfrm>
-              <a:off x="7352556" y="2095417"/>
+              <a:off x="7352556" y="1550787"/>
               <a:ext cx="301448" cy="132065"/>
             </a:xfrm>
             <a:prstGeom prst="rect">
@@ -4809,7 +4809,7 @@
           </p:nvSpPr>
           <p:spPr>
             <a:xfrm>
-              <a:off x="3865406" y="6361607"/>
+              <a:off x="3865406" y="6276303"/>
               <a:ext cx="200965" cy="132065"/>
             </a:xfrm>
             <a:prstGeom prst="rect">
@@ -4855,7 +4855,7 @@
           </p:nvSpPr>
           <p:spPr>
             <a:xfrm>
-              <a:off x="4634746" y="4228424"/>
+              <a:off x="4634746" y="3913457"/>
               <a:ext cx="200965" cy="132153"/>
             </a:xfrm>
             <a:prstGeom prst="rect">
@@ -4901,7 +4901,7 @@
           </p:nvSpPr>
           <p:spPr>
             <a:xfrm>
-              <a:off x="3301748" y="6668629"/>
+              <a:off x="3301748" y="6616134"/>
               <a:ext cx="100482" cy="129771"/>
             </a:xfrm>
             <a:prstGeom prst="rect">
@@ -4947,7 +4947,7 @@
           </p:nvSpPr>
           <p:spPr>
             <a:xfrm>
-              <a:off x="4711680" y="3925990"/>
+              <a:off x="4711680" y="3578214"/>
               <a:ext cx="200965" cy="129860"/>
             </a:xfrm>
             <a:prstGeom prst="rect">
@@ -4993,7 +4993,7 @@
           </p:nvSpPr>
           <p:spPr>
             <a:xfrm>
-              <a:off x="4134675" y="5447423"/>
+              <a:off x="4134675" y="5263693"/>
               <a:ext cx="200965" cy="132065"/>
             </a:xfrm>
             <a:prstGeom prst="rect">
@@ -5039,7 +5039,7 @@
           </p:nvSpPr>
           <p:spPr>
             <a:xfrm>
-              <a:off x="4519345" y="4533152"/>
+              <a:off x="4519345" y="4250994"/>
               <a:ext cx="200965" cy="132153"/>
             </a:xfrm>
             <a:prstGeom prst="rect">
@@ -5085,7 +5085,7 @@
           </p:nvSpPr>
           <p:spPr>
             <a:xfrm>
-              <a:off x="3980807" y="6059085"/>
+              <a:off x="3980807" y="5940972"/>
               <a:ext cx="200965" cy="129860"/>
             </a:xfrm>
             <a:prstGeom prst="rect">
@@ -5131,7 +5131,7 @@
           </p:nvSpPr>
           <p:spPr>
             <a:xfrm>
-              <a:off x="6711964" y="2400057"/>
+              <a:off x="6711964" y="1888236"/>
               <a:ext cx="200965" cy="132153"/>
             </a:xfrm>
             <a:prstGeom prst="rect">
@@ -5177,7 +5177,7 @@
           </p:nvSpPr>
           <p:spPr>
             <a:xfrm>
-              <a:off x="4403944" y="4837879"/>
+              <a:off x="4403944" y="4588531"/>
               <a:ext cx="200965" cy="132153"/>
             </a:xfrm>
             <a:prstGeom prst="rect">
@@ -5223,7 +5223,7 @@
           </p:nvSpPr>
           <p:spPr>
             <a:xfrm>
-              <a:off x="4788614" y="3618968"/>
+              <a:off x="4788614" y="3238383"/>
               <a:ext cx="200965" cy="132153"/>
             </a:xfrm>
             <a:prstGeom prst="rect">
@@ -5269,7 +5269,7 @@
           </p:nvSpPr>
           <p:spPr>
             <a:xfrm>
-              <a:off x="3980807" y="5754357"/>
+              <a:off x="3980807" y="5603435"/>
               <a:ext cx="200965" cy="129860"/>
             </a:xfrm>
             <a:prstGeom prst="rect">
@@ -5315,7 +5315,7 @@
           </p:nvSpPr>
           <p:spPr>
             <a:xfrm>
-              <a:off x="4403944" y="5142607"/>
+              <a:off x="4403944" y="4926068"/>
               <a:ext cx="200965" cy="132153"/>
             </a:xfrm>
             <a:prstGeom prst="rect">
@@ -5361,7 +5361,7 @@
           </p:nvSpPr>
           <p:spPr>
             <a:xfrm>
-              <a:off x="3147880" y="6973268"/>
+              <a:off x="3147880" y="6953583"/>
               <a:ext cx="100482" cy="129860"/>
             </a:xfrm>
             <a:prstGeom prst="rect">
@@ -5407,7 +5407,7 @@
           </p:nvSpPr>
           <p:spPr>
             <a:xfrm>
-              <a:off x="5096350" y="3314328"/>
+              <a:off x="5096350" y="2900934"/>
               <a:ext cx="200965" cy="132065"/>
             </a:xfrm>
             <a:prstGeom prst="rect">
@@ -5453,7 +5453,7 @@
           </p:nvSpPr>
           <p:spPr>
             <a:xfrm>
-              <a:off x="5557954" y="3009512"/>
+              <a:off x="5557954" y="2563309"/>
               <a:ext cx="200965" cy="132153"/>
             </a:xfrm>
             <a:prstGeom prst="rect">
@@ -5499,7 +5499,7 @@
           </p:nvSpPr>
           <p:spPr>
             <a:xfrm>
-              <a:off x="5634888" y="2704873"/>
+              <a:off x="5634888" y="2225861"/>
               <a:ext cx="200965" cy="132065"/>
             </a:xfrm>
             <a:prstGeom prst="rect">
@@ -5545,15 +5545,15 @@
           </p:nvSpPr>
           <p:spPr>
             <a:xfrm>
-              <a:off x="3084292" y="1979980"/>
-              <a:ext cx="0" cy="5241319"/>
+              <a:off x="3084292" y="1415665"/>
+              <a:ext cx="0" cy="5805634"/>
             </a:xfrm>
             <a:custGeom>
               <a:avLst/>
               <a:pathLst>
-                <a:path w="0" h="5241319">
+                <a:path w="0" h="5805634">
                   <a:moveTo>
-                    <a:pt x="0" y="5241319"/>
+                    <a:pt x="0" y="5805634"/>
                   </a:moveTo>
                   <a:lnTo>
                     <a:pt x="0" y="0"/>
@@ -5585,7 +5585,7 @@
           </p:nvSpPr>
           <p:spPr>
             <a:xfrm>
-              <a:off x="922977" y="6892085"/>
+              <a:off x="922977" y="6872400"/>
               <a:ext cx="2090822" cy="122591"/>
             </a:xfrm>
             <a:prstGeom prst="rect">
@@ -5631,7 +5631,7 @@
           </p:nvSpPr>
           <p:spPr>
             <a:xfrm>
-              <a:off x="2396566" y="7033164"/>
+              <a:off x="2396566" y="7013478"/>
               <a:ext cx="617232" cy="122591"/>
             </a:xfrm>
             <a:prstGeom prst="rect">
@@ -5677,7 +5677,7 @@
           </p:nvSpPr>
           <p:spPr>
             <a:xfrm>
-              <a:off x="1423358" y="6659491"/>
+              <a:off x="1423358" y="6606997"/>
               <a:ext cx="1590441" cy="120997"/>
             </a:xfrm>
             <a:prstGeom prst="rect">
@@ -5723,7 +5723,7 @@
           </p:nvSpPr>
           <p:spPr>
             <a:xfrm>
-              <a:off x="712236" y="6282629"/>
+              <a:off x="712236" y="6197326"/>
               <a:ext cx="2301563" cy="122591"/>
             </a:xfrm>
             <a:prstGeom prst="rect">
@@ -5769,7 +5769,7 @@
           </p:nvSpPr>
           <p:spPr>
             <a:xfrm>
-              <a:off x="2585238" y="6451263"/>
+              <a:off x="2585238" y="6365959"/>
               <a:ext cx="428561" cy="95037"/>
             </a:xfrm>
             <a:prstGeom prst="rect">
@@ -5815,7 +5815,7 @@
           </p:nvSpPr>
           <p:spPr>
             <a:xfrm>
-              <a:off x="864551" y="5908956"/>
+              <a:off x="864551" y="5790844"/>
               <a:ext cx="2149248" cy="120997"/>
             </a:xfrm>
             <a:prstGeom prst="rect">
@@ -5861,7 +5861,7 @@
           </p:nvSpPr>
           <p:spPr>
             <a:xfrm>
-              <a:off x="850072" y="6049525"/>
+              <a:off x="850072" y="5931413"/>
               <a:ext cx="2163727" cy="121507"/>
             </a:xfrm>
             <a:prstGeom prst="rect">
@@ -5907,7 +5907,7 @@
           </p:nvSpPr>
           <p:spPr>
             <a:xfrm>
-              <a:off x="2069867" y="6191114"/>
+              <a:off x="2069867" y="6073002"/>
               <a:ext cx="943931" cy="120997"/>
             </a:xfrm>
             <a:prstGeom prst="rect">
@@ -5953,7 +5953,7 @@
           </p:nvSpPr>
           <p:spPr>
             <a:xfrm>
-              <a:off x="2432923" y="5770757"/>
+              <a:off x="2432923" y="5619836"/>
               <a:ext cx="580876" cy="95547"/>
             </a:xfrm>
             <a:prstGeom prst="rect">
@@ -5999,7 +5999,7 @@
           </p:nvSpPr>
           <p:spPr>
             <a:xfrm>
-              <a:off x="777614" y="5394342"/>
+              <a:off x="777614" y="5210611"/>
               <a:ext cx="2236185" cy="96695"/>
             </a:xfrm>
             <a:prstGeom prst="rect">
@@ -6045,7 +6045,7 @@
           </p:nvSpPr>
           <p:spPr>
             <a:xfrm>
-              <a:off x="1655849" y="5511055"/>
+              <a:off x="1655849" y="5327325"/>
               <a:ext cx="1357950" cy="121061"/>
             </a:xfrm>
             <a:prstGeom prst="rect">
@@ -6091,7 +6091,7 @@
           </p:nvSpPr>
           <p:spPr>
             <a:xfrm>
-              <a:off x="2287624" y="5135788"/>
+              <a:off x="2287624" y="4919248"/>
               <a:ext cx="726174" cy="121061"/>
             </a:xfrm>
             <a:prstGeom prst="rect">
@@ -6137,7 +6137,7 @@
           </p:nvSpPr>
           <p:spPr>
             <a:xfrm>
-              <a:off x="2534594" y="4831124"/>
+              <a:off x="2534594" y="4581775"/>
               <a:ext cx="479205" cy="120997"/>
             </a:xfrm>
             <a:prstGeom prst="rect">
@@ -6183,7 +6183,7 @@
           </p:nvSpPr>
           <p:spPr>
             <a:xfrm>
-              <a:off x="1017185" y="4524801"/>
+              <a:off x="1017185" y="4242644"/>
               <a:ext cx="1996614" cy="122591"/>
             </a:xfrm>
             <a:prstGeom prst="rect">
@@ -6229,7 +6229,7 @@
           </p:nvSpPr>
           <p:spPr>
             <a:xfrm>
-              <a:off x="922594" y="4149534"/>
+              <a:off x="922594" y="3834567"/>
               <a:ext cx="2091205" cy="122591"/>
             </a:xfrm>
             <a:prstGeom prst="rect">
@@ -6275,7 +6275,7 @@
           </p:nvSpPr>
           <p:spPr>
             <a:xfrm>
-              <a:off x="1852047" y="4290613"/>
+              <a:off x="1852047" y="3975646"/>
               <a:ext cx="1161752" cy="122591"/>
             </a:xfrm>
             <a:prstGeom prst="rect">
@@ -6321,7 +6321,7 @@
           </p:nvSpPr>
           <p:spPr>
             <a:xfrm>
-              <a:off x="879285" y="3844806"/>
+              <a:off x="879285" y="3497031"/>
               <a:ext cx="2134514" cy="122591"/>
             </a:xfrm>
             <a:prstGeom prst="rect">
@@ -6367,7 +6367,7 @@
           </p:nvSpPr>
           <p:spPr>
             <a:xfrm>
-              <a:off x="2004234" y="3987480"/>
+              <a:off x="2004234" y="3639704"/>
               <a:ext cx="1009564" cy="120997"/>
             </a:xfrm>
             <a:prstGeom prst="rect">
@@ -6413,7 +6413,7 @@
           </p:nvSpPr>
           <p:spPr>
             <a:xfrm>
-              <a:off x="798854" y="3610618"/>
+              <a:off x="798854" y="3230033"/>
               <a:ext cx="2214945" cy="122591"/>
             </a:xfrm>
             <a:prstGeom prst="rect">
@@ -6459,7 +6459,7 @@
           </p:nvSpPr>
           <p:spPr>
             <a:xfrm>
-              <a:off x="719316" y="3235351"/>
+              <a:off x="719316" y="2821957"/>
               <a:ext cx="2294483" cy="122591"/>
             </a:xfrm>
             <a:prstGeom prst="rect">
@@ -6505,7 +6505,7 @@
           </p:nvSpPr>
           <p:spPr>
             <a:xfrm>
-              <a:off x="2665286" y="3376429"/>
+              <a:off x="2665286" y="2963036"/>
               <a:ext cx="348512" cy="122591"/>
             </a:xfrm>
             <a:prstGeom prst="rect">
@@ -6551,7 +6551,7 @@
           </p:nvSpPr>
           <p:spPr>
             <a:xfrm>
-              <a:off x="861872" y="2957667"/>
+              <a:off x="861872" y="2511464"/>
               <a:ext cx="2151927" cy="95547"/>
             </a:xfrm>
             <a:prstGeom prst="rect">
@@ -6597,7 +6597,7 @@
           </p:nvSpPr>
           <p:spPr>
             <a:xfrm>
-              <a:off x="2575351" y="3099256"/>
+              <a:off x="2575351" y="2653053"/>
               <a:ext cx="438447" cy="95037"/>
             </a:xfrm>
             <a:prstGeom prst="rect">
@@ -6643,7 +6643,7 @@
           </p:nvSpPr>
           <p:spPr>
             <a:xfrm>
-              <a:off x="1024329" y="2625895"/>
+              <a:off x="1024329" y="2146883"/>
               <a:ext cx="1989470" cy="122591"/>
             </a:xfrm>
             <a:prstGeom prst="rect">
@@ -6689,7 +6689,7 @@
           </p:nvSpPr>
           <p:spPr>
             <a:xfrm>
-              <a:off x="1333360" y="2766974"/>
+              <a:off x="1333360" y="2287962"/>
               <a:ext cx="1680439" cy="122591"/>
             </a:xfrm>
             <a:prstGeom prst="rect">
@@ -6735,7 +6735,7 @@
           </p:nvSpPr>
           <p:spPr>
             <a:xfrm>
-              <a:off x="1655849" y="2393301"/>
+              <a:off x="1655849" y="1881480"/>
               <a:ext cx="1357950" cy="120997"/>
             </a:xfrm>
             <a:prstGeom prst="rect">
@@ -6781,7 +6781,7 @@
           </p:nvSpPr>
           <p:spPr>
             <a:xfrm>
-              <a:off x="2186017" y="2090104"/>
+              <a:off x="2186017" y="1545474"/>
               <a:ext cx="827782" cy="119466"/>
             </a:xfrm>
             <a:prstGeom prst="rect">
@@ -6827,7 +6827,7 @@
           </p:nvSpPr>
           <p:spPr>
             <a:xfrm>
-              <a:off x="3046334" y="7038463"/>
+              <a:off x="3046334" y="7018777"/>
               <a:ext cx="37957" cy="0"/>
             </a:xfrm>
             <a:custGeom>
@@ -6867,7 +6867,7 @@
           </p:nvSpPr>
           <p:spPr>
             <a:xfrm>
-              <a:off x="3046334" y="6733735"/>
+              <a:off x="3046334" y="6681241"/>
               <a:ext cx="37957" cy="0"/>
             </a:xfrm>
             <a:custGeom>
@@ -6907,7 +6907,7 @@
           </p:nvSpPr>
           <p:spPr>
             <a:xfrm>
-              <a:off x="3046334" y="6429007"/>
+              <a:off x="3046334" y="6343704"/>
               <a:ext cx="37957" cy="0"/>
             </a:xfrm>
             <a:custGeom>
@@ -6947,7 +6947,7 @@
           </p:nvSpPr>
           <p:spPr>
             <a:xfrm>
-              <a:off x="3046334" y="6124279"/>
+              <a:off x="3046334" y="6006167"/>
               <a:ext cx="37957" cy="0"/>
             </a:xfrm>
             <a:custGeom>
@@ -6987,7 +6987,7 @@
           </p:nvSpPr>
           <p:spPr>
             <a:xfrm>
-              <a:off x="3046334" y="5819551"/>
+              <a:off x="3046334" y="5668630"/>
               <a:ext cx="37957" cy="0"/>
             </a:xfrm>
             <a:custGeom>
@@ -7027,7 +7027,7 @@
           </p:nvSpPr>
           <p:spPr>
             <a:xfrm>
-              <a:off x="3046334" y="5514824"/>
+              <a:off x="3046334" y="5331093"/>
               <a:ext cx="37957" cy="0"/>
             </a:xfrm>
             <a:custGeom>
@@ -7067,7 +7067,7 @@
           </p:nvSpPr>
           <p:spPr>
             <a:xfrm>
-              <a:off x="3046334" y="5210096"/>
+              <a:off x="3046334" y="4993556"/>
               <a:ext cx="37957" cy="0"/>
             </a:xfrm>
             <a:custGeom>
@@ -7107,7 +7107,7 @@
           </p:nvSpPr>
           <p:spPr>
             <a:xfrm>
-              <a:off x="3046334" y="4905368"/>
+              <a:off x="3046334" y="4656019"/>
               <a:ext cx="37957" cy="0"/>
             </a:xfrm>
             <a:custGeom>
@@ -7147,7 +7147,7 @@
           </p:nvSpPr>
           <p:spPr>
             <a:xfrm>
-              <a:off x="3046334" y="4600640"/>
+              <a:off x="3046334" y="4318482"/>
               <a:ext cx="37957" cy="0"/>
             </a:xfrm>
             <a:custGeom>
@@ -7187,7 +7187,7 @@
           </p:nvSpPr>
           <p:spPr>
             <a:xfrm>
-              <a:off x="3046334" y="4295912"/>
+              <a:off x="3046334" y="3980945"/>
               <a:ext cx="37957" cy="0"/>
             </a:xfrm>
             <a:custGeom>
@@ -7227,7 +7227,7 @@
           </p:nvSpPr>
           <p:spPr>
             <a:xfrm>
-              <a:off x="3046334" y="3991184"/>
+              <a:off x="3046334" y="3643409"/>
               <a:ext cx="37957" cy="0"/>
             </a:xfrm>
             <a:custGeom>
@@ -7267,7 +7267,7 @@
           </p:nvSpPr>
           <p:spPr>
             <a:xfrm>
-              <a:off x="3046334" y="3686456"/>
+              <a:off x="3046334" y="3305872"/>
               <a:ext cx="37957" cy="0"/>
             </a:xfrm>
             <a:custGeom>
@@ -7307,7 +7307,7 @@
           </p:nvSpPr>
           <p:spPr>
             <a:xfrm>
-              <a:off x="3046334" y="3381729"/>
+              <a:off x="3046334" y="2968335"/>
               <a:ext cx="37957" cy="0"/>
             </a:xfrm>
             <a:custGeom>
@@ -7347,7 +7347,7 @@
           </p:nvSpPr>
           <p:spPr>
             <a:xfrm>
-              <a:off x="3046334" y="3077001"/>
+              <a:off x="3046334" y="2630798"/>
               <a:ext cx="37957" cy="0"/>
             </a:xfrm>
             <a:custGeom>
@@ -7387,7 +7387,7 @@
           </p:nvSpPr>
           <p:spPr>
             <a:xfrm>
-              <a:off x="3046334" y="2772273"/>
+              <a:off x="3046334" y="2293261"/>
               <a:ext cx="37957" cy="0"/>
             </a:xfrm>
             <a:custGeom>
@@ -7427,7 +7427,7 @@
           </p:nvSpPr>
           <p:spPr>
             <a:xfrm>
-              <a:off x="3046334" y="2467545"/>
+              <a:off x="3046334" y="1955724"/>
               <a:ext cx="37957" cy="0"/>
             </a:xfrm>
             <a:custGeom>
@@ -7467,7 +7467,7 @@
           </p:nvSpPr>
           <p:spPr>
             <a:xfrm>
-              <a:off x="3046334" y="2162817"/>
+              <a:off x="3046334" y="1618187"/>
               <a:ext cx="37957" cy="0"/>
             </a:xfrm>
             <a:custGeom>
@@ -9032,7 +9032,7 @@
           <p:spPr>
             <a:xfrm>
               <a:off x="3084292" y="1139640"/>
-              <a:ext cx="4447494" cy="163455"/>
+              <a:ext cx="4399104" cy="163455"/>
             </a:xfrm>
             <a:prstGeom prst="rect">
               <a:avLst/>
@@ -9064,145 +9064,7 @@
                   <a:latin typeface="Arial"/>
                   <a:cs typeface="Arial"/>
                 </a:rPr>
-                <a:t>physical symptoms reported by respondents (N=168).</a:t>
-              </a:r>
-            </a:p>
-          </p:txBody>
-        </p:sp>
-        <p:sp>
-          <p:nvSpPr>
-            <p:cNvPr id="192" name="tx192"/>
-            <p:cNvSpPr/>
-            <p:nvPr/>
-          </p:nvSpPr>
-          <p:spPr>
-            <a:xfrm>
-              <a:off x="3084292" y="1332167"/>
-              <a:ext cx="4093964" cy="159033"/>
-            </a:xfrm>
-            <a:prstGeom prst="rect">
-              <a:avLst/>
-            </a:prstGeom>
-            <a:noFill/>
-          </p:spPr>
-          <p:txBody>
-            <a:bodyPr lIns="0" rIns="0" tIns="0" bIns="0" anchorCtr="1" anchor="ctr" wrap="none"/>
-            <a:lstStyle/>
-            <a:p>
-              <a:pPr algn="l" marL="0" marR="0" indent="0">
-                <a:lnSpc>
-                  <a:spcPts val="1371"/>
-                </a:lnSpc>
-                <a:spcBef>
-                  <a:spcPts val="0"/>
-                </a:spcBef>
-                <a:spcAft>
-                  <a:spcPts val="0"/>
-                </a:spcAft>
-              </a:pPr>
-              <a:r>
-                <a:rPr sz="1371" b="1">
-                  <a:solidFill>
-                    <a:srgbClr val="000000">
-                      <a:alpha val="100000"/>
-                    </a:srgbClr>
-                  </a:solidFill>
-                  <a:latin typeface="Arial"/>
-                  <a:cs typeface="Arial"/>
-                </a:rPr>
-                <a:t>Participants could select multiple options; values</a:t>
-              </a:r>
-            </a:p>
-          </p:txBody>
-        </p:sp>
-        <p:sp>
-          <p:nvSpPr>
-            <p:cNvPr id="193" name="tx193"/>
-            <p:cNvSpPr/>
-            <p:nvPr/>
-          </p:nvSpPr>
-          <p:spPr>
-            <a:xfrm>
-              <a:off x="3084292" y="1518146"/>
-              <a:ext cx="4151794" cy="161159"/>
-            </a:xfrm>
-            <a:prstGeom prst="rect">
-              <a:avLst/>
-            </a:prstGeom>
-            <a:noFill/>
-          </p:spPr>
-          <p:txBody>
-            <a:bodyPr lIns="0" rIns="0" tIns="0" bIns="0" anchorCtr="1" anchor="ctr" wrap="none"/>
-            <a:lstStyle/>
-            <a:p>
-              <a:pPr algn="l" marL="0" marR="0" indent="0">
-                <a:lnSpc>
-                  <a:spcPts val="1371"/>
-                </a:lnSpc>
-                <a:spcBef>
-                  <a:spcPts val="0"/>
-                </a:spcBef>
-                <a:spcAft>
-                  <a:spcPts val="0"/>
-                </a:spcAft>
-              </a:pPr>
-              <a:r>
-                <a:rPr sz="1371" b="1">
-                  <a:solidFill>
-                    <a:srgbClr val="000000">
-                      <a:alpha val="100000"/>
-                    </a:srgbClr>
-                  </a:solidFill>
-                  <a:latin typeface="Arial"/>
-                  <a:cs typeface="Arial"/>
-                </a:rPr>
-                <a:t>represent the number of responses, not individual</a:t>
-              </a:r>
-            </a:p>
-          </p:txBody>
-        </p:sp>
-        <p:sp>
-          <p:nvSpPr>
-            <p:cNvPr id="194" name="tx194"/>
-            <p:cNvSpPr/>
-            <p:nvPr/>
-          </p:nvSpPr>
-          <p:spPr>
-            <a:xfrm>
-              <a:off x="3084292" y="1708377"/>
-              <a:ext cx="1035588" cy="159033"/>
-            </a:xfrm>
-            <a:prstGeom prst="rect">
-              <a:avLst/>
-            </a:prstGeom>
-            <a:noFill/>
-          </p:spPr>
-          <p:txBody>
-            <a:bodyPr lIns="0" rIns="0" tIns="0" bIns="0" anchorCtr="1" anchor="ctr" wrap="none"/>
-            <a:lstStyle/>
-            <a:p>
-              <a:pPr algn="l" marL="0" marR="0" indent="0">
-                <a:lnSpc>
-                  <a:spcPts val="1371"/>
-                </a:lnSpc>
-                <a:spcBef>
-                  <a:spcPts val="0"/>
-                </a:spcBef>
-                <a:spcAft>
-                  <a:spcPts val="0"/>
-                </a:spcAft>
-              </a:pPr>
-              <a:r>
-                <a:rPr sz="1371" b="1">
-                  <a:solidFill>
-                    <a:srgbClr val="000000">
-                      <a:alpha val="100000"/>
-                    </a:srgbClr>
-                  </a:solidFill>
-                  <a:latin typeface="Arial"/>
-                  <a:cs typeface="Arial"/>
-                </a:rPr>
-                <a:t>participants.</a:t>
+                <a:t>physical symptoms reported by respondents (N=168)</a:t>
               </a:r>
             </a:p>
           </p:txBody>

--- a/results/figures/pptx/physical_symptoms_burden.pptx
+++ b/results/figures/pptx/physical_symptoms_burden.pptx
@@ -2314,7 +2314,7 @@
           </p:nvSpPr>
           <p:spPr>
             <a:xfrm>
-              <a:off x="3468962" y="1415665"/>
+              <a:off x="3439623" y="1415665"/>
               <a:ext cx="0" cy="5805634"/>
             </a:xfrm>
             <a:custGeom>
@@ -2357,7 +2357,7 @@
           </p:nvSpPr>
           <p:spPr>
             <a:xfrm>
-              <a:off x="3853632" y="1415665"/>
+              <a:off x="3794953" y="1415665"/>
               <a:ext cx="0" cy="5805634"/>
             </a:xfrm>
             <a:custGeom>
@@ -2400,7 +2400,7 @@
           </p:nvSpPr>
           <p:spPr>
             <a:xfrm>
-              <a:off x="4238302" y="1415665"/>
+              <a:off x="4150284" y="1415665"/>
               <a:ext cx="0" cy="5805634"/>
             </a:xfrm>
             <a:custGeom>
@@ -2443,7 +2443,7 @@
           </p:nvSpPr>
           <p:spPr>
             <a:xfrm>
-              <a:off x="4622972" y="1415665"/>
+              <a:off x="4505615" y="1415665"/>
               <a:ext cx="0" cy="5805634"/>
             </a:xfrm>
             <a:custGeom>
@@ -2486,7 +2486,7 @@
           </p:nvSpPr>
           <p:spPr>
             <a:xfrm>
-              <a:off x="5007641" y="1415665"/>
+              <a:off x="4860945" y="1415665"/>
               <a:ext cx="0" cy="5805634"/>
             </a:xfrm>
             <a:custGeom>
@@ -2529,7 +2529,7 @@
           </p:nvSpPr>
           <p:spPr>
             <a:xfrm>
-              <a:off x="5392311" y="1415665"/>
+              <a:off x="5216276" y="1415665"/>
               <a:ext cx="0" cy="5805634"/>
             </a:xfrm>
             <a:custGeom>
@@ -2572,7 +2572,7 @@
           </p:nvSpPr>
           <p:spPr>
             <a:xfrm>
-              <a:off x="5776981" y="1415665"/>
+              <a:off x="5571607" y="1415665"/>
               <a:ext cx="0" cy="5805634"/>
             </a:xfrm>
             <a:custGeom>
@@ -2615,7 +2615,7 @@
           </p:nvSpPr>
           <p:spPr>
             <a:xfrm>
-              <a:off x="6161651" y="1415665"/>
+              <a:off x="5926937" y="1415665"/>
               <a:ext cx="0" cy="5805634"/>
             </a:xfrm>
             <a:custGeom>
@@ -2658,7 +2658,7 @@
           </p:nvSpPr>
           <p:spPr>
             <a:xfrm>
-              <a:off x="6546321" y="1415665"/>
+              <a:off x="6282268" y="1415665"/>
               <a:ext cx="0" cy="5805634"/>
             </a:xfrm>
             <a:custGeom>
@@ -2701,7 +2701,7 @@
           </p:nvSpPr>
           <p:spPr>
             <a:xfrm>
-              <a:off x="6930991" y="1415665"/>
+              <a:off x="6637599" y="1415665"/>
               <a:ext cx="0" cy="5805634"/>
             </a:xfrm>
             <a:custGeom>
@@ -2744,7 +2744,7 @@
           </p:nvSpPr>
           <p:spPr>
             <a:xfrm>
-              <a:off x="7315661" y="1415665"/>
+              <a:off x="6992929" y="1415665"/>
               <a:ext cx="0" cy="5805634"/>
             </a:xfrm>
             <a:custGeom>
@@ -2781,14 +2781,57 @@
         </p:sp>
         <p:sp>
           <p:nvSpPr>
-            <p:cNvPr id="16" name="rc16"/>
-            <p:cNvSpPr/>
-            <p:nvPr/>
-          </p:nvSpPr>
-          <p:spPr>
-            <a:xfrm>
-              <a:off x="7007925" y="1466296"/>
-              <a:ext cx="269268" cy="303783"/>
+            <p:cNvPr id="16" name="pl16"/>
+            <p:cNvSpPr/>
+            <p:nvPr/>
+          </p:nvSpPr>
+          <p:spPr>
+            <a:xfrm>
+              <a:off x="7348260" y="1415665"/>
+              <a:ext cx="0" cy="5805634"/>
+            </a:xfrm>
+            <a:custGeom>
+              <a:avLst/>
+              <a:pathLst>
+                <a:path w="0" h="5805634">
+                  <a:moveTo>
+                    <a:pt x="0" y="5805634"/>
+                  </a:moveTo>
+                  <a:lnTo>
+                    <a:pt x="0" y="0"/>
+                  </a:lnTo>
+                  <a:lnTo>
+                    <a:pt x="0" y="0"/>
+                  </a:lnTo>
+                </a:path>
+              </a:pathLst>
+            </a:custGeom>
+            <a:ln w="13550" cap="flat">
+              <a:solidFill>
+                <a:srgbClr val="D3D3D3">
+                  <a:alpha val="100000"/>
+                </a:srgbClr>
+              </a:solidFill>
+              <a:prstDash val="solid"/>
+              <a:round/>
+            </a:ln>
+          </p:spPr>
+          <p:txBody>
+            <a:bodyPr/>
+            <a:lstStyle/>
+            <a:p/>
+          </p:txBody>
+        </p:sp>
+        <p:sp>
+          <p:nvSpPr>
+            <p:cNvPr id="17" name="rc17"/>
+            <p:cNvSpPr/>
+            <p:nvPr/>
+          </p:nvSpPr>
+          <p:spPr>
+            <a:xfrm>
+              <a:off x="6957396" y="1469421"/>
+              <a:ext cx="319797" cy="322535"/>
             </a:xfrm>
             <a:prstGeom prst="rect">
               <a:avLst/>
@@ -2807,14 +2850,14 @@
         </p:sp>
         <p:sp>
           <p:nvSpPr>
-            <p:cNvPr id="17" name="rc17"/>
-            <p:cNvSpPr/>
-            <p:nvPr/>
-          </p:nvSpPr>
-          <p:spPr>
-            <a:xfrm>
-              <a:off x="6507854" y="1466296"/>
-              <a:ext cx="500070" cy="303783"/>
+            <p:cNvPr id="18" name="rc18"/>
+            <p:cNvSpPr/>
+            <p:nvPr/>
+          </p:nvSpPr>
+          <p:spPr>
+            <a:xfrm>
+              <a:off x="6459933" y="1469421"/>
+              <a:ext cx="497462" cy="322535"/>
             </a:xfrm>
             <a:prstGeom prst="rect">
               <a:avLst/>
@@ -2833,14 +2876,14 @@
         </p:sp>
         <p:sp>
           <p:nvSpPr>
-            <p:cNvPr id="18" name="rc18"/>
-            <p:cNvSpPr/>
-            <p:nvPr/>
-          </p:nvSpPr>
-          <p:spPr>
-            <a:xfrm>
-              <a:off x="5776981" y="1466296"/>
-              <a:ext cx="730872" cy="303783"/>
+            <p:cNvPr id="19" name="rc19"/>
+            <p:cNvSpPr/>
+            <p:nvPr/>
+          </p:nvSpPr>
+          <p:spPr>
+            <a:xfrm>
+              <a:off x="5713739" y="1469421"/>
+              <a:ext cx="746194" cy="322535"/>
             </a:xfrm>
             <a:prstGeom prst="rect">
               <a:avLst/>
@@ -2859,14 +2902,14 @@
         </p:sp>
         <p:sp>
           <p:nvSpPr>
-            <p:cNvPr id="19" name="rc19"/>
-            <p:cNvSpPr/>
-            <p:nvPr/>
-          </p:nvSpPr>
-          <p:spPr>
-            <a:xfrm>
-              <a:off x="4546038" y="1466296"/>
-              <a:ext cx="1230943" cy="303783"/>
+            <p:cNvPr id="20" name="rc20"/>
+            <p:cNvSpPr/>
+            <p:nvPr/>
+          </p:nvSpPr>
+          <p:spPr>
+            <a:xfrm>
+              <a:off x="4576681" y="1469421"/>
+              <a:ext cx="1137058" cy="322535"/>
             </a:xfrm>
             <a:prstGeom prst="rect">
               <a:avLst/>
@@ -2885,14 +2928,14 @@
         </p:sp>
         <p:sp>
           <p:nvSpPr>
-            <p:cNvPr id="20" name="rc20"/>
-            <p:cNvSpPr/>
-            <p:nvPr/>
-          </p:nvSpPr>
-          <p:spPr>
-            <a:xfrm>
-              <a:off x="3084292" y="1466296"/>
-              <a:ext cx="1461745" cy="303783"/>
+            <p:cNvPr id="21" name="rc21"/>
+            <p:cNvSpPr/>
+            <p:nvPr/>
+          </p:nvSpPr>
+          <p:spPr>
+            <a:xfrm>
+              <a:off x="3084292" y="1469421"/>
+              <a:ext cx="1492388" cy="322535"/>
             </a:xfrm>
             <a:prstGeom prst="rect">
               <a:avLst/>
@@ -2911,14 +2954,40 @@
         </p:sp>
         <p:sp>
           <p:nvSpPr>
-            <p:cNvPr id="21" name="rc21"/>
-            <p:cNvSpPr/>
-            <p:nvPr/>
-          </p:nvSpPr>
-          <p:spPr>
-            <a:xfrm>
-              <a:off x="3661297" y="6191812"/>
-              <a:ext cx="153867" cy="303783"/>
+            <p:cNvPr id="22" name="rc22"/>
+            <p:cNvSpPr/>
+            <p:nvPr/>
+          </p:nvSpPr>
+          <p:spPr>
+            <a:xfrm>
+              <a:off x="3794953" y="6486636"/>
+              <a:ext cx="35533" cy="322535"/>
+            </a:xfrm>
+            <a:prstGeom prst="rect">
+              <a:avLst/>
+            </a:prstGeom>
+            <a:solidFill>
+              <a:srgbClr val="2196F3">
+                <a:alpha val="100000"/>
+              </a:srgbClr>
+            </a:solidFill>
+          </p:spPr>
+          <p:txBody>
+            <a:bodyPr/>
+            <a:lstStyle/>
+            <a:p/>
+          </p:txBody>
+        </p:sp>
+        <p:sp>
+          <p:nvSpPr>
+            <p:cNvPr id="23" name="rc23"/>
+            <p:cNvSpPr/>
+            <p:nvPr/>
+          </p:nvSpPr>
+          <p:spPr>
+            <a:xfrm>
+              <a:off x="3617288" y="6486636"/>
+              <a:ext cx="177665" cy="322535"/>
             </a:xfrm>
             <a:prstGeom prst="rect">
               <a:avLst/>
@@ -2937,14 +3006,14 @@
         </p:sp>
         <p:sp>
           <p:nvSpPr>
-            <p:cNvPr id="22" name="rc22"/>
-            <p:cNvSpPr/>
-            <p:nvPr/>
-          </p:nvSpPr>
-          <p:spPr>
-            <a:xfrm>
-              <a:off x="3276627" y="6191812"/>
-              <a:ext cx="384669" cy="303783"/>
+            <p:cNvPr id="24" name="rc24"/>
+            <p:cNvSpPr/>
+            <p:nvPr/>
+          </p:nvSpPr>
+          <p:spPr>
+            <a:xfrm>
+              <a:off x="3297490" y="6486636"/>
+              <a:ext cx="319797" cy="322535"/>
             </a:xfrm>
             <a:prstGeom prst="rect">
               <a:avLst/>
@@ -2963,14 +3032,14 @@
         </p:sp>
         <p:sp>
           <p:nvSpPr>
-            <p:cNvPr id="23" name="rc23"/>
-            <p:cNvSpPr/>
-            <p:nvPr/>
-          </p:nvSpPr>
-          <p:spPr>
-            <a:xfrm>
-              <a:off x="3161226" y="6191812"/>
-              <a:ext cx="115400" cy="303783"/>
+            <p:cNvPr id="25" name="rc25"/>
+            <p:cNvSpPr/>
+            <p:nvPr/>
+          </p:nvSpPr>
+          <p:spPr>
+            <a:xfrm>
+              <a:off x="3155358" y="6486636"/>
+              <a:ext cx="142132" cy="322535"/>
             </a:xfrm>
             <a:prstGeom prst="rect">
               <a:avLst/>
@@ -2989,14 +3058,14 @@
         </p:sp>
         <p:sp>
           <p:nvSpPr>
-            <p:cNvPr id="24" name="rc24"/>
-            <p:cNvSpPr/>
-            <p:nvPr/>
-          </p:nvSpPr>
-          <p:spPr>
-            <a:xfrm>
-              <a:off x="3084292" y="6191812"/>
-              <a:ext cx="76933" cy="303783"/>
+            <p:cNvPr id="26" name="rc26"/>
+            <p:cNvSpPr/>
+            <p:nvPr/>
+          </p:nvSpPr>
+          <p:spPr>
+            <a:xfrm>
+              <a:off x="3084292" y="6486636"/>
+              <a:ext cx="71066" cy="322535"/>
             </a:xfrm>
             <a:prstGeom prst="rect">
               <a:avLst/>
@@ -3015,14 +3084,14 @@
         </p:sp>
         <p:sp>
           <p:nvSpPr>
-            <p:cNvPr id="25" name="rc25"/>
-            <p:cNvSpPr/>
-            <p:nvPr/>
-          </p:nvSpPr>
-          <p:spPr>
-            <a:xfrm>
-              <a:off x="4276769" y="3829054"/>
-              <a:ext cx="307735" cy="303783"/>
+            <p:cNvPr id="27" name="rc27"/>
+            <p:cNvSpPr/>
+            <p:nvPr/>
+          </p:nvSpPr>
+          <p:spPr>
+            <a:xfrm>
+              <a:off x="4185817" y="4336401"/>
+              <a:ext cx="284264" cy="322535"/>
             </a:xfrm>
             <a:prstGeom prst="rect">
               <a:avLst/>
@@ -3041,14 +3110,14 @@
         </p:sp>
         <p:sp>
           <p:nvSpPr>
-            <p:cNvPr id="26" name="rc26"/>
-            <p:cNvSpPr/>
-            <p:nvPr/>
-          </p:nvSpPr>
-          <p:spPr>
-            <a:xfrm>
-              <a:off x="4045967" y="3829054"/>
-              <a:ext cx="230801" cy="303783"/>
+            <p:cNvPr id="28" name="rc28"/>
+            <p:cNvSpPr/>
+            <p:nvPr/>
+          </p:nvSpPr>
+          <p:spPr>
+            <a:xfrm>
+              <a:off x="3937086" y="4336401"/>
+              <a:ext cx="248731" cy="322535"/>
             </a:xfrm>
             <a:prstGeom prst="rect">
               <a:avLst/>
@@ -3067,14 +3136,14 @@
         </p:sp>
         <p:sp>
           <p:nvSpPr>
-            <p:cNvPr id="27" name="rc27"/>
-            <p:cNvSpPr/>
-            <p:nvPr/>
-          </p:nvSpPr>
-          <p:spPr>
-            <a:xfrm>
-              <a:off x="3545896" y="3829054"/>
-              <a:ext cx="500070" cy="303783"/>
+            <p:cNvPr id="29" name="rc29"/>
+            <p:cNvSpPr/>
+            <p:nvPr/>
+          </p:nvSpPr>
+          <p:spPr>
+            <a:xfrm>
+              <a:off x="3510689" y="4336401"/>
+              <a:ext cx="426396" cy="322535"/>
             </a:xfrm>
             <a:prstGeom prst="rect">
               <a:avLst/>
@@ -3093,14 +3162,14 @@
         </p:sp>
         <p:sp>
           <p:nvSpPr>
-            <p:cNvPr id="28" name="rc28"/>
-            <p:cNvSpPr/>
-            <p:nvPr/>
-          </p:nvSpPr>
-          <p:spPr>
-            <a:xfrm>
-              <a:off x="3238160" y="3829054"/>
-              <a:ext cx="307735" cy="303783"/>
+            <p:cNvPr id="30" name="rc30"/>
+            <p:cNvSpPr/>
+            <p:nvPr/>
+          </p:nvSpPr>
+          <p:spPr>
+            <a:xfrm>
+              <a:off x="3226424" y="4336401"/>
+              <a:ext cx="284264" cy="322535"/>
             </a:xfrm>
             <a:prstGeom prst="rect">
               <a:avLst/>
@@ -3119,14 +3188,14 @@
         </p:sp>
         <p:sp>
           <p:nvSpPr>
-            <p:cNvPr id="29" name="rc29"/>
-            <p:cNvSpPr/>
-            <p:nvPr/>
-          </p:nvSpPr>
-          <p:spPr>
-            <a:xfrm>
-              <a:off x="3084292" y="3829054"/>
-              <a:ext cx="153867" cy="303783"/>
+            <p:cNvPr id="31" name="rc31"/>
+            <p:cNvSpPr/>
+            <p:nvPr/>
+          </p:nvSpPr>
+          <p:spPr>
+            <a:xfrm>
+              <a:off x="3084292" y="4336401"/>
+              <a:ext cx="142132" cy="322535"/>
             </a:xfrm>
             <a:prstGeom prst="rect">
               <a:avLst/>
@@ -3145,14 +3214,14 @@
         </p:sp>
         <p:sp>
           <p:nvSpPr>
-            <p:cNvPr id="30" name="rc30"/>
-            <p:cNvSpPr/>
-            <p:nvPr/>
-          </p:nvSpPr>
-          <p:spPr>
-            <a:xfrm>
-              <a:off x="3238160" y="6529349"/>
-              <a:ext cx="38466" cy="303783"/>
+            <p:cNvPr id="32" name="rc32"/>
+            <p:cNvSpPr/>
+            <p:nvPr/>
+          </p:nvSpPr>
+          <p:spPr>
+            <a:xfrm>
+              <a:off x="3261957" y="6845009"/>
+              <a:ext cx="35533" cy="322535"/>
             </a:xfrm>
             <a:prstGeom prst="rect">
               <a:avLst/>
@@ -3171,14 +3240,14 @@
         </p:sp>
         <p:sp>
           <p:nvSpPr>
-            <p:cNvPr id="31" name="rc31"/>
-            <p:cNvSpPr/>
-            <p:nvPr/>
-          </p:nvSpPr>
-          <p:spPr>
-            <a:xfrm>
-              <a:off x="3122759" y="6529349"/>
-              <a:ext cx="115400" cy="303783"/>
+            <p:cNvPr id="33" name="rc33"/>
+            <p:cNvSpPr/>
+            <p:nvPr/>
+          </p:nvSpPr>
+          <p:spPr>
+            <a:xfrm>
+              <a:off x="3119825" y="6845009"/>
+              <a:ext cx="142132" cy="322535"/>
             </a:xfrm>
             <a:prstGeom prst="rect">
               <a:avLst/>
@@ -3197,14 +3266,14 @@
         </p:sp>
         <p:sp>
           <p:nvSpPr>
-            <p:cNvPr id="32" name="rc32"/>
-            <p:cNvSpPr/>
-            <p:nvPr/>
-          </p:nvSpPr>
-          <p:spPr>
-            <a:xfrm>
-              <a:off x="3084292" y="6529349"/>
-              <a:ext cx="38466" cy="303783"/>
+            <p:cNvPr id="34" name="rc34"/>
+            <p:cNvSpPr/>
+            <p:nvPr/>
+          </p:nvSpPr>
+          <p:spPr>
+            <a:xfrm>
+              <a:off x="3084292" y="6845009"/>
+              <a:ext cx="35533" cy="322535"/>
             </a:xfrm>
             <a:prstGeom prst="rect">
               <a:avLst/>
@@ -3223,14 +3292,14 @@
         </p:sp>
         <p:sp>
           <p:nvSpPr>
-            <p:cNvPr id="33" name="rc33"/>
-            <p:cNvSpPr/>
-            <p:nvPr/>
-          </p:nvSpPr>
-          <p:spPr>
-            <a:xfrm>
-              <a:off x="4622972" y="3491517"/>
-              <a:ext cx="38466" cy="303783"/>
+            <p:cNvPr id="35" name="rc35"/>
+            <p:cNvSpPr/>
+            <p:nvPr/>
+          </p:nvSpPr>
+          <p:spPr>
+            <a:xfrm>
+              <a:off x="4754346" y="3261283"/>
+              <a:ext cx="35533" cy="322535"/>
             </a:xfrm>
             <a:prstGeom prst="rect">
               <a:avLst/>
@@ -3249,14 +3318,14 @@
         </p:sp>
         <p:sp>
           <p:nvSpPr>
-            <p:cNvPr id="34" name="rc34"/>
-            <p:cNvSpPr/>
-            <p:nvPr/>
-          </p:nvSpPr>
-          <p:spPr>
-            <a:xfrm>
-              <a:off x="4238302" y="3491517"/>
-              <a:ext cx="384669" cy="303783"/>
+            <p:cNvPr id="36" name="rc36"/>
+            <p:cNvSpPr/>
+            <p:nvPr/>
+          </p:nvSpPr>
+          <p:spPr>
+            <a:xfrm>
+              <a:off x="4363482" y="3261283"/>
+              <a:ext cx="390863" cy="322535"/>
             </a:xfrm>
             <a:prstGeom prst="rect">
               <a:avLst/>
@@ -3275,14 +3344,14 @@
         </p:sp>
         <p:sp>
           <p:nvSpPr>
-            <p:cNvPr id="35" name="rc35"/>
-            <p:cNvSpPr/>
-            <p:nvPr/>
-          </p:nvSpPr>
-          <p:spPr>
-            <a:xfrm>
-              <a:off x="3738231" y="3491517"/>
-              <a:ext cx="500070" cy="303783"/>
+            <p:cNvPr id="37" name="rc37"/>
+            <p:cNvSpPr/>
+            <p:nvPr/>
+          </p:nvSpPr>
+          <p:spPr>
+            <a:xfrm>
+              <a:off x="3794953" y="3261283"/>
+              <a:ext cx="568529" cy="322535"/>
             </a:xfrm>
             <a:prstGeom prst="rect">
               <a:avLst/>
@@ -3301,14 +3370,14 @@
         </p:sp>
         <p:sp>
           <p:nvSpPr>
-            <p:cNvPr id="36" name="rc36"/>
-            <p:cNvSpPr/>
-            <p:nvPr/>
-          </p:nvSpPr>
-          <p:spPr>
-            <a:xfrm>
-              <a:off x="3315094" y="3491517"/>
-              <a:ext cx="423136" cy="303783"/>
+            <p:cNvPr id="38" name="rc38"/>
+            <p:cNvSpPr/>
+            <p:nvPr/>
+          </p:nvSpPr>
+          <p:spPr>
+            <a:xfrm>
+              <a:off x="3333023" y="3261283"/>
+              <a:ext cx="461929" cy="322535"/>
             </a:xfrm>
             <a:prstGeom prst="rect">
               <a:avLst/>
@@ -3327,14 +3396,14 @@
         </p:sp>
         <p:sp>
           <p:nvSpPr>
-            <p:cNvPr id="37" name="rc37"/>
-            <p:cNvSpPr/>
-            <p:nvPr/>
-          </p:nvSpPr>
-          <p:spPr>
-            <a:xfrm>
-              <a:off x="3084292" y="3491517"/>
-              <a:ext cx="230801" cy="303783"/>
+            <p:cNvPr id="39" name="rc39"/>
+            <p:cNvSpPr/>
+            <p:nvPr/>
+          </p:nvSpPr>
+          <p:spPr>
+            <a:xfrm>
+              <a:off x="3084292" y="3261283"/>
+              <a:ext cx="248731" cy="322535"/>
             </a:xfrm>
             <a:prstGeom prst="rect">
               <a:avLst/>
@@ -3353,14 +3422,14 @@
         </p:sp>
         <p:sp>
           <p:nvSpPr>
-            <p:cNvPr id="38" name="rc38"/>
-            <p:cNvSpPr/>
-            <p:nvPr/>
-          </p:nvSpPr>
-          <p:spPr>
-            <a:xfrm>
-              <a:off x="4007500" y="5179201"/>
-              <a:ext cx="76933" cy="303783"/>
+            <p:cNvPr id="40" name="rc40"/>
+            <p:cNvSpPr/>
+            <p:nvPr/>
+          </p:nvSpPr>
+          <p:spPr>
+            <a:xfrm>
+              <a:off x="4008152" y="5411518"/>
+              <a:ext cx="71066" cy="322535"/>
             </a:xfrm>
             <a:prstGeom prst="rect">
               <a:avLst/>
@@ -3379,14 +3448,14 @@
         </p:sp>
         <p:sp>
           <p:nvSpPr>
-            <p:cNvPr id="39" name="rc39"/>
-            <p:cNvSpPr/>
-            <p:nvPr/>
-          </p:nvSpPr>
-          <p:spPr>
-            <a:xfrm>
-              <a:off x="3776698" y="5179201"/>
-              <a:ext cx="230801" cy="303783"/>
+            <p:cNvPr id="41" name="rc41"/>
+            <p:cNvSpPr/>
+            <p:nvPr/>
+          </p:nvSpPr>
+          <p:spPr>
+            <a:xfrm>
+              <a:off x="3759420" y="5411518"/>
+              <a:ext cx="248731" cy="322535"/>
             </a:xfrm>
             <a:prstGeom prst="rect">
               <a:avLst/>
@@ -3405,14 +3474,14 @@
         </p:sp>
         <p:sp>
           <p:nvSpPr>
-            <p:cNvPr id="40" name="rc40"/>
-            <p:cNvSpPr/>
-            <p:nvPr/>
-          </p:nvSpPr>
-          <p:spPr>
-            <a:xfrm>
-              <a:off x="3315094" y="5179201"/>
-              <a:ext cx="461603" cy="303783"/>
+            <p:cNvPr id="42" name="rc42"/>
+            <p:cNvSpPr/>
+            <p:nvPr/>
+          </p:nvSpPr>
+          <p:spPr>
+            <a:xfrm>
+              <a:off x="3297490" y="5411518"/>
+              <a:ext cx="461929" cy="322535"/>
             </a:xfrm>
             <a:prstGeom prst="rect">
               <a:avLst/>
@@ -3431,14 +3500,14 @@
         </p:sp>
         <p:sp>
           <p:nvSpPr>
-            <p:cNvPr id="41" name="rc41"/>
-            <p:cNvSpPr/>
-            <p:nvPr/>
-          </p:nvSpPr>
-          <p:spPr>
-            <a:xfrm>
-              <a:off x="3122759" y="5179201"/>
-              <a:ext cx="192334" cy="303783"/>
+            <p:cNvPr id="43" name="rc43"/>
+            <p:cNvSpPr/>
+            <p:nvPr/>
+          </p:nvSpPr>
+          <p:spPr>
+            <a:xfrm>
+              <a:off x="3155358" y="5411518"/>
+              <a:ext cx="142132" cy="322535"/>
             </a:xfrm>
             <a:prstGeom prst="rect">
               <a:avLst/>
@@ -3457,14 +3526,14 @@
         </p:sp>
         <p:sp>
           <p:nvSpPr>
-            <p:cNvPr id="42" name="rc42"/>
-            <p:cNvSpPr/>
-            <p:nvPr/>
-          </p:nvSpPr>
-          <p:spPr>
-            <a:xfrm>
-              <a:off x="3084292" y="5179201"/>
-              <a:ext cx="38466" cy="303783"/>
+            <p:cNvPr id="44" name="rc44"/>
+            <p:cNvSpPr/>
+            <p:nvPr/>
+          </p:nvSpPr>
+          <p:spPr>
+            <a:xfrm>
+              <a:off x="3084292" y="5411518"/>
+              <a:ext cx="71066" cy="322535"/>
             </a:xfrm>
             <a:prstGeom prst="rect">
               <a:avLst/>
@@ -3483,14 +3552,14 @@
         </p:sp>
         <p:sp>
           <p:nvSpPr>
-            <p:cNvPr id="43" name="rc43"/>
-            <p:cNvSpPr/>
-            <p:nvPr/>
-          </p:nvSpPr>
-          <p:spPr>
-            <a:xfrm>
-              <a:off x="4353703" y="4166591"/>
-              <a:ext cx="115400" cy="303783"/>
+            <p:cNvPr id="45" name="rc45"/>
+            <p:cNvSpPr/>
+            <p:nvPr/>
+          </p:nvSpPr>
+          <p:spPr>
+            <a:xfrm>
+              <a:off x="4363482" y="3978028"/>
+              <a:ext cx="106599" cy="322535"/>
             </a:xfrm>
             <a:prstGeom prst="rect">
               <a:avLst/>
@@ -3509,14 +3578,14 @@
         </p:sp>
         <p:sp>
           <p:nvSpPr>
-            <p:cNvPr id="44" name="rc44"/>
-            <p:cNvSpPr/>
-            <p:nvPr/>
-          </p:nvSpPr>
-          <p:spPr>
-            <a:xfrm>
-              <a:off x="4007500" y="4166591"/>
-              <a:ext cx="346202" cy="303783"/>
+            <p:cNvPr id="46" name="rc46"/>
+            <p:cNvSpPr/>
+            <p:nvPr/>
+          </p:nvSpPr>
+          <p:spPr>
+            <a:xfrm>
+              <a:off x="4008152" y="3978028"/>
+              <a:ext cx="355330" cy="322535"/>
             </a:xfrm>
             <a:prstGeom prst="rect">
               <a:avLst/>
@@ -3535,14 +3604,14 @@
         </p:sp>
         <p:sp>
           <p:nvSpPr>
-            <p:cNvPr id="45" name="rc45"/>
-            <p:cNvSpPr/>
-            <p:nvPr/>
-          </p:nvSpPr>
-          <p:spPr>
-            <a:xfrm>
-              <a:off x="3545896" y="4166591"/>
-              <a:ext cx="461603" cy="303783"/>
+            <p:cNvPr id="47" name="rc47"/>
+            <p:cNvSpPr/>
+            <p:nvPr/>
+          </p:nvSpPr>
+          <p:spPr>
+            <a:xfrm>
+              <a:off x="3546222" y="3978028"/>
+              <a:ext cx="461929" cy="322535"/>
             </a:xfrm>
             <a:prstGeom prst="rect">
               <a:avLst/>
@@ -3561,14 +3630,14 @@
         </p:sp>
         <p:sp>
           <p:nvSpPr>
-            <p:cNvPr id="46" name="rc46"/>
-            <p:cNvSpPr/>
-            <p:nvPr/>
-          </p:nvSpPr>
-          <p:spPr>
-            <a:xfrm>
-              <a:off x="3199693" y="4166591"/>
-              <a:ext cx="346202" cy="303783"/>
+            <p:cNvPr id="48" name="rc48"/>
+            <p:cNvSpPr/>
+            <p:nvPr/>
+          </p:nvSpPr>
+          <p:spPr>
+            <a:xfrm>
+              <a:off x="3261957" y="3978028"/>
+              <a:ext cx="284264" cy="322535"/>
             </a:xfrm>
             <a:prstGeom prst="rect">
               <a:avLst/>
@@ -3587,14 +3656,14 @@
         </p:sp>
         <p:sp>
           <p:nvSpPr>
-            <p:cNvPr id="47" name="rc47"/>
-            <p:cNvSpPr/>
-            <p:nvPr/>
-          </p:nvSpPr>
-          <p:spPr>
-            <a:xfrm>
-              <a:off x="3084292" y="4166591"/>
-              <a:ext cx="115400" cy="303783"/>
+            <p:cNvPr id="49" name="rc49"/>
+            <p:cNvSpPr/>
+            <p:nvPr/>
+          </p:nvSpPr>
+          <p:spPr>
+            <a:xfrm>
+              <a:off x="3084292" y="3978028"/>
+              <a:ext cx="177665" cy="322535"/>
             </a:xfrm>
             <a:prstGeom prst="rect">
               <a:avLst/>
@@ -3613,14 +3682,14 @@
         </p:sp>
         <p:sp>
           <p:nvSpPr>
-            <p:cNvPr id="48" name="rc48"/>
-            <p:cNvSpPr/>
-            <p:nvPr/>
-          </p:nvSpPr>
-          <p:spPr>
-            <a:xfrm>
-              <a:off x="3815165" y="5854275"/>
-              <a:ext cx="115400" cy="303783"/>
+            <p:cNvPr id="50" name="rc50"/>
+            <p:cNvSpPr/>
+            <p:nvPr/>
+          </p:nvSpPr>
+          <p:spPr>
+            <a:xfrm>
+              <a:off x="3794953" y="6128263"/>
+              <a:ext cx="106599" cy="322535"/>
             </a:xfrm>
             <a:prstGeom prst="rect">
               <a:avLst/>
@@ -3639,14 +3708,14 @@
         </p:sp>
         <p:sp>
           <p:nvSpPr>
-            <p:cNvPr id="49" name="rc49"/>
-            <p:cNvSpPr/>
-            <p:nvPr/>
-          </p:nvSpPr>
-          <p:spPr>
-            <a:xfrm>
-              <a:off x="3699764" y="5854275"/>
-              <a:ext cx="115400" cy="303783"/>
+            <p:cNvPr id="51" name="rc51"/>
+            <p:cNvSpPr/>
+            <p:nvPr/>
+          </p:nvSpPr>
+          <p:spPr>
+            <a:xfrm>
+              <a:off x="3652821" y="6128263"/>
+              <a:ext cx="142132" cy="322535"/>
             </a:xfrm>
             <a:prstGeom prst="rect">
               <a:avLst/>
@@ -3665,14 +3734,14 @@
         </p:sp>
         <p:sp>
           <p:nvSpPr>
-            <p:cNvPr id="50" name="rc50"/>
-            <p:cNvSpPr/>
-            <p:nvPr/>
-          </p:nvSpPr>
-          <p:spPr>
-            <a:xfrm>
-              <a:off x="3545896" y="5854275"/>
-              <a:ext cx="153867" cy="303783"/>
+            <p:cNvPr id="52" name="rc52"/>
+            <p:cNvSpPr/>
+            <p:nvPr/>
+          </p:nvSpPr>
+          <p:spPr>
+            <a:xfrm>
+              <a:off x="3475156" y="6128263"/>
+              <a:ext cx="177665" cy="322535"/>
             </a:xfrm>
             <a:prstGeom prst="rect">
               <a:avLst/>
@@ -3691,14 +3760,14 @@
         </p:sp>
         <p:sp>
           <p:nvSpPr>
-            <p:cNvPr id="51" name="rc51"/>
-            <p:cNvSpPr/>
-            <p:nvPr/>
-          </p:nvSpPr>
-          <p:spPr>
-            <a:xfrm>
-              <a:off x="3199693" y="5854275"/>
-              <a:ext cx="346202" cy="303783"/>
+            <p:cNvPr id="53" name="rc53"/>
+            <p:cNvSpPr/>
+            <p:nvPr/>
+          </p:nvSpPr>
+          <p:spPr>
+            <a:xfrm>
+              <a:off x="3190891" y="6128263"/>
+              <a:ext cx="284264" cy="322535"/>
             </a:xfrm>
             <a:prstGeom prst="rect">
               <a:avLst/>
@@ -3717,14 +3786,14 @@
         </p:sp>
         <p:sp>
           <p:nvSpPr>
-            <p:cNvPr id="52" name="rc52"/>
-            <p:cNvSpPr/>
-            <p:nvPr/>
-          </p:nvSpPr>
-          <p:spPr>
-            <a:xfrm>
-              <a:off x="3084292" y="5854275"/>
-              <a:ext cx="115400" cy="303783"/>
+            <p:cNvPr id="54" name="rc54"/>
+            <p:cNvSpPr/>
+            <p:nvPr/>
+          </p:nvSpPr>
+          <p:spPr>
+            <a:xfrm>
+              <a:off x="3084292" y="6128263"/>
+              <a:ext cx="106599" cy="322535"/>
             </a:xfrm>
             <a:prstGeom prst="rect">
               <a:avLst/>
@@ -3743,14 +3812,14 @@
         </p:sp>
         <p:sp>
           <p:nvSpPr>
-            <p:cNvPr id="53" name="rc53"/>
-            <p:cNvSpPr/>
-            <p:nvPr/>
-          </p:nvSpPr>
-          <p:spPr>
-            <a:xfrm>
-              <a:off x="6315519" y="1803832"/>
-              <a:ext cx="346202" cy="303783"/>
+            <p:cNvPr id="55" name="rc55"/>
+            <p:cNvSpPr/>
+            <p:nvPr/>
+          </p:nvSpPr>
+          <p:spPr>
+            <a:xfrm>
+              <a:off x="6353334" y="1827793"/>
+              <a:ext cx="319797" cy="322535"/>
             </a:xfrm>
             <a:prstGeom prst="rect">
               <a:avLst/>
@@ -3769,14 +3838,14 @@
         </p:sp>
         <p:sp>
           <p:nvSpPr>
-            <p:cNvPr id="54" name="rc54"/>
-            <p:cNvSpPr/>
-            <p:nvPr/>
-          </p:nvSpPr>
-          <p:spPr>
-            <a:xfrm>
-              <a:off x="5584646" y="1803832"/>
-              <a:ext cx="730872" cy="303783"/>
+            <p:cNvPr id="56" name="rc56"/>
+            <p:cNvSpPr/>
+            <p:nvPr/>
+          </p:nvSpPr>
+          <p:spPr>
+            <a:xfrm>
+              <a:off x="5571607" y="1827793"/>
+              <a:ext cx="781727" cy="322535"/>
             </a:xfrm>
             <a:prstGeom prst="rect">
               <a:avLst/>
@@ -3795,14 +3864,14 @@
         </p:sp>
         <p:sp>
           <p:nvSpPr>
-            <p:cNvPr id="55" name="rc55"/>
-            <p:cNvSpPr/>
-            <p:nvPr/>
-          </p:nvSpPr>
-          <p:spPr>
-            <a:xfrm>
-              <a:off x="4084434" y="1803832"/>
-              <a:ext cx="1500212" cy="303783"/>
+            <p:cNvPr id="57" name="rc57"/>
+            <p:cNvSpPr/>
+            <p:nvPr/>
+          </p:nvSpPr>
+          <p:spPr>
+            <a:xfrm>
+              <a:off x="4150284" y="1827793"/>
+              <a:ext cx="1421322" cy="322535"/>
             </a:xfrm>
             <a:prstGeom prst="rect">
               <a:avLst/>
@@ -3821,14 +3890,14 @@
         </p:sp>
         <p:sp>
           <p:nvSpPr>
-            <p:cNvPr id="56" name="rc56"/>
-            <p:cNvSpPr/>
-            <p:nvPr/>
-          </p:nvSpPr>
-          <p:spPr>
-            <a:xfrm>
-              <a:off x="3084292" y="1803832"/>
-              <a:ext cx="1000141" cy="303783"/>
+            <p:cNvPr id="58" name="rc58"/>
+            <p:cNvSpPr/>
+            <p:nvPr/>
+          </p:nvSpPr>
+          <p:spPr>
+            <a:xfrm>
+              <a:off x="3084292" y="1827793"/>
+              <a:ext cx="1065992" cy="322535"/>
             </a:xfrm>
             <a:prstGeom prst="rect">
               <a:avLst/>
@@ -3847,14 +3916,14 @@
         </p:sp>
         <p:sp>
           <p:nvSpPr>
-            <p:cNvPr id="57" name="rc57"/>
-            <p:cNvSpPr/>
-            <p:nvPr/>
-          </p:nvSpPr>
-          <p:spPr>
-            <a:xfrm>
-              <a:off x="4315236" y="4504128"/>
-              <a:ext cx="38466" cy="303783"/>
+            <p:cNvPr id="59" name="rc59"/>
+            <p:cNvSpPr/>
+            <p:nvPr/>
+          </p:nvSpPr>
+          <p:spPr>
+            <a:xfrm>
+              <a:off x="4327949" y="4694773"/>
+              <a:ext cx="35533" cy="322535"/>
             </a:xfrm>
             <a:prstGeom prst="rect">
               <a:avLst/>
@@ -3873,14 +3942,14 @@
         </p:sp>
         <p:sp>
           <p:nvSpPr>
-            <p:cNvPr id="58" name="rc58"/>
-            <p:cNvSpPr/>
-            <p:nvPr/>
-          </p:nvSpPr>
-          <p:spPr>
-            <a:xfrm>
-              <a:off x="4007500" y="4504128"/>
-              <a:ext cx="307735" cy="303783"/>
+            <p:cNvPr id="60" name="rc60"/>
+            <p:cNvSpPr/>
+            <p:nvPr/>
+          </p:nvSpPr>
+          <p:spPr>
+            <a:xfrm>
+              <a:off x="4043685" y="4694773"/>
+              <a:ext cx="284264" cy="322535"/>
             </a:xfrm>
             <a:prstGeom prst="rect">
               <a:avLst/>
@@ -3899,14 +3968,14 @@
         </p:sp>
         <p:sp>
           <p:nvSpPr>
-            <p:cNvPr id="59" name="rc59"/>
-            <p:cNvSpPr/>
-            <p:nvPr/>
-          </p:nvSpPr>
-          <p:spPr>
-            <a:xfrm>
-              <a:off x="3545896" y="4504128"/>
-              <a:ext cx="461603" cy="303783"/>
+            <p:cNvPr id="61" name="rc61"/>
+            <p:cNvSpPr/>
+            <p:nvPr/>
+          </p:nvSpPr>
+          <p:spPr>
+            <a:xfrm>
+              <a:off x="3581755" y="4694773"/>
+              <a:ext cx="461929" cy="322535"/>
             </a:xfrm>
             <a:prstGeom prst="rect">
               <a:avLst/>
@@ -3925,14 +3994,14 @@
         </p:sp>
         <p:sp>
           <p:nvSpPr>
-            <p:cNvPr id="60" name="rc60"/>
-            <p:cNvSpPr/>
-            <p:nvPr/>
-          </p:nvSpPr>
-          <p:spPr>
-            <a:xfrm>
-              <a:off x="3238160" y="4504128"/>
-              <a:ext cx="307735" cy="303783"/>
+            <p:cNvPr id="62" name="rc62"/>
+            <p:cNvSpPr/>
+            <p:nvPr/>
+          </p:nvSpPr>
+          <p:spPr>
+            <a:xfrm>
+              <a:off x="3261957" y="4694773"/>
+              <a:ext cx="319797" cy="322535"/>
             </a:xfrm>
             <a:prstGeom prst="rect">
               <a:avLst/>
@@ -3951,14 +4020,14 @@
         </p:sp>
         <p:sp>
           <p:nvSpPr>
-            <p:cNvPr id="61" name="rc61"/>
-            <p:cNvSpPr/>
-            <p:nvPr/>
-          </p:nvSpPr>
-          <p:spPr>
-            <a:xfrm>
-              <a:off x="3084292" y="4504128"/>
-              <a:ext cx="153867" cy="303783"/>
+            <p:cNvPr id="63" name="rc63"/>
+            <p:cNvSpPr/>
+            <p:nvPr/>
+          </p:nvSpPr>
+          <p:spPr>
+            <a:xfrm>
+              <a:off x="3084292" y="4694773"/>
+              <a:ext cx="177665" cy="322535"/>
             </a:xfrm>
             <a:prstGeom prst="rect">
               <a:avLst/>
@@ -3977,14 +4046,14 @@
         </p:sp>
         <p:sp>
           <p:nvSpPr>
-            <p:cNvPr id="62" name="rc62"/>
-            <p:cNvSpPr/>
-            <p:nvPr/>
-          </p:nvSpPr>
-          <p:spPr>
-            <a:xfrm>
-              <a:off x="4661439" y="3153980"/>
-              <a:ext cx="76933" cy="303783"/>
+            <p:cNvPr id="64" name="rc64"/>
+            <p:cNvSpPr/>
+            <p:nvPr/>
+          </p:nvSpPr>
+          <p:spPr>
+            <a:xfrm>
+              <a:off x="4541148" y="3619656"/>
+              <a:ext cx="71066" cy="322535"/>
             </a:xfrm>
             <a:prstGeom prst="rect">
               <a:avLst/>
@@ -4003,14 +4072,14 @@
         </p:sp>
         <p:sp>
           <p:nvSpPr>
-            <p:cNvPr id="63" name="rc63"/>
-            <p:cNvSpPr/>
-            <p:nvPr/>
-          </p:nvSpPr>
-          <p:spPr>
-            <a:xfrm>
-              <a:off x="4122901" y="3153980"/>
-              <a:ext cx="538537" cy="303783"/>
+            <p:cNvPr id="65" name="rc65"/>
+            <p:cNvSpPr/>
+            <p:nvPr/>
+          </p:nvSpPr>
+          <p:spPr>
+            <a:xfrm>
+              <a:off x="3972619" y="3619656"/>
+              <a:ext cx="568529" cy="322535"/>
             </a:xfrm>
             <a:prstGeom prst="rect">
               <a:avLst/>
@@ -4029,14 +4098,14 @@
         </p:sp>
         <p:sp>
           <p:nvSpPr>
-            <p:cNvPr id="64" name="rc64"/>
-            <p:cNvSpPr/>
-            <p:nvPr/>
-          </p:nvSpPr>
-          <p:spPr>
-            <a:xfrm>
-              <a:off x="3622830" y="3153980"/>
-              <a:ext cx="500070" cy="303783"/>
+            <p:cNvPr id="66" name="rc66"/>
+            <p:cNvSpPr/>
+            <p:nvPr/>
+          </p:nvSpPr>
+          <p:spPr>
+            <a:xfrm>
+              <a:off x="3546222" y="3619656"/>
+              <a:ext cx="426396" cy="322535"/>
             </a:xfrm>
             <a:prstGeom prst="rect">
               <a:avLst/>
@@ -4055,14 +4124,14 @@
         </p:sp>
         <p:sp>
           <p:nvSpPr>
-            <p:cNvPr id="65" name="rc65"/>
-            <p:cNvSpPr/>
-            <p:nvPr/>
-          </p:nvSpPr>
-          <p:spPr>
-            <a:xfrm>
-              <a:off x="3276627" y="3153980"/>
-              <a:ext cx="346202" cy="303783"/>
+            <p:cNvPr id="67" name="rc67"/>
+            <p:cNvSpPr/>
+            <p:nvPr/>
+          </p:nvSpPr>
+          <p:spPr>
+            <a:xfrm>
+              <a:off x="3261957" y="3619656"/>
+              <a:ext cx="284264" cy="322535"/>
             </a:xfrm>
             <a:prstGeom prst="rect">
               <a:avLst/>
@@ -4081,14 +4150,14 @@
         </p:sp>
         <p:sp>
           <p:nvSpPr>
-            <p:cNvPr id="66" name="rc66"/>
-            <p:cNvSpPr/>
-            <p:nvPr/>
-          </p:nvSpPr>
-          <p:spPr>
-            <a:xfrm>
-              <a:off x="3084292" y="3153980"/>
-              <a:ext cx="192334" cy="303783"/>
+            <p:cNvPr id="68" name="rc68"/>
+            <p:cNvSpPr/>
+            <p:nvPr/>
+          </p:nvSpPr>
+          <p:spPr>
+            <a:xfrm>
+              <a:off x="3084292" y="3619656"/>
+              <a:ext cx="177665" cy="322535"/>
             </a:xfrm>
             <a:prstGeom prst="rect">
               <a:avLst/>
@@ -4107,14 +4176,14 @@
         </p:sp>
         <p:sp>
           <p:nvSpPr>
-            <p:cNvPr id="67" name="rc67"/>
-            <p:cNvSpPr/>
-            <p:nvPr/>
-          </p:nvSpPr>
-          <p:spPr>
-            <a:xfrm>
-              <a:off x="3545896" y="5516738"/>
-              <a:ext cx="384669" cy="303783"/>
+            <p:cNvPr id="69" name="rc69"/>
+            <p:cNvSpPr/>
+            <p:nvPr/>
+          </p:nvSpPr>
+          <p:spPr>
+            <a:xfrm>
+              <a:off x="3510689" y="5769891"/>
+              <a:ext cx="426396" cy="322535"/>
             </a:xfrm>
             <a:prstGeom prst="rect">
               <a:avLst/>
@@ -4133,14 +4202,14 @@
         </p:sp>
         <p:sp>
           <p:nvSpPr>
-            <p:cNvPr id="68" name="rc68"/>
-            <p:cNvSpPr/>
-            <p:nvPr/>
-          </p:nvSpPr>
-          <p:spPr>
-            <a:xfrm>
-              <a:off x="3161226" y="5516738"/>
-              <a:ext cx="384669" cy="303783"/>
+            <p:cNvPr id="70" name="rc70"/>
+            <p:cNvSpPr/>
+            <p:nvPr/>
+          </p:nvSpPr>
+          <p:spPr>
+            <a:xfrm>
+              <a:off x="3190891" y="5769891"/>
+              <a:ext cx="319797" cy="322535"/>
             </a:xfrm>
             <a:prstGeom prst="rect">
               <a:avLst/>
@@ -4159,14 +4228,14 @@
         </p:sp>
         <p:sp>
           <p:nvSpPr>
-            <p:cNvPr id="69" name="rc69"/>
-            <p:cNvSpPr/>
-            <p:nvPr/>
-          </p:nvSpPr>
-          <p:spPr>
-            <a:xfrm>
-              <a:off x="3122759" y="5516738"/>
-              <a:ext cx="38466" cy="303783"/>
+            <p:cNvPr id="71" name="rc71"/>
+            <p:cNvSpPr/>
+            <p:nvPr/>
+          </p:nvSpPr>
+          <p:spPr>
+            <a:xfrm>
+              <a:off x="3119825" y="5769891"/>
+              <a:ext cx="71066" cy="322535"/>
             </a:xfrm>
             <a:prstGeom prst="rect">
               <a:avLst/>
@@ -4185,14 +4254,14 @@
         </p:sp>
         <p:sp>
           <p:nvSpPr>
-            <p:cNvPr id="70" name="rc70"/>
-            <p:cNvSpPr/>
-            <p:nvPr/>
-          </p:nvSpPr>
-          <p:spPr>
-            <a:xfrm>
-              <a:off x="3084292" y="5516738"/>
-              <a:ext cx="38466" cy="303783"/>
+            <p:cNvPr id="72" name="rc72"/>
+            <p:cNvSpPr/>
+            <p:nvPr/>
+          </p:nvSpPr>
+          <p:spPr>
+            <a:xfrm>
+              <a:off x="3084292" y="5769891"/>
+              <a:ext cx="35533" cy="322535"/>
             </a:xfrm>
             <a:prstGeom prst="rect">
               <a:avLst/>
@@ -4211,14 +4280,14 @@
         </p:sp>
         <p:sp>
           <p:nvSpPr>
-            <p:cNvPr id="71" name="rc71"/>
-            <p:cNvSpPr/>
-            <p:nvPr/>
-          </p:nvSpPr>
-          <p:spPr>
-            <a:xfrm>
-              <a:off x="4276769" y="4841664"/>
-              <a:ext cx="76933" cy="303783"/>
+            <p:cNvPr id="73" name="rc73"/>
+            <p:cNvSpPr/>
+            <p:nvPr/>
+          </p:nvSpPr>
+          <p:spPr>
+            <a:xfrm>
+              <a:off x="4185817" y="5053146"/>
+              <a:ext cx="71066" cy="322535"/>
             </a:xfrm>
             <a:prstGeom prst="rect">
               <a:avLst/>
@@ -4237,14 +4306,14 @@
         </p:sp>
         <p:sp>
           <p:nvSpPr>
-            <p:cNvPr id="72" name="rc72"/>
-            <p:cNvSpPr/>
-            <p:nvPr/>
-          </p:nvSpPr>
-          <p:spPr>
-            <a:xfrm>
-              <a:off x="4045967" y="4841664"/>
-              <a:ext cx="230801" cy="303783"/>
+            <p:cNvPr id="74" name="rc74"/>
+            <p:cNvSpPr/>
+            <p:nvPr/>
+          </p:nvSpPr>
+          <p:spPr>
+            <a:xfrm>
+              <a:off x="3901552" y="5053146"/>
+              <a:ext cx="284264" cy="322535"/>
             </a:xfrm>
             <a:prstGeom prst="rect">
               <a:avLst/>
@@ -4263,14 +4332,14 @@
         </p:sp>
         <p:sp>
           <p:nvSpPr>
-            <p:cNvPr id="73" name="rc73"/>
-            <p:cNvSpPr/>
-            <p:nvPr/>
-          </p:nvSpPr>
-          <p:spPr>
-            <a:xfrm>
-              <a:off x="3507429" y="4841664"/>
-              <a:ext cx="538537" cy="303783"/>
+            <p:cNvPr id="75" name="rc75"/>
+            <p:cNvSpPr/>
+            <p:nvPr/>
+          </p:nvSpPr>
+          <p:spPr>
+            <a:xfrm>
+              <a:off x="3439623" y="5053146"/>
+              <a:ext cx="461929" cy="322535"/>
             </a:xfrm>
             <a:prstGeom prst="rect">
               <a:avLst/>
@@ -4289,14 +4358,14 @@
         </p:sp>
         <p:sp>
           <p:nvSpPr>
-            <p:cNvPr id="74" name="rc74"/>
-            <p:cNvSpPr/>
-            <p:nvPr/>
-          </p:nvSpPr>
-          <p:spPr>
-            <a:xfrm>
-              <a:off x="3199693" y="4841664"/>
-              <a:ext cx="307735" cy="303783"/>
+            <p:cNvPr id="76" name="rc76"/>
+            <p:cNvSpPr/>
+            <p:nvPr/>
+          </p:nvSpPr>
+          <p:spPr>
+            <a:xfrm>
+              <a:off x="3226424" y="5053146"/>
+              <a:ext cx="213198" cy="322535"/>
             </a:xfrm>
             <a:prstGeom prst="rect">
               <a:avLst/>
@@ -4315,14 +4384,14 @@
         </p:sp>
         <p:sp>
           <p:nvSpPr>
-            <p:cNvPr id="75" name="rc75"/>
-            <p:cNvSpPr/>
-            <p:nvPr/>
-          </p:nvSpPr>
-          <p:spPr>
-            <a:xfrm>
-              <a:off x="3084292" y="4841664"/>
-              <a:ext cx="115400" cy="303783"/>
+            <p:cNvPr id="77" name="rc77"/>
+            <p:cNvSpPr/>
+            <p:nvPr/>
+          </p:nvSpPr>
+          <p:spPr>
+            <a:xfrm>
+              <a:off x="3084292" y="5053146"/>
+              <a:ext cx="142132" cy="322535"/>
             </a:xfrm>
             <a:prstGeom prst="rect">
               <a:avLst/>
@@ -4341,14 +4410,40 @@
         </p:sp>
         <p:sp>
           <p:nvSpPr>
-            <p:cNvPr id="76" name="rc76"/>
-            <p:cNvSpPr/>
-            <p:nvPr/>
-          </p:nvSpPr>
-          <p:spPr>
-            <a:xfrm>
-              <a:off x="3084292" y="6866886"/>
-              <a:ext cx="38466" cy="303783"/>
+            <p:cNvPr id="78" name="rc78"/>
+            <p:cNvSpPr/>
+            <p:nvPr/>
+          </p:nvSpPr>
+          <p:spPr>
+            <a:xfrm>
+              <a:off x="4825412" y="2902911"/>
+              <a:ext cx="213198" cy="322535"/>
+            </a:xfrm>
+            <a:prstGeom prst="rect">
+              <a:avLst/>
+            </a:prstGeom>
+            <a:solidFill>
+              <a:srgbClr val="2196F3">
+                <a:alpha val="100000"/>
+              </a:srgbClr>
+            </a:solidFill>
+          </p:spPr>
+          <p:txBody>
+            <a:bodyPr/>
+            <a:lstStyle/>
+            <a:p/>
+          </p:txBody>
+        </p:sp>
+        <p:sp>
+          <p:nvSpPr>
+            <p:cNvPr id="79" name="rc79"/>
+            <p:cNvSpPr/>
+            <p:nvPr/>
+          </p:nvSpPr>
+          <p:spPr>
+            <a:xfrm>
+              <a:off x="4576681" y="2902911"/>
+              <a:ext cx="248731" cy="322535"/>
             </a:xfrm>
             <a:prstGeom prst="rect">
               <a:avLst/>
@@ -4367,14 +4462,92 @@
         </p:sp>
         <p:sp>
           <p:nvSpPr>
-            <p:cNvPr id="77" name="rc77"/>
-            <p:cNvSpPr/>
-            <p:nvPr/>
-          </p:nvSpPr>
-          <p:spPr>
-            <a:xfrm>
-              <a:off x="4853774" y="2816443"/>
-              <a:ext cx="192334" cy="303783"/>
+            <p:cNvPr id="80" name="rc80"/>
+            <p:cNvSpPr/>
+            <p:nvPr/>
+          </p:nvSpPr>
+          <p:spPr>
+            <a:xfrm>
+              <a:off x="3901552" y="2902911"/>
+              <a:ext cx="675128" cy="322535"/>
+            </a:xfrm>
+            <a:prstGeom prst="rect">
+              <a:avLst/>
+            </a:prstGeom>
+            <a:solidFill>
+              <a:srgbClr val="FFC107">
+                <a:alpha val="100000"/>
+              </a:srgbClr>
+            </a:solidFill>
+          </p:spPr>
+          <p:txBody>
+            <a:bodyPr/>
+            <a:lstStyle/>
+            <a:p/>
+          </p:txBody>
+        </p:sp>
+        <p:sp>
+          <p:nvSpPr>
+            <p:cNvPr id="81" name="rc81"/>
+            <p:cNvSpPr/>
+            <p:nvPr/>
+          </p:nvSpPr>
+          <p:spPr>
+            <a:xfrm>
+              <a:off x="3439623" y="2902911"/>
+              <a:ext cx="461929" cy="322535"/>
+            </a:xfrm>
+            <a:prstGeom prst="rect">
+              <a:avLst/>
+            </a:prstGeom>
+            <a:solidFill>
+              <a:srgbClr val="9C27B0">
+                <a:alpha val="100000"/>
+              </a:srgbClr>
+            </a:solidFill>
+          </p:spPr>
+          <p:txBody>
+            <a:bodyPr/>
+            <a:lstStyle/>
+            <a:p/>
+          </p:txBody>
+        </p:sp>
+        <p:sp>
+          <p:nvSpPr>
+            <p:cNvPr id="82" name="rc82"/>
+            <p:cNvSpPr/>
+            <p:nvPr/>
+          </p:nvSpPr>
+          <p:spPr>
+            <a:xfrm>
+              <a:off x="3084292" y="2902911"/>
+              <a:ext cx="355330" cy="322535"/>
+            </a:xfrm>
+            <a:prstGeom prst="rect">
+              <a:avLst/>
+            </a:prstGeom>
+            <a:solidFill>
+              <a:srgbClr val="F44336">
+                <a:alpha val="100000"/>
+              </a:srgbClr>
+            </a:solidFill>
+          </p:spPr>
+          <p:txBody>
+            <a:bodyPr/>
+            <a:lstStyle/>
+            <a:p/>
+          </p:txBody>
+        </p:sp>
+        <p:sp>
+          <p:nvSpPr>
+            <p:cNvPr id="83" name="rc83"/>
+            <p:cNvSpPr/>
+            <p:nvPr/>
+          </p:nvSpPr>
+          <p:spPr>
+            <a:xfrm>
+              <a:off x="5287342" y="2544538"/>
+              <a:ext cx="35533" cy="322535"/>
             </a:xfrm>
             <a:prstGeom prst="rect">
               <a:avLst/>
@@ -4393,14 +4566,14 @@
         </p:sp>
         <p:sp>
           <p:nvSpPr>
-            <p:cNvPr id="78" name="rc78"/>
-            <p:cNvSpPr/>
-            <p:nvPr/>
-          </p:nvSpPr>
-          <p:spPr>
-            <a:xfrm>
-              <a:off x="4622972" y="2816443"/>
-              <a:ext cx="230801" cy="303783"/>
+            <p:cNvPr id="84" name="rc84"/>
+            <p:cNvSpPr/>
+            <p:nvPr/>
+          </p:nvSpPr>
+          <p:spPr>
+            <a:xfrm>
+              <a:off x="4967545" y="2544538"/>
+              <a:ext cx="319797" cy="322535"/>
             </a:xfrm>
             <a:prstGeom prst="rect">
               <a:avLst/>
@@ -4419,14 +4592,14 @@
         </p:sp>
         <p:sp>
           <p:nvSpPr>
-            <p:cNvPr id="79" name="rc79"/>
-            <p:cNvSpPr/>
-            <p:nvPr/>
-          </p:nvSpPr>
-          <p:spPr>
-            <a:xfrm>
-              <a:off x="3969033" y="2816443"/>
-              <a:ext cx="653938" cy="303783"/>
+            <p:cNvPr id="85" name="rc85"/>
+            <p:cNvSpPr/>
+            <p:nvPr/>
+          </p:nvSpPr>
+          <p:spPr>
+            <a:xfrm>
+              <a:off x="4363482" y="2544538"/>
+              <a:ext cx="604062" cy="322535"/>
             </a:xfrm>
             <a:prstGeom prst="rect">
               <a:avLst/>
@@ -4445,14 +4618,14 @@
         </p:sp>
         <p:sp>
           <p:nvSpPr>
-            <p:cNvPr id="80" name="rc80"/>
-            <p:cNvSpPr/>
-            <p:nvPr/>
-          </p:nvSpPr>
-          <p:spPr>
-            <a:xfrm>
-              <a:off x="3545896" y="2816443"/>
-              <a:ext cx="423136" cy="303783"/>
+            <p:cNvPr id="86" name="rc86"/>
+            <p:cNvSpPr/>
+            <p:nvPr/>
+          </p:nvSpPr>
+          <p:spPr>
+            <a:xfrm>
+              <a:off x="3830486" y="2544538"/>
+              <a:ext cx="532996" cy="322535"/>
             </a:xfrm>
             <a:prstGeom prst="rect">
               <a:avLst/>
@@ -4471,14 +4644,14 @@
         </p:sp>
         <p:sp>
           <p:nvSpPr>
-            <p:cNvPr id="81" name="rc81"/>
-            <p:cNvSpPr/>
-            <p:nvPr/>
-          </p:nvSpPr>
-          <p:spPr>
-            <a:xfrm>
-              <a:off x="3084292" y="2816443"/>
-              <a:ext cx="461603" cy="303783"/>
+            <p:cNvPr id="87" name="rc87"/>
+            <p:cNvSpPr/>
+            <p:nvPr/>
+          </p:nvSpPr>
+          <p:spPr>
+            <a:xfrm>
+              <a:off x="3084292" y="2544538"/>
+              <a:ext cx="746194" cy="322535"/>
             </a:xfrm>
             <a:prstGeom prst="rect">
               <a:avLst/>
@@ -4497,14 +4670,14 @@
         </p:sp>
         <p:sp>
           <p:nvSpPr>
-            <p:cNvPr id="82" name="rc82"/>
-            <p:cNvSpPr/>
-            <p:nvPr/>
-          </p:nvSpPr>
-          <p:spPr>
-            <a:xfrm>
-              <a:off x="5469245" y="2478906"/>
-              <a:ext cx="38466" cy="303783"/>
+            <p:cNvPr id="88" name="rc88"/>
+            <p:cNvSpPr/>
+            <p:nvPr/>
+          </p:nvSpPr>
+          <p:spPr>
+            <a:xfrm>
+              <a:off x="5571607" y="2186166"/>
+              <a:ext cx="35533" cy="322535"/>
             </a:xfrm>
             <a:prstGeom prst="rect">
               <a:avLst/>
@@ -4523,14 +4696,14 @@
         </p:sp>
         <p:sp>
           <p:nvSpPr>
-            <p:cNvPr id="83" name="rc83"/>
-            <p:cNvSpPr/>
-            <p:nvPr/>
-          </p:nvSpPr>
-          <p:spPr>
-            <a:xfrm>
-              <a:off x="5161509" y="2478906"/>
-              <a:ext cx="307735" cy="303783"/>
+            <p:cNvPr id="89" name="rc89"/>
+            <p:cNvSpPr/>
+            <p:nvPr/>
+          </p:nvSpPr>
+          <p:spPr>
+            <a:xfrm>
+              <a:off x="5429474" y="2186166"/>
+              <a:ext cx="142132" cy="322535"/>
             </a:xfrm>
             <a:prstGeom prst="rect">
               <a:avLst/>
@@ -4549,14 +4722,14 @@
         </p:sp>
         <p:sp>
           <p:nvSpPr>
-            <p:cNvPr id="84" name="rc84"/>
-            <p:cNvSpPr/>
-            <p:nvPr/>
-          </p:nvSpPr>
-          <p:spPr>
-            <a:xfrm>
-              <a:off x="4507571" y="2478906"/>
-              <a:ext cx="653938" cy="303783"/>
+            <p:cNvPr id="90" name="rc90"/>
+            <p:cNvSpPr/>
+            <p:nvPr/>
+          </p:nvSpPr>
+          <p:spPr>
+            <a:xfrm>
+              <a:off x="4825412" y="2186166"/>
+              <a:ext cx="604062" cy="322535"/>
             </a:xfrm>
             <a:prstGeom prst="rect">
               <a:avLst/>
@@ -4575,14 +4748,14 @@
         </p:sp>
         <p:sp>
           <p:nvSpPr>
-            <p:cNvPr id="85" name="rc85"/>
-            <p:cNvSpPr/>
-            <p:nvPr/>
-          </p:nvSpPr>
-          <p:spPr>
-            <a:xfrm>
-              <a:off x="3815165" y="2478906"/>
-              <a:ext cx="692405" cy="303783"/>
+            <p:cNvPr id="91" name="rc91"/>
+            <p:cNvSpPr/>
+            <p:nvPr/>
+          </p:nvSpPr>
+          <p:spPr>
+            <a:xfrm>
+              <a:off x="4043685" y="2186166"/>
+              <a:ext cx="781727" cy="322535"/>
             </a:xfrm>
             <a:prstGeom prst="rect">
               <a:avLst/>
@@ -4601,14 +4774,14 @@
         </p:sp>
         <p:sp>
           <p:nvSpPr>
-            <p:cNvPr id="86" name="rc86"/>
-            <p:cNvSpPr/>
-            <p:nvPr/>
-          </p:nvSpPr>
-          <p:spPr>
-            <a:xfrm>
-              <a:off x="3084292" y="2478906"/>
-              <a:ext cx="730872" cy="303783"/>
+            <p:cNvPr id="92" name="rc92"/>
+            <p:cNvSpPr/>
+            <p:nvPr/>
+          </p:nvSpPr>
+          <p:spPr>
+            <a:xfrm>
+              <a:off x="3084292" y="2186166"/>
+              <a:ext cx="959392" cy="322535"/>
             </a:xfrm>
             <a:prstGeom prst="rect">
               <a:avLst/>
@@ -4627,143 +4800,13 @@
         </p:sp>
         <p:sp>
           <p:nvSpPr>
-            <p:cNvPr id="87" name="rc87"/>
-            <p:cNvSpPr/>
-            <p:nvPr/>
-          </p:nvSpPr>
-          <p:spPr>
-            <a:xfrm>
-              <a:off x="5546179" y="2141369"/>
-              <a:ext cx="38466" cy="303783"/>
-            </a:xfrm>
-            <a:prstGeom prst="rect">
-              <a:avLst/>
-            </a:prstGeom>
-            <a:solidFill>
-              <a:srgbClr val="2196F3">
-                <a:alpha val="100000"/>
-              </a:srgbClr>
-            </a:solidFill>
-          </p:spPr>
-          <p:txBody>
-            <a:bodyPr/>
-            <a:lstStyle/>
-            <a:p/>
-          </p:txBody>
-        </p:sp>
-        <p:sp>
-          <p:nvSpPr>
-            <p:cNvPr id="88" name="rc88"/>
-            <p:cNvSpPr/>
-            <p:nvPr/>
-          </p:nvSpPr>
-          <p:spPr>
-            <a:xfrm>
-              <a:off x="5392311" y="2141369"/>
-              <a:ext cx="153867" cy="303783"/>
-            </a:xfrm>
-            <a:prstGeom prst="rect">
-              <a:avLst/>
-            </a:prstGeom>
-            <a:solidFill>
-              <a:srgbClr val="4CAF50">
-                <a:alpha val="100000"/>
-              </a:srgbClr>
-            </a:solidFill>
-          </p:spPr>
-          <p:txBody>
-            <a:bodyPr/>
-            <a:lstStyle/>
-            <a:p/>
-          </p:txBody>
-        </p:sp>
-        <p:sp>
-          <p:nvSpPr>
-            <p:cNvPr id="89" name="rc89"/>
-            <p:cNvSpPr/>
-            <p:nvPr/>
-          </p:nvSpPr>
-          <p:spPr>
-            <a:xfrm>
-              <a:off x="4969174" y="2141369"/>
-              <a:ext cx="423136" cy="303783"/>
-            </a:xfrm>
-            <a:prstGeom prst="rect">
-              <a:avLst/>
-            </a:prstGeom>
-            <a:solidFill>
-              <a:srgbClr val="FFC107">
-                <a:alpha val="100000"/>
-              </a:srgbClr>
-            </a:solidFill>
-          </p:spPr>
-          <p:txBody>
-            <a:bodyPr/>
-            <a:lstStyle/>
-            <a:p/>
-          </p:txBody>
-        </p:sp>
-        <p:sp>
-          <p:nvSpPr>
-            <p:cNvPr id="90" name="rc90"/>
-            <p:cNvSpPr/>
-            <p:nvPr/>
-          </p:nvSpPr>
-          <p:spPr>
-            <a:xfrm>
-              <a:off x="4161368" y="2141369"/>
-              <a:ext cx="807806" cy="303783"/>
-            </a:xfrm>
-            <a:prstGeom prst="rect">
-              <a:avLst/>
-            </a:prstGeom>
-            <a:solidFill>
-              <a:srgbClr val="9C27B0">
-                <a:alpha val="100000"/>
-              </a:srgbClr>
-            </a:solidFill>
-          </p:spPr>
-          <p:txBody>
-            <a:bodyPr/>
-            <a:lstStyle/>
-            <a:p/>
-          </p:txBody>
-        </p:sp>
-        <p:sp>
-          <p:nvSpPr>
-            <p:cNvPr id="91" name="rc91"/>
-            <p:cNvSpPr/>
-            <p:nvPr/>
-          </p:nvSpPr>
-          <p:spPr>
-            <a:xfrm>
-              <a:off x="3084292" y="2141369"/>
-              <a:ext cx="1077075" cy="303783"/>
-            </a:xfrm>
-            <a:prstGeom prst="rect">
-              <a:avLst/>
-            </a:prstGeom>
-            <a:solidFill>
-              <a:srgbClr val="F44336">
-                <a:alpha val="100000"/>
-              </a:srgbClr>
-            </a:solidFill>
-          </p:spPr>
-          <p:txBody>
-            <a:bodyPr/>
-            <a:lstStyle/>
-            <a:p/>
-          </p:txBody>
-        </p:sp>
-        <p:sp>
-          <p:nvSpPr>
-            <p:cNvPr id="92" name="tx92"/>
-            <p:cNvSpPr/>
-            <p:nvPr/>
-          </p:nvSpPr>
-          <p:spPr>
-            <a:xfrm>
-              <a:off x="7352556" y="1550787"/>
+            <p:cNvPr id="93" name="tx93"/>
+            <p:cNvSpPr/>
+            <p:nvPr/>
+          </p:nvSpPr>
+          <p:spPr>
+            <a:xfrm>
+              <a:off x="7352556" y="1563288"/>
               <a:ext cx="301448" cy="132065"/>
             </a:xfrm>
             <a:prstGeom prst="rect">
@@ -4796,21 +4839,21 @@
                   <a:latin typeface="Arial"/>
                   <a:cs typeface="Arial"/>
                 </a:rPr>
-                <a:t>109</a:t>
+                <a:t>118</a:t>
               </a:r>
             </a:p>
           </p:txBody>
         </p:sp>
         <p:sp>
           <p:nvSpPr>
-            <p:cNvPr id="93" name="tx93"/>
-            <p:cNvSpPr/>
-            <p:nvPr/>
-          </p:nvSpPr>
-          <p:spPr>
-            <a:xfrm>
-              <a:off x="3865406" y="6276303"/>
-              <a:ext cx="200965" cy="132065"/>
+            <p:cNvPr id="94" name="tx94"/>
+            <p:cNvSpPr/>
+            <p:nvPr/>
+          </p:nvSpPr>
+          <p:spPr>
+            <a:xfrm>
+              <a:off x="3880728" y="6582709"/>
+              <a:ext cx="200965" cy="129860"/>
             </a:xfrm>
             <a:prstGeom prst="rect">
               <a:avLst/>
@@ -4842,20 +4885,20 @@
                   <a:latin typeface="Arial"/>
                   <a:cs typeface="Arial"/>
                 </a:rPr>
-                <a:t>19</a:t>
+                <a:t>21</a:t>
               </a:r>
             </a:p>
           </p:txBody>
         </p:sp>
         <p:sp>
           <p:nvSpPr>
-            <p:cNvPr id="94" name="tx94"/>
-            <p:cNvSpPr/>
-            <p:nvPr/>
-          </p:nvSpPr>
-          <p:spPr>
-            <a:xfrm>
-              <a:off x="4634746" y="3913457"/>
+            <p:cNvPr id="95" name="tx95"/>
+            <p:cNvSpPr/>
+            <p:nvPr/>
+          </p:nvSpPr>
+          <p:spPr>
+            <a:xfrm>
+              <a:off x="4520323" y="4430180"/>
               <a:ext cx="200965" cy="132153"/>
             </a:xfrm>
             <a:prstGeom prst="rect">
@@ -4895,14 +4938,14 @@
         </p:sp>
         <p:sp>
           <p:nvSpPr>
-            <p:cNvPr id="95" name="tx95"/>
-            <p:cNvSpPr/>
-            <p:nvPr/>
-          </p:nvSpPr>
-          <p:spPr>
-            <a:xfrm>
-              <a:off x="3301748" y="6616134"/>
-              <a:ext cx="100482" cy="129771"/>
+            <p:cNvPr id="96" name="tx96"/>
+            <p:cNvSpPr/>
+            <p:nvPr/>
+          </p:nvSpPr>
+          <p:spPr>
+            <a:xfrm>
+              <a:off x="3322611" y="6938876"/>
+              <a:ext cx="100482" cy="132065"/>
             </a:xfrm>
             <a:prstGeom prst="rect">
               <a:avLst/>
@@ -4934,21 +4977,21 @@
                   <a:latin typeface="Arial"/>
                   <a:cs typeface="Arial"/>
                 </a:rPr>
-                <a:t>5</a:t>
+                <a:t>6</a:t>
               </a:r>
             </a:p>
           </p:txBody>
         </p:sp>
         <p:sp>
           <p:nvSpPr>
-            <p:cNvPr id="96" name="tx96"/>
-            <p:cNvSpPr/>
-            <p:nvPr/>
-          </p:nvSpPr>
-          <p:spPr>
-            <a:xfrm>
-              <a:off x="4711680" y="3578214"/>
-              <a:ext cx="200965" cy="129860"/>
+            <p:cNvPr id="97" name="tx97"/>
+            <p:cNvSpPr/>
+            <p:nvPr/>
+          </p:nvSpPr>
+          <p:spPr>
+            <a:xfrm>
+              <a:off x="4840121" y="3355151"/>
+              <a:ext cx="200965" cy="132065"/>
             </a:xfrm>
             <a:prstGeom prst="rect">
               <a:avLst/>
@@ -4980,20 +5023,20 @@
                   <a:latin typeface="Arial"/>
                   <a:cs typeface="Arial"/>
                 </a:rPr>
-                <a:t>41</a:t>
+                <a:t>48</a:t>
               </a:r>
             </a:p>
           </p:txBody>
         </p:sp>
         <p:sp>
           <p:nvSpPr>
-            <p:cNvPr id="97" name="tx97"/>
-            <p:cNvSpPr/>
-            <p:nvPr/>
-          </p:nvSpPr>
-          <p:spPr>
-            <a:xfrm>
-              <a:off x="4134675" y="5263693"/>
+            <p:cNvPr id="98" name="tx98"/>
+            <p:cNvSpPr/>
+            <p:nvPr/>
+          </p:nvSpPr>
+          <p:spPr>
+            <a:xfrm>
+              <a:off x="4129459" y="5505386"/>
               <a:ext cx="200965" cy="132065"/>
             </a:xfrm>
             <a:prstGeom prst="rect">
@@ -5026,20 +5069,158 @@
                   <a:latin typeface="Arial"/>
                   <a:cs typeface="Arial"/>
                 </a:rPr>
-                <a:t>26</a:t>
+                <a:t>28</a:t>
               </a:r>
             </a:p>
           </p:txBody>
         </p:sp>
         <p:sp>
           <p:nvSpPr>
-            <p:cNvPr id="98" name="tx98"/>
-            <p:cNvSpPr/>
-            <p:nvPr/>
-          </p:nvSpPr>
-          <p:spPr>
-            <a:xfrm>
-              <a:off x="4519345" y="4250994"/>
+            <p:cNvPr id="99" name="tx99"/>
+            <p:cNvSpPr/>
+            <p:nvPr/>
+          </p:nvSpPr>
+          <p:spPr>
+            <a:xfrm>
+              <a:off x="4520323" y="4071808"/>
+              <a:ext cx="200965" cy="132153"/>
+            </a:xfrm>
+            <a:prstGeom prst="rect">
+              <a:avLst/>
+            </a:prstGeom>
+            <a:noFill/>
+          </p:spPr>
+          <p:txBody>
+            <a:bodyPr lIns="0" rIns="0" tIns="0" bIns="0" anchorCtr="1" anchor="ctr" wrap="none"/>
+            <a:lstStyle/>
+            <a:p>
+              <a:pPr algn="l" marL="0" marR="0" indent="0">
+                <a:lnSpc>
+                  <a:spcPts val="1422"/>
+                </a:lnSpc>
+                <a:spcBef>
+                  <a:spcPts val="0"/>
+                </a:spcBef>
+                <a:spcAft>
+                  <a:spcPts val="0"/>
+                </a:spcAft>
+              </a:pPr>
+              <a:r>
+                <a:rPr sz="1422">
+                  <a:solidFill>
+                    <a:srgbClr val="000000">
+                      <a:alpha val="100000"/>
+                    </a:srgbClr>
+                  </a:solidFill>
+                  <a:latin typeface="Arial"/>
+                  <a:cs typeface="Arial"/>
+                </a:rPr>
+                <a:t>39</a:t>
+              </a:r>
+            </a:p>
+          </p:txBody>
+        </p:sp>
+        <p:sp>
+          <p:nvSpPr>
+            <p:cNvPr id="100" name="tx100"/>
+            <p:cNvSpPr/>
+            <p:nvPr/>
+          </p:nvSpPr>
+          <p:spPr>
+            <a:xfrm>
+              <a:off x="3951794" y="6222043"/>
+              <a:ext cx="200965" cy="132153"/>
+            </a:xfrm>
+            <a:prstGeom prst="rect">
+              <a:avLst/>
+            </a:prstGeom>
+            <a:noFill/>
+          </p:spPr>
+          <p:txBody>
+            <a:bodyPr lIns="0" rIns="0" tIns="0" bIns="0" anchorCtr="1" anchor="ctr" wrap="none"/>
+            <a:lstStyle/>
+            <a:p>
+              <a:pPr algn="l" marL="0" marR="0" indent="0">
+                <a:lnSpc>
+                  <a:spcPts val="1422"/>
+                </a:lnSpc>
+                <a:spcBef>
+                  <a:spcPts val="0"/>
+                </a:spcBef>
+                <a:spcAft>
+                  <a:spcPts val="0"/>
+                </a:spcAft>
+              </a:pPr>
+              <a:r>
+                <a:rPr sz="1422">
+                  <a:solidFill>
+                    <a:srgbClr val="000000">
+                      <a:alpha val="100000"/>
+                    </a:srgbClr>
+                  </a:solidFill>
+                  <a:latin typeface="Arial"/>
+                  <a:cs typeface="Arial"/>
+                </a:rPr>
+                <a:t>23</a:t>
+              </a:r>
+            </a:p>
+          </p:txBody>
+        </p:sp>
+        <p:sp>
+          <p:nvSpPr>
+            <p:cNvPr id="101" name="tx101"/>
+            <p:cNvSpPr/>
+            <p:nvPr/>
+          </p:nvSpPr>
+          <p:spPr>
+            <a:xfrm>
+              <a:off x="6748494" y="1921661"/>
+              <a:ext cx="301448" cy="132065"/>
+            </a:xfrm>
+            <a:prstGeom prst="rect">
+              <a:avLst/>
+            </a:prstGeom>
+            <a:noFill/>
+          </p:spPr>
+          <p:txBody>
+            <a:bodyPr lIns="0" rIns="0" tIns="0" bIns="0" anchorCtr="1" anchor="ctr" wrap="none"/>
+            <a:lstStyle/>
+            <a:p>
+              <a:pPr algn="l" marL="0" marR="0" indent="0">
+                <a:lnSpc>
+                  <a:spcPts val="1422"/>
+                </a:lnSpc>
+                <a:spcBef>
+                  <a:spcPts val="0"/>
+                </a:spcBef>
+                <a:spcAft>
+                  <a:spcPts val="0"/>
+                </a:spcAft>
+              </a:pPr>
+              <a:r>
+                <a:rPr sz="1422">
+                  <a:solidFill>
+                    <a:srgbClr val="000000">
+                      <a:alpha val="100000"/>
+                    </a:srgbClr>
+                  </a:solidFill>
+                  <a:latin typeface="Arial"/>
+                  <a:cs typeface="Arial"/>
+                </a:rPr>
+                <a:t>101</a:t>
+              </a:r>
+            </a:p>
+          </p:txBody>
+        </p:sp>
+        <p:sp>
+          <p:nvSpPr>
+            <p:cNvPr id="102" name="tx102"/>
+            <p:cNvSpPr/>
+            <p:nvPr/>
+          </p:nvSpPr>
+          <p:spPr>
+            <a:xfrm>
+              <a:off x="4413724" y="4788553"/>
               <a:ext cx="200965" cy="132153"/>
             </a:xfrm>
             <a:prstGeom prst="rect">
@@ -5079,14 +5260,14 @@
         </p:sp>
         <p:sp>
           <p:nvSpPr>
-            <p:cNvPr id="99" name="tx99"/>
-            <p:cNvSpPr/>
-            <p:nvPr/>
-          </p:nvSpPr>
-          <p:spPr>
-            <a:xfrm>
-              <a:off x="3980807" y="5940972"/>
-              <a:ext cx="200965" cy="129860"/>
+            <p:cNvPr id="103" name="tx103"/>
+            <p:cNvSpPr/>
+            <p:nvPr/>
+          </p:nvSpPr>
+          <p:spPr>
+            <a:xfrm>
+              <a:off x="4662455" y="3713435"/>
+              <a:ext cx="200965" cy="132153"/>
             </a:xfrm>
             <a:prstGeom prst="rect">
               <a:avLst/>
@@ -5118,21 +5299,21 @@
                   <a:latin typeface="Arial"/>
                   <a:cs typeface="Arial"/>
                 </a:rPr>
-                <a:t>22</a:t>
+                <a:t>43</a:t>
               </a:r>
             </a:p>
           </p:txBody>
         </p:sp>
         <p:sp>
           <p:nvSpPr>
-            <p:cNvPr id="100" name="tx100"/>
-            <p:cNvSpPr/>
-            <p:nvPr/>
-          </p:nvSpPr>
-          <p:spPr>
-            <a:xfrm>
-              <a:off x="6711964" y="1888236"/>
-              <a:ext cx="200965" cy="132153"/>
+            <p:cNvPr id="104" name="tx104"/>
+            <p:cNvSpPr/>
+            <p:nvPr/>
+          </p:nvSpPr>
+          <p:spPr>
+            <a:xfrm>
+              <a:off x="3987327" y="5865964"/>
+              <a:ext cx="200965" cy="129860"/>
             </a:xfrm>
             <a:prstGeom prst="rect">
               <a:avLst/>
@@ -5164,20 +5345,20 @@
                   <a:latin typeface="Arial"/>
                   <a:cs typeface="Arial"/>
                 </a:rPr>
-                <a:t>93</a:t>
+                <a:t>24</a:t>
               </a:r>
             </a:p>
           </p:txBody>
         </p:sp>
         <p:sp>
           <p:nvSpPr>
-            <p:cNvPr id="101" name="tx101"/>
-            <p:cNvSpPr/>
-            <p:nvPr/>
-          </p:nvSpPr>
-          <p:spPr>
-            <a:xfrm>
-              <a:off x="4403944" y="4588531"/>
+            <p:cNvPr id="105" name="tx105"/>
+            <p:cNvSpPr/>
+            <p:nvPr/>
+          </p:nvSpPr>
+          <p:spPr>
+            <a:xfrm>
+              <a:off x="4307125" y="5146925"/>
               <a:ext cx="200965" cy="132153"/>
             </a:xfrm>
             <a:prstGeom prst="rect">
@@ -5217,14 +5398,14 @@
         </p:sp>
         <p:sp>
           <p:nvSpPr>
-            <p:cNvPr id="102" name="tx102"/>
-            <p:cNvSpPr/>
-            <p:nvPr/>
-          </p:nvSpPr>
-          <p:spPr>
-            <a:xfrm>
-              <a:off x="4788614" y="3238383"/>
-              <a:ext cx="200965" cy="132153"/>
+            <p:cNvPr id="106" name="tx106"/>
+            <p:cNvSpPr/>
+            <p:nvPr/>
+          </p:nvSpPr>
+          <p:spPr>
+            <a:xfrm>
+              <a:off x="5088852" y="2999072"/>
+              <a:ext cx="200965" cy="129771"/>
             </a:xfrm>
             <a:prstGeom prst="rect">
               <a:avLst/>
@@ -5256,204 +5437,20 @@
                   <a:latin typeface="Arial"/>
                   <a:cs typeface="Arial"/>
                 </a:rPr>
-                <a:t>43</a:t>
+                <a:t>55</a:t>
               </a:r>
             </a:p>
           </p:txBody>
         </p:sp>
         <p:sp>
           <p:nvSpPr>
-            <p:cNvPr id="103" name="tx103"/>
-            <p:cNvSpPr/>
-            <p:nvPr/>
-          </p:nvSpPr>
-          <p:spPr>
-            <a:xfrm>
-              <a:off x="3980807" y="5603435"/>
-              <a:ext cx="200965" cy="129860"/>
-            </a:xfrm>
-            <a:prstGeom prst="rect">
-              <a:avLst/>
-            </a:prstGeom>
-            <a:noFill/>
-          </p:spPr>
-          <p:txBody>
-            <a:bodyPr lIns="0" rIns="0" tIns="0" bIns="0" anchorCtr="1" anchor="ctr" wrap="none"/>
-            <a:lstStyle/>
-            <a:p>
-              <a:pPr algn="l" marL="0" marR="0" indent="0">
-                <a:lnSpc>
-                  <a:spcPts val="1422"/>
-                </a:lnSpc>
-                <a:spcBef>
-                  <a:spcPts val="0"/>
-                </a:spcBef>
-                <a:spcAft>
-                  <a:spcPts val="0"/>
-                </a:spcAft>
-              </a:pPr>
-              <a:r>
-                <a:rPr sz="1422">
-                  <a:solidFill>
-                    <a:srgbClr val="000000">
-                      <a:alpha val="100000"/>
-                    </a:srgbClr>
-                  </a:solidFill>
-                  <a:latin typeface="Arial"/>
-                  <a:cs typeface="Arial"/>
-                </a:rPr>
-                <a:t>22</a:t>
-              </a:r>
-            </a:p>
-          </p:txBody>
-        </p:sp>
-        <p:sp>
-          <p:nvSpPr>
-            <p:cNvPr id="104" name="tx104"/>
-            <p:cNvSpPr/>
-            <p:nvPr/>
-          </p:nvSpPr>
-          <p:spPr>
-            <a:xfrm>
-              <a:off x="4403944" y="4926068"/>
-              <a:ext cx="200965" cy="132153"/>
-            </a:xfrm>
-            <a:prstGeom prst="rect">
-              <a:avLst/>
-            </a:prstGeom>
-            <a:noFill/>
-          </p:spPr>
-          <p:txBody>
-            <a:bodyPr lIns="0" rIns="0" tIns="0" bIns="0" anchorCtr="1" anchor="ctr" wrap="none"/>
-            <a:lstStyle/>
-            <a:p>
-              <a:pPr algn="l" marL="0" marR="0" indent="0">
-                <a:lnSpc>
-                  <a:spcPts val="1422"/>
-                </a:lnSpc>
-                <a:spcBef>
-                  <a:spcPts val="0"/>
-                </a:spcBef>
-                <a:spcAft>
-                  <a:spcPts val="0"/>
-                </a:spcAft>
-              </a:pPr>
-              <a:r>
-                <a:rPr sz="1422">
-                  <a:solidFill>
-                    <a:srgbClr val="000000">
-                      <a:alpha val="100000"/>
-                    </a:srgbClr>
-                  </a:solidFill>
-                  <a:latin typeface="Arial"/>
-                  <a:cs typeface="Arial"/>
-                </a:rPr>
-                <a:t>33</a:t>
-              </a:r>
-            </a:p>
-          </p:txBody>
-        </p:sp>
-        <p:sp>
-          <p:nvSpPr>
-            <p:cNvPr id="105" name="tx105"/>
-            <p:cNvSpPr/>
-            <p:nvPr/>
-          </p:nvSpPr>
-          <p:spPr>
-            <a:xfrm>
-              <a:off x="3147880" y="6953583"/>
-              <a:ext cx="100482" cy="129860"/>
-            </a:xfrm>
-            <a:prstGeom prst="rect">
-              <a:avLst/>
-            </a:prstGeom>
-            <a:noFill/>
-          </p:spPr>
-          <p:txBody>
-            <a:bodyPr lIns="0" rIns="0" tIns="0" bIns="0" anchorCtr="1" anchor="ctr" wrap="none"/>
-            <a:lstStyle/>
-            <a:p>
-              <a:pPr algn="l" marL="0" marR="0" indent="0">
-                <a:lnSpc>
-                  <a:spcPts val="1422"/>
-                </a:lnSpc>
-                <a:spcBef>
-                  <a:spcPts val="0"/>
-                </a:spcBef>
-                <a:spcAft>
-                  <a:spcPts val="0"/>
-                </a:spcAft>
-              </a:pPr>
-              <a:r>
-                <a:rPr sz="1422">
-                  <a:solidFill>
-                    <a:srgbClr val="000000">
-                      <a:alpha val="100000"/>
-                    </a:srgbClr>
-                  </a:solidFill>
-                  <a:latin typeface="Arial"/>
-                  <a:cs typeface="Arial"/>
-                </a:rPr>
-                <a:t>1</a:t>
-              </a:r>
-            </a:p>
-          </p:txBody>
-        </p:sp>
-        <p:sp>
-          <p:nvSpPr>
-            <p:cNvPr id="106" name="tx106"/>
-            <p:cNvSpPr/>
-            <p:nvPr/>
-          </p:nvSpPr>
-          <p:spPr>
-            <a:xfrm>
-              <a:off x="5096350" y="2900934"/>
-              <a:ext cx="200965" cy="132065"/>
-            </a:xfrm>
-            <a:prstGeom prst="rect">
-              <a:avLst/>
-            </a:prstGeom>
-            <a:noFill/>
-          </p:spPr>
-          <p:txBody>
-            <a:bodyPr lIns="0" rIns="0" tIns="0" bIns="0" anchorCtr="1" anchor="ctr" wrap="none"/>
-            <a:lstStyle/>
-            <a:p>
-              <a:pPr algn="l" marL="0" marR="0" indent="0">
-                <a:lnSpc>
-                  <a:spcPts val="1422"/>
-                </a:lnSpc>
-                <a:spcBef>
-                  <a:spcPts val="0"/>
-                </a:spcBef>
-                <a:spcAft>
-                  <a:spcPts val="0"/>
-                </a:spcAft>
-              </a:pPr>
-              <a:r>
-                <a:rPr sz="1422">
-                  <a:solidFill>
-                    <a:srgbClr val="000000">
-                      <a:alpha val="100000"/>
-                    </a:srgbClr>
-                  </a:solidFill>
-                  <a:latin typeface="Arial"/>
-                  <a:cs typeface="Arial"/>
-                </a:rPr>
-                <a:t>51</a:t>
-              </a:r>
-            </a:p>
-          </p:txBody>
-        </p:sp>
-        <p:sp>
-          <p:nvSpPr>
             <p:cNvPr id="107" name="tx107"/>
             <p:cNvSpPr/>
             <p:nvPr/>
           </p:nvSpPr>
           <p:spPr>
             <a:xfrm>
-              <a:off x="5557954" y="2563309"/>
+              <a:off x="5373117" y="2638318"/>
               <a:ext cx="200965" cy="132153"/>
             </a:xfrm>
             <a:prstGeom prst="rect">
@@ -5499,8 +5496,8 @@
           </p:nvSpPr>
           <p:spPr>
             <a:xfrm>
-              <a:off x="5634888" y="2225861"/>
-              <a:ext cx="200965" cy="132065"/>
+              <a:off x="5657381" y="2282239"/>
+              <a:ext cx="200965" cy="129860"/>
             </a:xfrm>
             <a:prstGeom prst="rect">
               <a:avLst/>
@@ -5532,7 +5529,7 @@
                   <a:latin typeface="Arial"/>
                   <a:cs typeface="Arial"/>
                 </a:rPr>
-                <a:t>65</a:t>
+                <a:t>71</a:t>
               </a:r>
             </a:p>
           </p:txBody>
@@ -5585,99 +5582,7 @@
           </p:nvSpPr>
           <p:spPr>
             <a:xfrm>
-              <a:off x="922977" y="6872400"/>
-              <a:ext cx="2090822" cy="122591"/>
-            </a:xfrm>
-            <a:prstGeom prst="rect">
-              <a:avLst/>
-            </a:prstGeom>
-            <a:noFill/>
-          </p:spPr>
-          <p:txBody>
-            <a:bodyPr lIns="0" rIns="0" tIns="0" bIns="0" anchorCtr="1" anchor="ctr" wrap="none"/>
-            <a:lstStyle/>
-            <a:p>
-              <a:pPr algn="l" marL="0" marR="0" indent="0">
-                <a:lnSpc>
-                  <a:spcPts val="1028"/>
-                </a:lnSpc>
-                <a:spcBef>
-                  <a:spcPts val="0"/>
-                </a:spcBef>
-                <a:spcAft>
-                  <a:spcPts val="0"/>
-                </a:spcAft>
-              </a:pPr>
-              <a:r>
-                <a:rPr sz="1028">
-                  <a:solidFill>
-                    <a:srgbClr val="000000">
-                      <a:alpha val="100000"/>
-                    </a:srgbClr>
-                  </a:solidFill>
-                  <a:latin typeface="Arial"/>
-                  <a:cs typeface="Arial"/>
-                </a:rPr>
-                <a:t>Myocardite (inflammation du muscle</a:t>
-              </a:r>
-            </a:p>
-          </p:txBody>
-        </p:sp>
-        <p:sp>
-          <p:nvSpPr>
-            <p:cNvPr id="111" name="tx111"/>
-            <p:cNvSpPr/>
-            <p:nvPr/>
-          </p:nvSpPr>
-          <p:spPr>
-            <a:xfrm>
-              <a:off x="2396566" y="7013478"/>
-              <a:ext cx="617232" cy="122591"/>
-            </a:xfrm>
-            <a:prstGeom prst="rect">
-              <a:avLst/>
-            </a:prstGeom>
-            <a:noFill/>
-          </p:spPr>
-          <p:txBody>
-            <a:bodyPr lIns="0" rIns="0" tIns="0" bIns="0" anchorCtr="1" anchor="ctr" wrap="none"/>
-            <a:lstStyle/>
-            <a:p>
-              <a:pPr algn="l" marL="0" marR="0" indent="0">
-                <a:lnSpc>
-                  <a:spcPts val="1028"/>
-                </a:lnSpc>
-                <a:spcBef>
-                  <a:spcPts val="0"/>
-                </a:spcBef>
-                <a:spcAft>
-                  <a:spcPts val="0"/>
-                </a:spcAft>
-              </a:pPr>
-              <a:r>
-                <a:rPr sz="1028">
-                  <a:solidFill>
-                    <a:srgbClr val="000000">
-                      <a:alpha val="100000"/>
-                    </a:srgbClr>
-                  </a:solidFill>
-                  <a:latin typeface="Arial"/>
-                  <a:cs typeface="Arial"/>
-                </a:rPr>
-                <a:t>cardiaque)</a:t>
-              </a:r>
-            </a:p>
-          </p:txBody>
-        </p:sp>
-        <p:sp>
-          <p:nvSpPr>
-            <p:cNvPr id="112" name="tx112"/>
-            <p:cNvSpPr/>
-            <p:nvPr/>
-          </p:nvSpPr>
-          <p:spPr>
-            <a:xfrm>
-              <a:off x="1423358" y="6606997"/>
+              <a:off x="1423358" y="6932032"/>
               <a:ext cx="1590441" cy="120997"/>
             </a:xfrm>
             <a:prstGeom prst="rect">
@@ -5717,13 +5622,13 @@
         </p:sp>
         <p:sp>
           <p:nvSpPr>
-            <p:cNvPr id="113" name="tx113"/>
-            <p:cNvSpPr/>
-            <p:nvPr/>
-          </p:nvSpPr>
-          <p:spPr>
-            <a:xfrm>
-              <a:off x="712236" y="6197326"/>
+            <p:cNvPr id="111" name="tx111"/>
+            <p:cNvSpPr/>
+            <p:nvPr/>
+          </p:nvSpPr>
+          <p:spPr>
+            <a:xfrm>
+              <a:off x="712236" y="6501526"/>
               <a:ext cx="2301563" cy="122591"/>
             </a:xfrm>
             <a:prstGeom prst="rect">
@@ -5763,13 +5668,13 @@
         </p:sp>
         <p:sp>
           <p:nvSpPr>
-            <p:cNvPr id="114" name="tx114"/>
-            <p:cNvSpPr/>
-            <p:nvPr/>
-          </p:nvSpPr>
-          <p:spPr>
-            <a:xfrm>
-              <a:off x="2585238" y="6365959"/>
+            <p:cNvPr id="112" name="tx112"/>
+            <p:cNvSpPr/>
+            <p:nvPr/>
+          </p:nvSpPr>
+          <p:spPr>
+            <a:xfrm>
+              <a:off x="2585238" y="6670159"/>
               <a:ext cx="428561" cy="95037"/>
             </a:xfrm>
             <a:prstGeom prst="rect">
@@ -5809,13 +5714,13 @@
         </p:sp>
         <p:sp>
           <p:nvSpPr>
-            <p:cNvPr id="115" name="tx115"/>
-            <p:cNvSpPr/>
-            <p:nvPr/>
-          </p:nvSpPr>
-          <p:spPr>
-            <a:xfrm>
-              <a:off x="864551" y="5790844"/>
+            <p:cNvPr id="113" name="tx113"/>
+            <p:cNvSpPr/>
+            <p:nvPr/>
+          </p:nvSpPr>
+          <p:spPr>
+            <a:xfrm>
+              <a:off x="864551" y="6074208"/>
               <a:ext cx="2149248" cy="120997"/>
             </a:xfrm>
             <a:prstGeom prst="rect">
@@ -5855,13 +5760,13 @@
         </p:sp>
         <p:sp>
           <p:nvSpPr>
-            <p:cNvPr id="116" name="tx116"/>
-            <p:cNvSpPr/>
-            <p:nvPr/>
-          </p:nvSpPr>
-          <p:spPr>
-            <a:xfrm>
-              <a:off x="850072" y="5931413"/>
+            <p:cNvPr id="114" name="tx114"/>
+            <p:cNvSpPr/>
+            <p:nvPr/>
+          </p:nvSpPr>
+          <p:spPr>
+            <a:xfrm>
+              <a:off x="850072" y="6214777"/>
               <a:ext cx="2163727" cy="121507"/>
             </a:xfrm>
             <a:prstGeom prst="rect">
@@ -5901,13 +5806,13 @@
         </p:sp>
         <p:sp>
           <p:nvSpPr>
-            <p:cNvPr id="117" name="tx117"/>
-            <p:cNvSpPr/>
-            <p:nvPr/>
-          </p:nvSpPr>
-          <p:spPr>
-            <a:xfrm>
-              <a:off x="2069867" y="6073002"/>
+            <p:cNvPr id="115" name="tx115"/>
+            <p:cNvSpPr/>
+            <p:nvPr/>
+          </p:nvSpPr>
+          <p:spPr>
+            <a:xfrm>
+              <a:off x="2069867" y="6356366"/>
               <a:ext cx="943931" cy="120997"/>
             </a:xfrm>
             <a:prstGeom prst="rect">
@@ -5947,13 +5852,13 @@
         </p:sp>
         <p:sp>
           <p:nvSpPr>
-            <p:cNvPr id="118" name="tx118"/>
-            <p:cNvSpPr/>
-            <p:nvPr/>
-          </p:nvSpPr>
-          <p:spPr>
-            <a:xfrm>
-              <a:off x="2432923" y="5619836"/>
+            <p:cNvPr id="116" name="tx116"/>
+            <p:cNvSpPr/>
+            <p:nvPr/>
+          </p:nvSpPr>
+          <p:spPr>
+            <a:xfrm>
+              <a:off x="2432923" y="5882364"/>
               <a:ext cx="580876" cy="95547"/>
             </a:xfrm>
             <a:prstGeom prst="rect">
@@ -5993,13 +5898,13 @@
         </p:sp>
         <p:sp>
           <p:nvSpPr>
-            <p:cNvPr id="119" name="tx119"/>
-            <p:cNvSpPr/>
-            <p:nvPr/>
-          </p:nvSpPr>
-          <p:spPr>
-            <a:xfrm>
-              <a:off x="777614" y="5210611"/>
+            <p:cNvPr id="117" name="tx117"/>
+            <p:cNvSpPr/>
+            <p:nvPr/>
+          </p:nvSpPr>
+          <p:spPr>
+            <a:xfrm>
+              <a:off x="777614" y="5452304"/>
               <a:ext cx="2236185" cy="96695"/>
             </a:xfrm>
             <a:prstGeom prst="rect">
@@ -6039,13 +5944,13 @@
         </p:sp>
         <p:sp>
           <p:nvSpPr>
-            <p:cNvPr id="120" name="tx120"/>
-            <p:cNvSpPr/>
-            <p:nvPr/>
-          </p:nvSpPr>
-          <p:spPr>
-            <a:xfrm>
-              <a:off x="1655849" y="5327325"/>
+            <p:cNvPr id="118" name="tx118"/>
+            <p:cNvSpPr/>
+            <p:nvPr/>
+          </p:nvSpPr>
+          <p:spPr>
+            <a:xfrm>
+              <a:off x="1655849" y="5569018"/>
               <a:ext cx="1357950" cy="121061"/>
             </a:xfrm>
             <a:prstGeom prst="rect">
@@ -6085,13 +5990,13 @@
         </p:sp>
         <p:sp>
           <p:nvSpPr>
-            <p:cNvPr id="121" name="tx121"/>
-            <p:cNvSpPr/>
-            <p:nvPr/>
-          </p:nvSpPr>
-          <p:spPr>
-            <a:xfrm>
-              <a:off x="2287624" y="4919248"/>
+            <p:cNvPr id="119" name="tx119"/>
+            <p:cNvSpPr/>
+            <p:nvPr/>
+          </p:nvSpPr>
+          <p:spPr>
+            <a:xfrm>
+              <a:off x="2287624" y="5140106"/>
               <a:ext cx="726174" cy="121061"/>
             </a:xfrm>
             <a:prstGeom prst="rect">
@@ -6131,13 +6036,13 @@
         </p:sp>
         <p:sp>
           <p:nvSpPr>
-            <p:cNvPr id="122" name="tx122"/>
-            <p:cNvSpPr/>
-            <p:nvPr/>
-          </p:nvSpPr>
-          <p:spPr>
-            <a:xfrm>
-              <a:off x="2534594" y="4581775"/>
+            <p:cNvPr id="120" name="tx120"/>
+            <p:cNvSpPr/>
+            <p:nvPr/>
+          </p:nvSpPr>
+          <p:spPr>
+            <a:xfrm>
+              <a:off x="2534594" y="4781797"/>
               <a:ext cx="479205" cy="120997"/>
             </a:xfrm>
             <a:prstGeom prst="rect">
@@ -6177,13 +6082,105 @@
         </p:sp>
         <p:sp>
           <p:nvSpPr>
+            <p:cNvPr id="121" name="tx121"/>
+            <p:cNvSpPr/>
+            <p:nvPr/>
+          </p:nvSpPr>
+          <p:spPr>
+            <a:xfrm>
+              <a:off x="922594" y="4351291"/>
+              <a:ext cx="2091205" cy="122591"/>
+            </a:xfrm>
+            <a:prstGeom prst="rect">
+              <a:avLst/>
+            </a:prstGeom>
+            <a:noFill/>
+          </p:spPr>
+          <p:txBody>
+            <a:bodyPr lIns="0" rIns="0" tIns="0" bIns="0" anchorCtr="1" anchor="ctr" wrap="none"/>
+            <a:lstStyle/>
+            <a:p>
+              <a:pPr algn="l" marL="0" marR="0" indent="0">
+                <a:lnSpc>
+                  <a:spcPts val="1028"/>
+                </a:lnSpc>
+                <a:spcBef>
+                  <a:spcPts val="0"/>
+                </a:spcBef>
+                <a:spcAft>
+                  <a:spcPts val="0"/>
+                </a:spcAft>
+              </a:pPr>
+              <a:r>
+                <a:rPr sz="1028">
+                  <a:solidFill>
+                    <a:srgbClr val="000000">
+                      <a:alpha val="100000"/>
+                    </a:srgbClr>
+                  </a:solidFill>
+                  <a:latin typeface="Arial"/>
+                  <a:cs typeface="Arial"/>
+                </a:rPr>
+                <a:t>Taux élevé de cholestérol (excès de</a:t>
+              </a:r>
+            </a:p>
+          </p:txBody>
+        </p:sp>
+        <p:sp>
+          <p:nvSpPr>
+            <p:cNvPr id="122" name="tx122"/>
+            <p:cNvSpPr/>
+            <p:nvPr/>
+          </p:nvSpPr>
+          <p:spPr>
+            <a:xfrm>
+              <a:off x="1852047" y="4492369"/>
+              <a:ext cx="1161752" cy="122591"/>
+            </a:xfrm>
+            <a:prstGeom prst="rect">
+              <a:avLst/>
+            </a:prstGeom>
+            <a:noFill/>
+          </p:spPr>
+          <p:txBody>
+            <a:bodyPr lIns="0" rIns="0" tIns="0" bIns="0" anchorCtr="1" anchor="ctr" wrap="none"/>
+            <a:lstStyle/>
+            <a:p>
+              <a:pPr algn="l" marL="0" marR="0" indent="0">
+                <a:lnSpc>
+                  <a:spcPts val="1028"/>
+                </a:lnSpc>
+                <a:spcBef>
+                  <a:spcPts val="0"/>
+                </a:spcBef>
+                <a:spcAft>
+                  <a:spcPts val="0"/>
+                </a:spcAft>
+              </a:pPr>
+              <a:r>
+                <a:rPr sz="1028">
+                  <a:solidFill>
+                    <a:srgbClr val="000000">
+                      <a:alpha val="100000"/>
+                    </a:srgbClr>
+                  </a:solidFill>
+                  <a:latin typeface="Arial"/>
+                  <a:cs typeface="Arial"/>
+                </a:rPr>
+                <a:t>graisses sanguines)</a:t>
+              </a:r>
+            </a:p>
+          </p:txBody>
+        </p:sp>
+        <p:sp>
+          <p:nvSpPr>
             <p:cNvPr id="123" name="tx123"/>
             <p:cNvSpPr/>
             <p:nvPr/>
           </p:nvSpPr>
           <p:spPr>
             <a:xfrm>
-              <a:off x="1017185" y="4242644"/>
+              <a:off x="1017185" y="4063457"/>
               <a:ext cx="1996614" cy="122591"/>
             </a:xfrm>
             <a:prstGeom prst="rect">
@@ -6229,8 +6226,8 @@
           </p:nvSpPr>
           <p:spPr>
             <a:xfrm>
-              <a:off x="922594" y="3834567"/>
-              <a:ext cx="2091205" cy="122591"/>
+              <a:off x="798854" y="3705085"/>
+              <a:ext cx="2214945" cy="122591"/>
             </a:xfrm>
             <a:prstGeom prst="rect">
               <a:avLst/>
@@ -6262,7 +6259,7 @@
                   <a:latin typeface="Arial"/>
                   <a:cs typeface="Arial"/>
                 </a:rPr>
-                <a:t>Taux élevé de cholestérol (excès de</a:t>
+                <a:t>Sécheresse de la bouche ou des yeux</a:t>
               </a:r>
             </a:p>
           </p:txBody>
@@ -6275,53 +6272,7 @@
           </p:nvSpPr>
           <p:spPr>
             <a:xfrm>
-              <a:off x="1852047" y="3975646"/>
-              <a:ext cx="1161752" cy="122591"/>
-            </a:xfrm>
-            <a:prstGeom prst="rect">
-              <a:avLst/>
-            </a:prstGeom>
-            <a:noFill/>
-          </p:spPr>
-          <p:txBody>
-            <a:bodyPr lIns="0" rIns="0" tIns="0" bIns="0" anchorCtr="1" anchor="ctr" wrap="none"/>
-            <a:lstStyle/>
-            <a:p>
-              <a:pPr algn="l" marL="0" marR="0" indent="0">
-                <a:lnSpc>
-                  <a:spcPts val="1028"/>
-                </a:lnSpc>
-                <a:spcBef>
-                  <a:spcPts val="0"/>
-                </a:spcBef>
-                <a:spcAft>
-                  <a:spcPts val="0"/>
-                </a:spcAft>
-              </a:pPr>
-              <a:r>
-                <a:rPr sz="1028">
-                  <a:solidFill>
-                    <a:srgbClr val="000000">
-                      <a:alpha val="100000"/>
-                    </a:srgbClr>
-                  </a:solidFill>
-                  <a:latin typeface="Arial"/>
-                  <a:cs typeface="Arial"/>
-                </a:rPr>
-                <a:t>graisses sanguines)</a:t>
-              </a:r>
-            </a:p>
-          </p:txBody>
-        </p:sp>
-        <p:sp>
-          <p:nvSpPr>
-            <p:cNvPr id="126" name="tx126"/>
-            <p:cNvSpPr/>
-            <p:nvPr/>
-          </p:nvSpPr>
-          <p:spPr>
-            <a:xfrm>
-              <a:off x="879285" y="3497031"/>
+              <a:off x="879285" y="3276173"/>
               <a:ext cx="2134514" cy="122591"/>
             </a:xfrm>
             <a:prstGeom prst="rect">
@@ -6361,13 +6312,13 @@
         </p:sp>
         <p:sp>
           <p:nvSpPr>
-            <p:cNvPr id="127" name="tx127"/>
-            <p:cNvSpPr/>
-            <p:nvPr/>
-          </p:nvSpPr>
-          <p:spPr>
-            <a:xfrm>
-              <a:off x="2004234" y="3639704"/>
+            <p:cNvPr id="126" name="tx126"/>
+            <p:cNvSpPr/>
+            <p:nvPr/>
+          </p:nvSpPr>
+          <p:spPr>
+            <a:xfrm>
+              <a:off x="2004234" y="3418846"/>
               <a:ext cx="1009564" cy="120997"/>
             </a:xfrm>
             <a:prstGeom prst="rect">
@@ -6407,59 +6358,13 @@
         </p:sp>
         <p:sp>
           <p:nvSpPr>
-            <p:cNvPr id="128" name="tx128"/>
-            <p:cNvSpPr/>
-            <p:nvPr/>
-          </p:nvSpPr>
-          <p:spPr>
-            <a:xfrm>
-              <a:off x="798854" y="3230033"/>
-              <a:ext cx="2214945" cy="122591"/>
-            </a:xfrm>
-            <a:prstGeom prst="rect">
-              <a:avLst/>
-            </a:prstGeom>
-            <a:noFill/>
-          </p:spPr>
-          <p:txBody>
-            <a:bodyPr lIns="0" rIns="0" tIns="0" bIns="0" anchorCtr="1" anchor="ctr" wrap="none"/>
-            <a:lstStyle/>
-            <a:p>
-              <a:pPr algn="l" marL="0" marR="0" indent="0">
-                <a:lnSpc>
-                  <a:spcPts val="1028"/>
-                </a:lnSpc>
-                <a:spcBef>
-                  <a:spcPts val="0"/>
-                </a:spcBef>
-                <a:spcAft>
-                  <a:spcPts val="0"/>
-                </a:spcAft>
-              </a:pPr>
-              <a:r>
-                <a:rPr sz="1028">
-                  <a:solidFill>
-                    <a:srgbClr val="000000">
-                      <a:alpha val="100000"/>
-                    </a:srgbClr>
-                  </a:solidFill>
-                  <a:latin typeface="Arial"/>
-                  <a:cs typeface="Arial"/>
-                </a:rPr>
-                <a:t>Sécheresse de la bouche ou des yeux</a:t>
-              </a:r>
-            </a:p>
-          </p:txBody>
-        </p:sp>
-        <p:sp>
-          <p:nvSpPr>
-            <p:cNvPr id="129" name="tx129"/>
-            <p:cNvSpPr/>
-            <p:nvPr/>
-          </p:nvSpPr>
-          <p:spPr>
-            <a:xfrm>
-              <a:off x="719316" y="2821957"/>
+            <p:cNvPr id="127" name="tx127"/>
+            <p:cNvSpPr/>
+            <p:nvPr/>
+          </p:nvSpPr>
+          <p:spPr>
+            <a:xfrm>
+              <a:off x="719316" y="2917801"/>
               <a:ext cx="2294483" cy="122591"/>
             </a:xfrm>
             <a:prstGeom prst="rect">
@@ -6499,13 +6404,13 @@
         </p:sp>
         <p:sp>
           <p:nvSpPr>
-            <p:cNvPr id="130" name="tx130"/>
-            <p:cNvSpPr/>
-            <p:nvPr/>
-          </p:nvSpPr>
-          <p:spPr>
-            <a:xfrm>
-              <a:off x="2665286" y="2963036"/>
+            <p:cNvPr id="128" name="tx128"/>
+            <p:cNvSpPr/>
+            <p:nvPr/>
+          </p:nvSpPr>
+          <p:spPr>
+            <a:xfrm>
+              <a:off x="2665286" y="3058879"/>
               <a:ext cx="348512" cy="122591"/>
             </a:xfrm>
             <a:prstGeom prst="rect">
@@ -6545,13 +6450,13 @@
         </p:sp>
         <p:sp>
           <p:nvSpPr>
-            <p:cNvPr id="131" name="tx131"/>
-            <p:cNvSpPr/>
-            <p:nvPr/>
-          </p:nvSpPr>
-          <p:spPr>
-            <a:xfrm>
-              <a:off x="861872" y="2511464"/>
+            <p:cNvPr id="129" name="tx129"/>
+            <p:cNvSpPr/>
+            <p:nvPr/>
+          </p:nvSpPr>
+          <p:spPr>
+            <a:xfrm>
+              <a:off x="861872" y="2586472"/>
               <a:ext cx="2151927" cy="95547"/>
             </a:xfrm>
             <a:prstGeom prst="rect">
@@ -6591,13 +6496,13 @@
         </p:sp>
         <p:sp>
           <p:nvSpPr>
-            <p:cNvPr id="132" name="tx132"/>
-            <p:cNvSpPr/>
-            <p:nvPr/>
-          </p:nvSpPr>
-          <p:spPr>
-            <a:xfrm>
-              <a:off x="2575351" y="2653053"/>
+            <p:cNvPr id="130" name="tx130"/>
+            <p:cNvSpPr/>
+            <p:nvPr/>
+          </p:nvSpPr>
+          <p:spPr>
+            <a:xfrm>
+              <a:off x="2575351" y="2728061"/>
               <a:ext cx="438447" cy="95037"/>
             </a:xfrm>
             <a:prstGeom prst="rect">
@@ -6637,13 +6542,13 @@
         </p:sp>
         <p:sp>
           <p:nvSpPr>
-            <p:cNvPr id="133" name="tx133"/>
-            <p:cNvSpPr/>
-            <p:nvPr/>
-          </p:nvSpPr>
-          <p:spPr>
-            <a:xfrm>
-              <a:off x="1024329" y="2146883"/>
+            <p:cNvPr id="131" name="tx131"/>
+            <p:cNvSpPr/>
+            <p:nvPr/>
+          </p:nvSpPr>
+          <p:spPr>
+            <a:xfrm>
+              <a:off x="1024329" y="2201056"/>
               <a:ext cx="1989470" cy="122591"/>
             </a:xfrm>
             <a:prstGeom prst="rect">
@@ -6683,13 +6588,13 @@
         </p:sp>
         <p:sp>
           <p:nvSpPr>
-            <p:cNvPr id="134" name="tx134"/>
-            <p:cNvSpPr/>
-            <p:nvPr/>
-          </p:nvSpPr>
-          <p:spPr>
-            <a:xfrm>
-              <a:off x="1333360" y="2287962"/>
+            <p:cNvPr id="132" name="tx132"/>
+            <p:cNvSpPr/>
+            <p:nvPr/>
+          </p:nvSpPr>
+          <p:spPr>
+            <a:xfrm>
+              <a:off x="1333360" y="2342134"/>
               <a:ext cx="1680439" cy="122591"/>
             </a:xfrm>
             <a:prstGeom prst="rect">
@@ -6729,13 +6634,13 @@
         </p:sp>
         <p:sp>
           <p:nvSpPr>
-            <p:cNvPr id="135" name="tx135"/>
-            <p:cNvSpPr/>
-            <p:nvPr/>
-          </p:nvSpPr>
-          <p:spPr>
-            <a:xfrm>
-              <a:off x="1655849" y="1881480"/>
+            <p:cNvPr id="133" name="tx133"/>
+            <p:cNvSpPr/>
+            <p:nvPr/>
+          </p:nvSpPr>
+          <p:spPr>
+            <a:xfrm>
+              <a:off x="1655849" y="1914817"/>
               <a:ext cx="1357950" cy="120997"/>
             </a:xfrm>
             <a:prstGeom prst="rect">
@@ -6775,13 +6680,13 @@
         </p:sp>
         <p:sp>
           <p:nvSpPr>
-            <p:cNvPr id="136" name="tx136"/>
-            <p:cNvSpPr/>
-            <p:nvPr/>
-          </p:nvSpPr>
-          <p:spPr>
-            <a:xfrm>
-              <a:off x="2186017" y="1545474"/>
+            <p:cNvPr id="134" name="tx134"/>
+            <p:cNvSpPr/>
+            <p:nvPr/>
+          </p:nvSpPr>
+          <p:spPr>
+            <a:xfrm>
+              <a:off x="2186017" y="1557975"/>
               <a:ext cx="827782" cy="119466"/>
             </a:xfrm>
             <a:prstGeom prst="rect">
@@ -6821,13 +6726,13 @@
         </p:sp>
         <p:sp>
           <p:nvSpPr>
-            <p:cNvPr id="137" name="pl137"/>
-            <p:cNvSpPr/>
-            <p:nvPr/>
-          </p:nvSpPr>
-          <p:spPr>
-            <a:xfrm>
-              <a:off x="3046334" y="7018777"/>
+            <p:cNvPr id="135" name="pl135"/>
+            <p:cNvSpPr/>
+            <p:nvPr/>
+          </p:nvSpPr>
+          <p:spPr>
+            <a:xfrm>
+              <a:off x="3046334" y="7006276"/>
               <a:ext cx="37957" cy="0"/>
             </a:xfrm>
             <a:custGeom>
@@ -6861,13 +6766,13 @@
         </p:sp>
         <p:sp>
           <p:nvSpPr>
-            <p:cNvPr id="138" name="pl138"/>
-            <p:cNvSpPr/>
-            <p:nvPr/>
-          </p:nvSpPr>
-          <p:spPr>
-            <a:xfrm>
-              <a:off x="3046334" y="6681241"/>
+            <p:cNvPr id="136" name="pl136"/>
+            <p:cNvSpPr/>
+            <p:nvPr/>
+          </p:nvSpPr>
+          <p:spPr>
+            <a:xfrm>
+              <a:off x="3046334" y="6647904"/>
               <a:ext cx="37957" cy="0"/>
             </a:xfrm>
             <a:custGeom>
@@ -6901,13 +6806,13 @@
         </p:sp>
         <p:sp>
           <p:nvSpPr>
-            <p:cNvPr id="139" name="pl139"/>
-            <p:cNvSpPr/>
-            <p:nvPr/>
-          </p:nvSpPr>
-          <p:spPr>
-            <a:xfrm>
-              <a:off x="3046334" y="6343704"/>
+            <p:cNvPr id="137" name="pl137"/>
+            <p:cNvSpPr/>
+            <p:nvPr/>
+          </p:nvSpPr>
+          <p:spPr>
+            <a:xfrm>
+              <a:off x="3046334" y="6289531"/>
               <a:ext cx="37957" cy="0"/>
             </a:xfrm>
             <a:custGeom>
@@ -6941,13 +6846,13 @@
         </p:sp>
         <p:sp>
           <p:nvSpPr>
-            <p:cNvPr id="140" name="pl140"/>
-            <p:cNvSpPr/>
-            <p:nvPr/>
-          </p:nvSpPr>
-          <p:spPr>
-            <a:xfrm>
-              <a:off x="3046334" y="6006167"/>
+            <p:cNvPr id="138" name="pl138"/>
+            <p:cNvSpPr/>
+            <p:nvPr/>
+          </p:nvSpPr>
+          <p:spPr>
+            <a:xfrm>
+              <a:off x="3046334" y="5931159"/>
               <a:ext cx="37957" cy="0"/>
             </a:xfrm>
             <a:custGeom>
@@ -6981,13 +6886,13 @@
         </p:sp>
         <p:sp>
           <p:nvSpPr>
-            <p:cNvPr id="141" name="pl141"/>
-            <p:cNvSpPr/>
-            <p:nvPr/>
-          </p:nvSpPr>
-          <p:spPr>
-            <a:xfrm>
-              <a:off x="3046334" y="5668630"/>
+            <p:cNvPr id="139" name="pl139"/>
+            <p:cNvSpPr/>
+            <p:nvPr/>
+          </p:nvSpPr>
+          <p:spPr>
+            <a:xfrm>
+              <a:off x="3046334" y="5572786"/>
               <a:ext cx="37957" cy="0"/>
             </a:xfrm>
             <a:custGeom>
@@ -7021,13 +6926,13 @@
         </p:sp>
         <p:sp>
           <p:nvSpPr>
-            <p:cNvPr id="142" name="pl142"/>
-            <p:cNvSpPr/>
-            <p:nvPr/>
-          </p:nvSpPr>
-          <p:spPr>
-            <a:xfrm>
-              <a:off x="3046334" y="5331093"/>
+            <p:cNvPr id="140" name="pl140"/>
+            <p:cNvSpPr/>
+            <p:nvPr/>
+          </p:nvSpPr>
+          <p:spPr>
+            <a:xfrm>
+              <a:off x="3046334" y="5214414"/>
               <a:ext cx="37957" cy="0"/>
             </a:xfrm>
             <a:custGeom>
@@ -7061,13 +6966,13 @@
         </p:sp>
         <p:sp>
           <p:nvSpPr>
-            <p:cNvPr id="143" name="pl143"/>
-            <p:cNvSpPr/>
-            <p:nvPr/>
-          </p:nvSpPr>
-          <p:spPr>
-            <a:xfrm>
-              <a:off x="3046334" y="4993556"/>
+            <p:cNvPr id="141" name="pl141"/>
+            <p:cNvSpPr/>
+            <p:nvPr/>
+          </p:nvSpPr>
+          <p:spPr>
+            <a:xfrm>
+              <a:off x="3046334" y="4856041"/>
               <a:ext cx="37957" cy="0"/>
             </a:xfrm>
             <a:custGeom>
@@ -7101,13 +7006,13 @@
         </p:sp>
         <p:sp>
           <p:nvSpPr>
-            <p:cNvPr id="144" name="pl144"/>
-            <p:cNvSpPr/>
-            <p:nvPr/>
-          </p:nvSpPr>
-          <p:spPr>
-            <a:xfrm>
-              <a:off x="3046334" y="4656019"/>
+            <p:cNvPr id="142" name="pl142"/>
+            <p:cNvSpPr/>
+            <p:nvPr/>
+          </p:nvSpPr>
+          <p:spPr>
+            <a:xfrm>
+              <a:off x="3046334" y="4497669"/>
               <a:ext cx="37957" cy="0"/>
             </a:xfrm>
             <a:custGeom>
@@ -7141,13 +7046,13 @@
         </p:sp>
         <p:sp>
           <p:nvSpPr>
-            <p:cNvPr id="145" name="pl145"/>
-            <p:cNvSpPr/>
-            <p:nvPr/>
-          </p:nvSpPr>
-          <p:spPr>
-            <a:xfrm>
-              <a:off x="3046334" y="4318482"/>
+            <p:cNvPr id="143" name="pl143"/>
+            <p:cNvSpPr/>
+            <p:nvPr/>
+          </p:nvSpPr>
+          <p:spPr>
+            <a:xfrm>
+              <a:off x="3046334" y="4139296"/>
               <a:ext cx="37957" cy="0"/>
             </a:xfrm>
             <a:custGeom>
@@ -7181,13 +7086,13 @@
         </p:sp>
         <p:sp>
           <p:nvSpPr>
-            <p:cNvPr id="146" name="pl146"/>
-            <p:cNvSpPr/>
-            <p:nvPr/>
-          </p:nvSpPr>
-          <p:spPr>
-            <a:xfrm>
-              <a:off x="3046334" y="3980945"/>
+            <p:cNvPr id="144" name="pl144"/>
+            <p:cNvSpPr/>
+            <p:nvPr/>
+          </p:nvSpPr>
+          <p:spPr>
+            <a:xfrm>
+              <a:off x="3046334" y="3780924"/>
               <a:ext cx="37957" cy="0"/>
             </a:xfrm>
             <a:custGeom>
@@ -7221,13 +7126,13 @@
         </p:sp>
         <p:sp>
           <p:nvSpPr>
-            <p:cNvPr id="147" name="pl147"/>
-            <p:cNvSpPr/>
-            <p:nvPr/>
-          </p:nvSpPr>
-          <p:spPr>
-            <a:xfrm>
-              <a:off x="3046334" y="3643409"/>
+            <p:cNvPr id="145" name="pl145"/>
+            <p:cNvSpPr/>
+            <p:nvPr/>
+          </p:nvSpPr>
+          <p:spPr>
+            <a:xfrm>
+              <a:off x="3046334" y="3422551"/>
               <a:ext cx="37957" cy="0"/>
             </a:xfrm>
             <a:custGeom>
@@ -7261,13 +7166,13 @@
         </p:sp>
         <p:sp>
           <p:nvSpPr>
-            <p:cNvPr id="148" name="pl148"/>
-            <p:cNvSpPr/>
-            <p:nvPr/>
-          </p:nvSpPr>
-          <p:spPr>
-            <a:xfrm>
-              <a:off x="3046334" y="3305872"/>
+            <p:cNvPr id="146" name="pl146"/>
+            <p:cNvSpPr/>
+            <p:nvPr/>
+          </p:nvSpPr>
+          <p:spPr>
+            <a:xfrm>
+              <a:off x="3046334" y="3064179"/>
               <a:ext cx="37957" cy="0"/>
             </a:xfrm>
             <a:custGeom>
@@ -7301,13 +7206,13 @@
         </p:sp>
         <p:sp>
           <p:nvSpPr>
-            <p:cNvPr id="149" name="pl149"/>
-            <p:cNvSpPr/>
-            <p:nvPr/>
-          </p:nvSpPr>
-          <p:spPr>
-            <a:xfrm>
-              <a:off x="3046334" y="2968335"/>
+            <p:cNvPr id="147" name="pl147"/>
+            <p:cNvSpPr/>
+            <p:nvPr/>
+          </p:nvSpPr>
+          <p:spPr>
+            <a:xfrm>
+              <a:off x="3046334" y="2705806"/>
               <a:ext cx="37957" cy="0"/>
             </a:xfrm>
             <a:custGeom>
@@ -7341,13 +7246,13 @@
         </p:sp>
         <p:sp>
           <p:nvSpPr>
-            <p:cNvPr id="150" name="pl150"/>
-            <p:cNvSpPr/>
-            <p:nvPr/>
-          </p:nvSpPr>
-          <p:spPr>
-            <a:xfrm>
-              <a:off x="3046334" y="2630798"/>
+            <p:cNvPr id="148" name="pl148"/>
+            <p:cNvSpPr/>
+            <p:nvPr/>
+          </p:nvSpPr>
+          <p:spPr>
+            <a:xfrm>
+              <a:off x="3046334" y="2347433"/>
               <a:ext cx="37957" cy="0"/>
             </a:xfrm>
             <a:custGeom>
@@ -7381,13 +7286,13 @@
         </p:sp>
         <p:sp>
           <p:nvSpPr>
-            <p:cNvPr id="151" name="pl151"/>
-            <p:cNvSpPr/>
-            <p:nvPr/>
-          </p:nvSpPr>
-          <p:spPr>
-            <a:xfrm>
-              <a:off x="3046334" y="2293261"/>
+            <p:cNvPr id="149" name="pl149"/>
+            <p:cNvSpPr/>
+            <p:nvPr/>
+          </p:nvSpPr>
+          <p:spPr>
+            <a:xfrm>
+              <a:off x="3046334" y="1989061"/>
               <a:ext cx="37957" cy="0"/>
             </a:xfrm>
             <a:custGeom>
@@ -7421,13 +7326,13 @@
         </p:sp>
         <p:sp>
           <p:nvSpPr>
-            <p:cNvPr id="152" name="pl152"/>
-            <p:cNvSpPr/>
-            <p:nvPr/>
-          </p:nvSpPr>
-          <p:spPr>
-            <a:xfrm>
-              <a:off x="3046334" y="1955724"/>
+            <p:cNvPr id="150" name="pl150"/>
+            <p:cNvSpPr/>
+            <p:nvPr/>
+          </p:nvSpPr>
+          <p:spPr>
+            <a:xfrm>
+              <a:off x="3046334" y="1630688"/>
               <a:ext cx="37957" cy="0"/>
             </a:xfrm>
             <a:custGeom>
@@ -7461,47 +7366,7 @@
         </p:sp>
         <p:sp>
           <p:nvSpPr>
-            <p:cNvPr id="153" name="pl153"/>
-            <p:cNvSpPr/>
-            <p:nvPr/>
-          </p:nvSpPr>
-          <p:spPr>
-            <a:xfrm>
-              <a:off x="3046334" y="1618187"/>
-              <a:ext cx="37957" cy="0"/>
-            </a:xfrm>
-            <a:custGeom>
-              <a:avLst/>
-              <a:pathLst>
-                <a:path w="37957" h="0">
-                  <a:moveTo>
-                    <a:pt x="0" y="0"/>
-                  </a:moveTo>
-                  <a:lnTo>
-                    <a:pt x="37957" y="0"/>
-                  </a:lnTo>
-                </a:path>
-              </a:pathLst>
-            </a:custGeom>
-            <a:ln w="13550" cap="flat">
-              <a:solidFill>
-                <a:srgbClr val="000000">
-                  <a:alpha val="100000"/>
-                </a:srgbClr>
-              </a:solidFill>
-              <a:prstDash val="solid"/>
-              <a:round/>
-            </a:ln>
-          </p:spPr>
-          <p:txBody>
-            <a:bodyPr/>
-            <a:lstStyle/>
-            <a:p/>
-          </p:txBody>
-        </p:sp>
-        <p:sp>
-          <p:nvSpPr>
-            <p:cNvPr id="154" name="pl154"/>
+            <p:cNvPr id="151" name="pl151"/>
             <p:cNvSpPr/>
             <p:nvPr/>
           </p:nvSpPr>
@@ -7541,7 +7406,7 @@
         </p:sp>
         <p:sp>
           <p:nvSpPr>
-            <p:cNvPr id="155" name="pl155"/>
+            <p:cNvPr id="152" name="pl152"/>
             <p:cNvSpPr/>
             <p:nvPr/>
           </p:nvSpPr>
@@ -7581,13 +7446,13 @@
         </p:sp>
         <p:sp>
           <p:nvSpPr>
-            <p:cNvPr id="156" name="pl156"/>
-            <p:cNvSpPr/>
-            <p:nvPr/>
-          </p:nvSpPr>
-          <p:spPr>
-            <a:xfrm>
-              <a:off x="3468962" y="7221300"/>
+            <p:cNvPr id="153" name="pl153"/>
+            <p:cNvSpPr/>
+            <p:nvPr/>
+          </p:nvSpPr>
+          <p:spPr>
+            <a:xfrm>
+              <a:off x="3439623" y="7221300"/>
               <a:ext cx="0" cy="37957"/>
             </a:xfrm>
             <a:custGeom>
@@ -7621,13 +7486,13 @@
         </p:sp>
         <p:sp>
           <p:nvSpPr>
-            <p:cNvPr id="157" name="pl157"/>
-            <p:cNvSpPr/>
-            <p:nvPr/>
-          </p:nvSpPr>
-          <p:spPr>
-            <a:xfrm>
-              <a:off x="3853632" y="7221300"/>
+            <p:cNvPr id="154" name="pl154"/>
+            <p:cNvSpPr/>
+            <p:nvPr/>
+          </p:nvSpPr>
+          <p:spPr>
+            <a:xfrm>
+              <a:off x="3794953" y="7221300"/>
               <a:ext cx="0" cy="37957"/>
             </a:xfrm>
             <a:custGeom>
@@ -7661,13 +7526,13 @@
         </p:sp>
         <p:sp>
           <p:nvSpPr>
-            <p:cNvPr id="158" name="pl158"/>
-            <p:cNvSpPr/>
-            <p:nvPr/>
-          </p:nvSpPr>
-          <p:spPr>
-            <a:xfrm>
-              <a:off x="4238302" y="7221300"/>
+            <p:cNvPr id="155" name="pl155"/>
+            <p:cNvSpPr/>
+            <p:nvPr/>
+          </p:nvSpPr>
+          <p:spPr>
+            <a:xfrm>
+              <a:off x="4150284" y="7221300"/>
               <a:ext cx="0" cy="37957"/>
             </a:xfrm>
             <a:custGeom>
@@ -7701,13 +7566,13 @@
         </p:sp>
         <p:sp>
           <p:nvSpPr>
-            <p:cNvPr id="159" name="pl159"/>
-            <p:cNvSpPr/>
-            <p:nvPr/>
-          </p:nvSpPr>
-          <p:spPr>
-            <a:xfrm>
-              <a:off x="4622972" y="7221300"/>
+            <p:cNvPr id="156" name="pl156"/>
+            <p:cNvSpPr/>
+            <p:nvPr/>
+          </p:nvSpPr>
+          <p:spPr>
+            <a:xfrm>
+              <a:off x="4505615" y="7221300"/>
               <a:ext cx="0" cy="37957"/>
             </a:xfrm>
             <a:custGeom>
@@ -7741,13 +7606,13 @@
         </p:sp>
         <p:sp>
           <p:nvSpPr>
-            <p:cNvPr id="160" name="pl160"/>
-            <p:cNvSpPr/>
-            <p:nvPr/>
-          </p:nvSpPr>
-          <p:spPr>
-            <a:xfrm>
-              <a:off x="5007641" y="7221300"/>
+            <p:cNvPr id="157" name="pl157"/>
+            <p:cNvSpPr/>
+            <p:nvPr/>
+          </p:nvSpPr>
+          <p:spPr>
+            <a:xfrm>
+              <a:off x="4860945" y="7221300"/>
               <a:ext cx="0" cy="37957"/>
             </a:xfrm>
             <a:custGeom>
@@ -7781,13 +7646,13 @@
         </p:sp>
         <p:sp>
           <p:nvSpPr>
-            <p:cNvPr id="161" name="pl161"/>
-            <p:cNvSpPr/>
-            <p:nvPr/>
-          </p:nvSpPr>
-          <p:spPr>
-            <a:xfrm>
-              <a:off x="5392311" y="7221300"/>
+            <p:cNvPr id="158" name="pl158"/>
+            <p:cNvSpPr/>
+            <p:nvPr/>
+          </p:nvSpPr>
+          <p:spPr>
+            <a:xfrm>
+              <a:off x="5216276" y="7221300"/>
               <a:ext cx="0" cy="37957"/>
             </a:xfrm>
             <a:custGeom>
@@ -7821,13 +7686,13 @@
         </p:sp>
         <p:sp>
           <p:nvSpPr>
-            <p:cNvPr id="162" name="pl162"/>
-            <p:cNvSpPr/>
-            <p:nvPr/>
-          </p:nvSpPr>
-          <p:spPr>
-            <a:xfrm>
-              <a:off x="5776981" y="7221300"/>
+            <p:cNvPr id="159" name="pl159"/>
+            <p:cNvSpPr/>
+            <p:nvPr/>
+          </p:nvSpPr>
+          <p:spPr>
+            <a:xfrm>
+              <a:off x="5571607" y="7221300"/>
               <a:ext cx="0" cy="37957"/>
             </a:xfrm>
             <a:custGeom>
@@ -7861,13 +7726,13 @@
         </p:sp>
         <p:sp>
           <p:nvSpPr>
-            <p:cNvPr id="163" name="pl163"/>
-            <p:cNvSpPr/>
-            <p:nvPr/>
-          </p:nvSpPr>
-          <p:spPr>
-            <a:xfrm>
-              <a:off x="6161651" y="7221300"/>
+            <p:cNvPr id="160" name="pl160"/>
+            <p:cNvSpPr/>
+            <p:nvPr/>
+          </p:nvSpPr>
+          <p:spPr>
+            <a:xfrm>
+              <a:off x="5926937" y="7221300"/>
               <a:ext cx="0" cy="37957"/>
             </a:xfrm>
             <a:custGeom>
@@ -7901,13 +7766,13 @@
         </p:sp>
         <p:sp>
           <p:nvSpPr>
-            <p:cNvPr id="164" name="pl164"/>
-            <p:cNvSpPr/>
-            <p:nvPr/>
-          </p:nvSpPr>
-          <p:spPr>
-            <a:xfrm>
-              <a:off x="6546321" y="7221300"/>
+            <p:cNvPr id="161" name="pl161"/>
+            <p:cNvSpPr/>
+            <p:nvPr/>
+          </p:nvSpPr>
+          <p:spPr>
+            <a:xfrm>
+              <a:off x="6282268" y="7221300"/>
               <a:ext cx="0" cy="37957"/>
             </a:xfrm>
             <a:custGeom>
@@ -7941,13 +7806,13 @@
         </p:sp>
         <p:sp>
           <p:nvSpPr>
-            <p:cNvPr id="165" name="pl165"/>
-            <p:cNvSpPr/>
-            <p:nvPr/>
-          </p:nvSpPr>
-          <p:spPr>
-            <a:xfrm>
-              <a:off x="6930991" y="7221300"/>
+            <p:cNvPr id="162" name="pl162"/>
+            <p:cNvSpPr/>
+            <p:nvPr/>
+          </p:nvSpPr>
+          <p:spPr>
+            <a:xfrm>
+              <a:off x="6637599" y="7221300"/>
               <a:ext cx="0" cy="37957"/>
             </a:xfrm>
             <a:custGeom>
@@ -7981,13 +7846,13 @@
         </p:sp>
         <p:sp>
           <p:nvSpPr>
-            <p:cNvPr id="166" name="pl166"/>
-            <p:cNvSpPr/>
-            <p:nvPr/>
-          </p:nvSpPr>
-          <p:spPr>
-            <a:xfrm>
-              <a:off x="7315661" y="7221300"/>
+            <p:cNvPr id="163" name="pl163"/>
+            <p:cNvSpPr/>
+            <p:nvPr/>
+          </p:nvSpPr>
+          <p:spPr>
+            <a:xfrm>
+              <a:off x="6992929" y="7221300"/>
               <a:ext cx="0" cy="37957"/>
             </a:xfrm>
             <a:custGeom>
@@ -8021,7 +7886,47 @@
         </p:sp>
         <p:sp>
           <p:nvSpPr>
-            <p:cNvPr id="167" name="tx167"/>
+            <p:cNvPr id="164" name="pl164"/>
+            <p:cNvSpPr/>
+            <p:nvPr/>
+          </p:nvSpPr>
+          <p:spPr>
+            <a:xfrm>
+              <a:off x="7348260" y="7221300"/>
+              <a:ext cx="0" cy="37957"/>
+            </a:xfrm>
+            <a:custGeom>
+              <a:avLst/>
+              <a:pathLst>
+                <a:path w="0" h="37957">
+                  <a:moveTo>
+                    <a:pt x="0" y="37957"/>
+                  </a:moveTo>
+                  <a:lnTo>
+                    <a:pt x="0" y="0"/>
+                  </a:lnTo>
+                </a:path>
+              </a:pathLst>
+            </a:custGeom>
+            <a:ln w="13550" cap="flat">
+              <a:solidFill>
+                <a:srgbClr val="000000">
+                  <a:alpha val="100000"/>
+                </a:srgbClr>
+              </a:solidFill>
+              <a:prstDash val="solid"/>
+              <a:round/>
+            </a:ln>
+          </p:spPr>
+          <p:txBody>
+            <a:bodyPr/>
+            <a:lstStyle/>
+            <a:p/>
+          </p:txBody>
+        </p:sp>
+        <p:sp>
+          <p:nvSpPr>
+            <p:cNvPr id="165" name="tx165"/>
             <p:cNvSpPr/>
             <p:nvPr/>
           </p:nvSpPr>
@@ -8067,13 +7972,13 @@
         </p:sp>
         <p:sp>
           <p:nvSpPr>
-            <p:cNvPr id="168" name="tx168"/>
-            <p:cNvSpPr/>
-            <p:nvPr/>
-          </p:nvSpPr>
-          <p:spPr>
-            <a:xfrm>
-              <a:off x="3396312" y="7289815"/>
+            <p:cNvPr id="166" name="tx166"/>
+            <p:cNvSpPr/>
+            <p:nvPr/>
+          </p:nvSpPr>
+          <p:spPr>
+            <a:xfrm>
+              <a:off x="3366973" y="7289815"/>
               <a:ext cx="145298" cy="95483"/>
             </a:xfrm>
             <a:prstGeom prst="rect">
@@ -8113,13 +8018,13 @@
         </p:sp>
         <p:sp>
           <p:nvSpPr>
-            <p:cNvPr id="169" name="tx169"/>
-            <p:cNvSpPr/>
-            <p:nvPr/>
-          </p:nvSpPr>
-          <p:spPr>
-            <a:xfrm>
-              <a:off x="3780982" y="7289815"/>
+            <p:cNvPr id="167" name="tx167"/>
+            <p:cNvSpPr/>
+            <p:nvPr/>
+          </p:nvSpPr>
+          <p:spPr>
+            <a:xfrm>
+              <a:off x="3722304" y="7289815"/>
               <a:ext cx="145298" cy="95483"/>
             </a:xfrm>
             <a:prstGeom prst="rect">
@@ -8159,13 +8064,13 @@
         </p:sp>
         <p:sp>
           <p:nvSpPr>
-            <p:cNvPr id="170" name="tx170"/>
-            <p:cNvSpPr/>
-            <p:nvPr/>
-          </p:nvSpPr>
-          <p:spPr>
-            <a:xfrm>
-              <a:off x="4165652" y="7289751"/>
+            <p:cNvPr id="168" name="tx168"/>
+            <p:cNvSpPr/>
+            <p:nvPr/>
+          </p:nvSpPr>
+          <p:spPr>
+            <a:xfrm>
+              <a:off x="4077635" y="7289751"/>
               <a:ext cx="145298" cy="95547"/>
             </a:xfrm>
             <a:prstGeom prst="rect">
@@ -8205,13 +8110,13 @@
         </p:sp>
         <p:sp>
           <p:nvSpPr>
-            <p:cNvPr id="171" name="tx171"/>
-            <p:cNvSpPr/>
-            <p:nvPr/>
-          </p:nvSpPr>
-          <p:spPr>
-            <a:xfrm>
-              <a:off x="4550322" y="7289815"/>
+            <p:cNvPr id="169" name="tx169"/>
+            <p:cNvSpPr/>
+            <p:nvPr/>
+          </p:nvSpPr>
+          <p:spPr>
+            <a:xfrm>
+              <a:off x="4432965" y="7289815"/>
               <a:ext cx="145298" cy="95483"/>
             </a:xfrm>
             <a:prstGeom prst="rect">
@@ -8251,13 +8156,13 @@
         </p:sp>
         <p:sp>
           <p:nvSpPr>
-            <p:cNvPr id="172" name="tx172"/>
-            <p:cNvSpPr/>
-            <p:nvPr/>
-          </p:nvSpPr>
-          <p:spPr>
-            <a:xfrm>
-              <a:off x="4934992" y="7289815"/>
+            <p:cNvPr id="170" name="tx170"/>
+            <p:cNvSpPr/>
+            <p:nvPr/>
+          </p:nvSpPr>
+          <p:spPr>
+            <a:xfrm>
+              <a:off x="4788296" y="7289815"/>
               <a:ext cx="145298" cy="95483"/>
             </a:xfrm>
             <a:prstGeom prst="rect">
@@ -8297,13 +8202,13 @@
         </p:sp>
         <p:sp>
           <p:nvSpPr>
-            <p:cNvPr id="173" name="tx173"/>
-            <p:cNvSpPr/>
-            <p:nvPr/>
-          </p:nvSpPr>
-          <p:spPr>
-            <a:xfrm>
-              <a:off x="5319662" y="7289815"/>
+            <p:cNvPr id="171" name="tx171"/>
+            <p:cNvSpPr/>
+            <p:nvPr/>
+          </p:nvSpPr>
+          <p:spPr>
+            <a:xfrm>
+              <a:off x="5143627" y="7289815"/>
               <a:ext cx="145298" cy="95483"/>
             </a:xfrm>
             <a:prstGeom prst="rect">
@@ -8343,13 +8248,13 @@
         </p:sp>
         <p:sp>
           <p:nvSpPr>
-            <p:cNvPr id="174" name="tx174"/>
-            <p:cNvSpPr/>
-            <p:nvPr/>
-          </p:nvSpPr>
-          <p:spPr>
-            <a:xfrm>
-              <a:off x="5704332" y="7289815"/>
+            <p:cNvPr id="172" name="tx172"/>
+            <p:cNvSpPr/>
+            <p:nvPr/>
+          </p:nvSpPr>
+          <p:spPr>
+            <a:xfrm>
+              <a:off x="5498957" y="7289815"/>
               <a:ext cx="145298" cy="95483"/>
             </a:xfrm>
             <a:prstGeom prst="rect">
@@ -8389,13 +8294,13 @@
         </p:sp>
         <p:sp>
           <p:nvSpPr>
-            <p:cNvPr id="175" name="tx175"/>
-            <p:cNvSpPr/>
-            <p:nvPr/>
-          </p:nvSpPr>
-          <p:spPr>
-            <a:xfrm>
-              <a:off x="6089002" y="7289815"/>
+            <p:cNvPr id="173" name="tx173"/>
+            <p:cNvSpPr/>
+            <p:nvPr/>
+          </p:nvSpPr>
+          <p:spPr>
+            <a:xfrm>
+              <a:off x="5854288" y="7289815"/>
               <a:ext cx="145298" cy="95483"/>
             </a:xfrm>
             <a:prstGeom prst="rect">
@@ -8435,13 +8340,13 @@
         </p:sp>
         <p:sp>
           <p:nvSpPr>
-            <p:cNvPr id="176" name="tx176"/>
-            <p:cNvSpPr/>
-            <p:nvPr/>
-          </p:nvSpPr>
-          <p:spPr>
-            <a:xfrm>
-              <a:off x="6473672" y="7289815"/>
+            <p:cNvPr id="174" name="tx174"/>
+            <p:cNvSpPr/>
+            <p:nvPr/>
+          </p:nvSpPr>
+          <p:spPr>
+            <a:xfrm>
+              <a:off x="6209619" y="7289815"/>
               <a:ext cx="145298" cy="95483"/>
             </a:xfrm>
             <a:prstGeom prst="rect">
@@ -8481,13 +8386,13 @@
         </p:sp>
         <p:sp>
           <p:nvSpPr>
-            <p:cNvPr id="177" name="tx177"/>
-            <p:cNvSpPr/>
-            <p:nvPr/>
-          </p:nvSpPr>
-          <p:spPr>
-            <a:xfrm>
-              <a:off x="6822017" y="7289815"/>
+            <p:cNvPr id="175" name="tx175"/>
+            <p:cNvSpPr/>
+            <p:nvPr/>
+          </p:nvSpPr>
+          <p:spPr>
+            <a:xfrm>
+              <a:off x="6528625" y="7289815"/>
               <a:ext cx="217948" cy="95483"/>
             </a:xfrm>
             <a:prstGeom prst="rect">
@@ -8527,13 +8432,13 @@
         </p:sp>
         <p:sp>
           <p:nvSpPr>
-            <p:cNvPr id="178" name="tx178"/>
-            <p:cNvSpPr/>
-            <p:nvPr/>
-          </p:nvSpPr>
-          <p:spPr>
-            <a:xfrm>
-              <a:off x="7206687" y="7289815"/>
+            <p:cNvPr id="176" name="tx176"/>
+            <p:cNvSpPr/>
+            <p:nvPr/>
+          </p:nvSpPr>
+          <p:spPr>
+            <a:xfrm>
+              <a:off x="6883955" y="7289815"/>
               <a:ext cx="217948" cy="95483"/>
             </a:xfrm>
             <a:prstGeom prst="rect">
@@ -8573,7 +8478,53 @@
         </p:sp>
         <p:sp>
           <p:nvSpPr>
-            <p:cNvPr id="179" name="tx179"/>
+            <p:cNvPr id="177" name="tx177"/>
+            <p:cNvSpPr/>
+            <p:nvPr/>
+          </p:nvSpPr>
+          <p:spPr>
+            <a:xfrm>
+              <a:off x="7239286" y="7289815"/>
+              <a:ext cx="217948" cy="95483"/>
+            </a:xfrm>
+            <a:prstGeom prst="rect">
+              <a:avLst/>
+            </a:prstGeom>
+            <a:noFill/>
+          </p:spPr>
+          <p:txBody>
+            <a:bodyPr lIns="0" rIns="0" tIns="0" bIns="0" anchorCtr="1" anchor="ctr" wrap="none"/>
+            <a:lstStyle/>
+            <a:p>
+              <a:pPr algn="l" marL="0" marR="0" indent="0">
+                <a:lnSpc>
+                  <a:spcPts val="1028"/>
+                </a:lnSpc>
+                <a:spcBef>
+                  <a:spcPts val="0"/>
+                </a:spcBef>
+                <a:spcAft>
+                  <a:spcPts val="0"/>
+                </a:spcAft>
+              </a:pPr>
+              <a:r>
+                <a:rPr sz="1028">
+                  <a:solidFill>
+                    <a:srgbClr val="000000">
+                      <a:alpha val="100000"/>
+                    </a:srgbClr>
+                  </a:solidFill>
+                  <a:latin typeface="Arial"/>
+                  <a:cs typeface="Arial"/>
+                </a:rPr>
+                <a:t>120</a:t>
+              </a:r>
+            </a:p>
+          </p:txBody>
+        </p:sp>
+        <p:sp>
+          <p:nvSpPr>
+            <p:cNvPr id="178" name="tx178"/>
             <p:cNvSpPr/>
             <p:nvPr/>
           </p:nvSpPr>
@@ -8619,7 +8570,7 @@
         </p:sp>
         <p:sp>
           <p:nvSpPr>
-            <p:cNvPr id="180" name="rc180"/>
+            <p:cNvPr id="179" name="rc179"/>
             <p:cNvSpPr/>
             <p:nvPr/>
           </p:nvSpPr>
@@ -8645,7 +8596,7 @@
         </p:sp>
         <p:sp>
           <p:nvSpPr>
-            <p:cNvPr id="181" name="rc181"/>
+            <p:cNvPr id="180" name="rc180"/>
             <p:cNvSpPr/>
             <p:nvPr/>
           </p:nvSpPr>
@@ -8671,7 +8622,7 @@
         </p:sp>
         <p:sp>
           <p:nvSpPr>
-            <p:cNvPr id="182" name="rc182"/>
+            <p:cNvPr id="181" name="rc181"/>
             <p:cNvSpPr/>
             <p:nvPr/>
           </p:nvSpPr>
@@ -8697,7 +8648,7 @@
         </p:sp>
         <p:sp>
           <p:nvSpPr>
-            <p:cNvPr id="183" name="rc183"/>
+            <p:cNvPr id="182" name="rc182"/>
             <p:cNvSpPr/>
             <p:nvPr/>
           </p:nvSpPr>
@@ -8723,7 +8674,7 @@
         </p:sp>
         <p:sp>
           <p:nvSpPr>
-            <p:cNvPr id="184" name="rc184"/>
+            <p:cNvPr id="183" name="rc183"/>
             <p:cNvSpPr/>
             <p:nvPr/>
           </p:nvSpPr>
@@ -8749,7 +8700,7 @@
         </p:sp>
         <p:sp>
           <p:nvSpPr>
-            <p:cNvPr id="185" name="tx185"/>
+            <p:cNvPr id="184" name="tx184"/>
             <p:cNvSpPr/>
             <p:nvPr/>
           </p:nvSpPr>
@@ -8795,7 +8746,7 @@
         </p:sp>
         <p:sp>
           <p:nvSpPr>
-            <p:cNvPr id="186" name="tx186"/>
+            <p:cNvPr id="185" name="tx185"/>
             <p:cNvSpPr/>
             <p:nvPr/>
           </p:nvSpPr>
@@ -8841,7 +8792,7 @@
         </p:sp>
         <p:sp>
           <p:nvSpPr>
-            <p:cNvPr id="187" name="tx187"/>
+            <p:cNvPr id="186" name="tx186"/>
             <p:cNvSpPr/>
             <p:nvPr/>
           </p:nvSpPr>
@@ -8887,7 +8838,7 @@
         </p:sp>
         <p:sp>
           <p:nvSpPr>
-            <p:cNvPr id="188" name="tx188"/>
+            <p:cNvPr id="187" name="tx187"/>
             <p:cNvSpPr/>
             <p:nvPr/>
           </p:nvSpPr>
@@ -8933,7 +8884,7 @@
         </p:sp>
         <p:sp>
           <p:nvSpPr>
-            <p:cNvPr id="189" name="tx189"/>
+            <p:cNvPr id="188" name="tx188"/>
             <p:cNvSpPr/>
             <p:nvPr/>
           </p:nvSpPr>
@@ -8979,7 +8930,7 @@
         </p:sp>
         <p:sp>
           <p:nvSpPr>
-            <p:cNvPr id="190" name="tx190"/>
+            <p:cNvPr id="189" name="tx189"/>
             <p:cNvSpPr/>
             <p:nvPr/>
           </p:nvSpPr>
@@ -9025,7 +8976,7 @@
         </p:sp>
         <p:sp>
           <p:nvSpPr>
-            <p:cNvPr id="191" name="tx191"/>
+            <p:cNvPr id="190" name="tx190"/>
             <p:cNvSpPr/>
             <p:nvPr/>
           </p:nvSpPr>
@@ -9064,7 +9015,7 @@
                   <a:latin typeface="Arial"/>
                   <a:cs typeface="Arial"/>
                 </a:rPr>
-                <a:t>physical symptoms reported by respondents (N=168)</a:t>
+                <a:t>physical symptoms reported by respondents (N=159)</a:t>
               </a:r>
             </a:p>
           </p:txBody>
